--- a/WEB NVA_01.10.2018.pptx
+++ b/WEB NVA_01.10.2018.pptx
@@ -37,6 +37,7 @@
     <p:sldId id="282" r:id="rId32"/>
     <p:sldId id="283" r:id="rId33"/>
     <p:sldId id="284" r:id="rId34"/>
+    <p:sldId id="285" r:id="rId35"/>
   </p:sldIdLst>
   <p:sldSz cy="5143500" cx="9144000"/>
   <p:notesSz cx="6858000" cy="9144000"/>
@@ -988,7 +989,7 @@
   <p:cSld>
     <p:spTree>
       <p:nvGrpSpPr>
-        <p:cNvPr id="172" name="Shape 172"/>
+        <p:cNvPr id="173" name="Shape 173"/>
         <p:cNvGrpSpPr/>
         <p:nvPr/>
       </p:nvGrpSpPr>
@@ -1002,7 +1003,7 @@
       </p:grpSpPr>
       <p:sp>
         <p:nvSpPr>
-          <p:cNvPr id="173" name="Google Shape;173;g43f0fa46d6_0_231:notes"/>
+          <p:cNvPr id="174" name="Google Shape;174;g43f0fa46d6_0_55:notes"/>
           <p:cNvSpPr/>
           <p:nvPr>
             <p:ph idx="2" type="sldImg"/>
@@ -1047,7 +1048,7 @@
       </p:sp>
       <p:sp>
         <p:nvSpPr>
-          <p:cNvPr id="174" name="Google Shape;174;g43f0fa46d6_0_231:notes"/>
+          <p:cNvPr id="175" name="Google Shape;175;g43f0fa46d6_0_55:notes"/>
           <p:cNvSpPr txBox="1"/>
           <p:nvPr>
             <p:ph idx="1" type="body"/>
@@ -1117,7 +1118,7 @@
   <p:cSld>
     <p:spTree>
       <p:nvGrpSpPr>
-        <p:cNvPr id="181" name="Shape 181"/>
+        <p:cNvPr id="182" name="Shape 182"/>
         <p:cNvGrpSpPr/>
         <p:nvPr/>
       </p:nvGrpSpPr>
@@ -1131,7 +1132,7 @@
       </p:grpSpPr>
       <p:sp>
         <p:nvSpPr>
-          <p:cNvPr id="182" name="Google Shape;182;g43f0fa46d6_0_241:notes"/>
+          <p:cNvPr id="183" name="Google Shape;183;g43f0fa46d6_0_231:notes"/>
           <p:cNvSpPr/>
           <p:nvPr>
             <p:ph idx="2" type="sldImg"/>
@@ -1176,7 +1177,7 @@
       </p:sp>
       <p:sp>
         <p:nvSpPr>
-          <p:cNvPr id="183" name="Google Shape;183;g43f0fa46d6_0_241:notes"/>
+          <p:cNvPr id="184" name="Google Shape;184;g43f0fa46d6_0_231:notes"/>
           <p:cNvSpPr txBox="1"/>
           <p:nvPr>
             <p:ph idx="1" type="body"/>
@@ -1246,7 +1247,7 @@
   <p:cSld>
     <p:spTree>
       <p:nvGrpSpPr>
-        <p:cNvPr id="190" name="Shape 190"/>
+        <p:cNvPr id="191" name="Shape 191"/>
         <p:cNvGrpSpPr/>
         <p:nvPr/>
       </p:nvGrpSpPr>
@@ -1260,7 +1261,7 @@
       </p:grpSpPr>
       <p:sp>
         <p:nvSpPr>
-          <p:cNvPr id="191" name="Google Shape;191;g43f0fa46d6_0_251:notes"/>
+          <p:cNvPr id="192" name="Google Shape;192;g43f0fa46d6_0_241:notes"/>
           <p:cNvSpPr/>
           <p:nvPr>
             <p:ph idx="2" type="sldImg"/>
@@ -1305,7 +1306,7 @@
       </p:sp>
       <p:sp>
         <p:nvSpPr>
-          <p:cNvPr id="192" name="Google Shape;192;g43f0fa46d6_0_251:notes"/>
+          <p:cNvPr id="193" name="Google Shape;193;g43f0fa46d6_0_241:notes"/>
           <p:cNvSpPr txBox="1"/>
           <p:nvPr>
             <p:ph idx="1" type="body"/>
@@ -1375,7 +1376,7 @@
   <p:cSld>
     <p:spTree>
       <p:nvGrpSpPr>
-        <p:cNvPr id="199" name="Shape 199"/>
+        <p:cNvPr id="200" name="Shape 200"/>
         <p:cNvGrpSpPr/>
         <p:nvPr/>
       </p:nvGrpSpPr>
@@ -1389,7 +1390,7 @@
       </p:grpSpPr>
       <p:sp>
         <p:nvSpPr>
-          <p:cNvPr id="200" name="Google Shape;200;g43f0fa46d6_0_221:notes"/>
+          <p:cNvPr id="201" name="Google Shape;201;g43f0fa46d6_0_251:notes"/>
           <p:cNvSpPr/>
           <p:nvPr>
             <p:ph idx="2" type="sldImg"/>
@@ -1434,7 +1435,7 @@
       </p:sp>
       <p:sp>
         <p:nvSpPr>
-          <p:cNvPr id="201" name="Google Shape;201;g43f0fa46d6_0_221:notes"/>
+          <p:cNvPr id="202" name="Google Shape;202;g43f0fa46d6_0_251:notes"/>
           <p:cNvSpPr txBox="1"/>
           <p:nvPr>
             <p:ph idx="1" type="body"/>
@@ -1504,7 +1505,7 @@
   <p:cSld>
     <p:spTree>
       <p:nvGrpSpPr>
-        <p:cNvPr id="208" name="Shape 208"/>
+        <p:cNvPr id="209" name="Shape 209"/>
         <p:cNvGrpSpPr/>
         <p:nvPr/>
       </p:nvGrpSpPr>
@@ -1518,7 +1519,7 @@
       </p:grpSpPr>
       <p:sp>
         <p:nvSpPr>
-          <p:cNvPr id="209" name="Google Shape;209;g43f0fa46d6_0_208:notes"/>
+          <p:cNvPr id="210" name="Google Shape;210;g43f0fa46d6_0_221:notes"/>
           <p:cNvSpPr/>
           <p:nvPr>
             <p:ph idx="2" type="sldImg"/>
@@ -1563,7 +1564,7 @@
       </p:sp>
       <p:sp>
         <p:nvSpPr>
-          <p:cNvPr id="210" name="Google Shape;210;g43f0fa46d6_0_208:notes"/>
+          <p:cNvPr id="211" name="Google Shape;211;g43f0fa46d6_0_221:notes"/>
           <p:cNvSpPr txBox="1"/>
           <p:nvPr>
             <p:ph idx="1" type="body"/>
@@ -1633,7 +1634,7 @@
   <p:cSld>
     <p:spTree>
       <p:nvGrpSpPr>
-        <p:cNvPr id="220" name="Shape 220"/>
+        <p:cNvPr id="218" name="Shape 218"/>
         <p:cNvGrpSpPr/>
         <p:nvPr/>
       </p:nvGrpSpPr>
@@ -1647,7 +1648,7 @@
       </p:grpSpPr>
       <p:sp>
         <p:nvSpPr>
-          <p:cNvPr id="221" name="Google Shape;221;g44e588c1f4_0_26:notes"/>
+          <p:cNvPr id="219" name="Google Shape;219;g43f0fa46d6_0_208:notes"/>
           <p:cNvSpPr/>
           <p:nvPr>
             <p:ph idx="2" type="sldImg"/>
@@ -1692,7 +1693,7 @@
       </p:sp>
       <p:sp>
         <p:nvSpPr>
-          <p:cNvPr id="222" name="Google Shape;222;g44e588c1f4_0_26:notes"/>
+          <p:cNvPr id="220" name="Google Shape;220;g43f0fa46d6_0_208:notes"/>
           <p:cNvSpPr txBox="1"/>
           <p:nvPr>
             <p:ph idx="1" type="body"/>
@@ -1762,7 +1763,7 @@
   <p:cSld>
     <p:spTree>
       <p:nvGrpSpPr>
-        <p:cNvPr id="232" name="Shape 232"/>
+        <p:cNvPr id="230" name="Shape 230"/>
         <p:cNvGrpSpPr/>
         <p:nvPr/>
       </p:nvGrpSpPr>
@@ -1776,7 +1777,7 @@
       </p:grpSpPr>
       <p:sp>
         <p:nvSpPr>
-          <p:cNvPr id="233" name="Google Shape;233;g44e588c1f4_0_37:notes"/>
+          <p:cNvPr id="231" name="Google Shape;231;g44e588c1f4_0_26:notes"/>
           <p:cNvSpPr/>
           <p:nvPr>
             <p:ph idx="2" type="sldImg"/>
@@ -1821,7 +1822,7 @@
       </p:sp>
       <p:sp>
         <p:nvSpPr>
-          <p:cNvPr id="234" name="Google Shape;234;g44e588c1f4_0_37:notes"/>
+          <p:cNvPr id="232" name="Google Shape;232;g44e588c1f4_0_26:notes"/>
           <p:cNvSpPr txBox="1"/>
           <p:nvPr>
             <p:ph idx="1" type="body"/>
@@ -1891,7 +1892,7 @@
   <p:cSld>
     <p:spTree>
       <p:nvGrpSpPr>
-        <p:cNvPr id="243" name="Shape 243"/>
+        <p:cNvPr id="242" name="Shape 242"/>
         <p:cNvGrpSpPr/>
         <p:nvPr/>
       </p:nvGrpSpPr>
@@ -1905,7 +1906,7 @@
       </p:grpSpPr>
       <p:sp>
         <p:nvSpPr>
-          <p:cNvPr id="244" name="Google Shape;244;g44e588c1f4_0_47:notes"/>
+          <p:cNvPr id="243" name="Google Shape;243;g44e588c1f4_0_37:notes"/>
           <p:cNvSpPr/>
           <p:nvPr>
             <p:ph idx="2" type="sldImg"/>
@@ -1950,7 +1951,7 @@
       </p:sp>
       <p:sp>
         <p:nvSpPr>
-          <p:cNvPr id="245" name="Google Shape;245;g44e588c1f4_0_47:notes"/>
+          <p:cNvPr id="244" name="Google Shape;244;g44e588c1f4_0_37:notes"/>
           <p:cNvSpPr txBox="1"/>
           <p:nvPr>
             <p:ph idx="1" type="body"/>
@@ -2020,7 +2021,7 @@
   <p:cSld>
     <p:spTree>
       <p:nvGrpSpPr>
-        <p:cNvPr id="254" name="Shape 254"/>
+        <p:cNvPr id="253" name="Shape 253"/>
         <p:cNvGrpSpPr/>
         <p:nvPr/>
       </p:nvGrpSpPr>
@@ -2034,7 +2035,7 @@
       </p:grpSpPr>
       <p:sp>
         <p:nvSpPr>
-          <p:cNvPr id="255" name="Google Shape;255;g44e588c1f4_0_57:notes"/>
+          <p:cNvPr id="254" name="Google Shape;254;g44e588c1f4_0_47:notes"/>
           <p:cNvSpPr/>
           <p:nvPr>
             <p:ph idx="2" type="sldImg"/>
@@ -2079,7 +2080,7 @@
       </p:sp>
       <p:sp>
         <p:nvSpPr>
-          <p:cNvPr id="256" name="Google Shape;256;g44e588c1f4_0_57:notes"/>
+          <p:cNvPr id="255" name="Google Shape;255;g44e588c1f4_0_47:notes"/>
           <p:cNvSpPr txBox="1"/>
           <p:nvPr>
             <p:ph idx="1" type="body"/>
@@ -2149,7 +2150,7 @@
   <p:cSld>
     <p:spTree>
       <p:nvGrpSpPr>
-        <p:cNvPr id="265" name="Shape 265"/>
+        <p:cNvPr id="264" name="Shape 264"/>
         <p:cNvGrpSpPr/>
         <p:nvPr/>
       </p:nvGrpSpPr>
@@ -2163,7 +2164,7 @@
       </p:grpSpPr>
       <p:sp>
         <p:nvSpPr>
-          <p:cNvPr id="266" name="Google Shape;266;p9:notes"/>
+          <p:cNvPr id="265" name="Google Shape;265;g44e588c1f4_0_57:notes"/>
           <p:cNvSpPr/>
           <p:nvPr>
             <p:ph idx="2" type="sldImg"/>
@@ -2208,7 +2209,7 @@
       </p:sp>
       <p:sp>
         <p:nvSpPr>
-          <p:cNvPr id="267" name="Google Shape;267;p9:notes"/>
+          <p:cNvPr id="266" name="Google Shape;266;g44e588c1f4_0_57:notes"/>
           <p:cNvSpPr txBox="1"/>
           <p:nvPr>
             <p:ph idx="1" type="body"/>
@@ -2217,7 +2218,7 @@
         <p:spPr>
           <a:xfrm>
             <a:off x="685800" y="4343400"/>
-            <a:ext cx="5486399" cy="4114800"/>
+            <a:ext cx="5486400" cy="4114800"/>
           </a:xfrm>
           <a:prstGeom prst="rect">
             <a:avLst/>
@@ -2255,7 +2256,7 @@
             </a:r>
             <a:endParaRPr b="0" i="0" sz="1100" u="none" cap="none" strike="noStrike">
               <a:solidFill>
-                <a:srgbClr val="000000"/>
+                <a:schemeClr val="dk1"/>
               </a:solidFill>
               <a:latin typeface="Arial"/>
               <a:ea typeface="Arial"/>
@@ -2407,7 +2408,7 @@
   <p:cSld>
     <p:spTree>
       <p:nvGrpSpPr>
-        <p:cNvPr id="274" name="Shape 274"/>
+        <p:cNvPr id="275" name="Shape 275"/>
         <p:cNvGrpSpPr/>
         <p:nvPr/>
       </p:nvGrpSpPr>
@@ -2421,7 +2422,7 @@
       </p:grpSpPr>
       <p:sp>
         <p:nvSpPr>
-          <p:cNvPr id="275" name="Google Shape;275;p10:notes"/>
+          <p:cNvPr id="276" name="Google Shape;276;p9:notes"/>
           <p:cNvSpPr/>
           <p:nvPr>
             <p:ph idx="2" type="sldImg"/>
@@ -2466,7 +2467,7 @@
       </p:sp>
       <p:sp>
         <p:nvSpPr>
-          <p:cNvPr id="276" name="Google Shape;276;p10:notes"/>
+          <p:cNvPr id="277" name="Google Shape;277;p9:notes"/>
           <p:cNvSpPr txBox="1"/>
           <p:nvPr>
             <p:ph idx="1" type="body"/>
@@ -2536,7 +2537,7 @@
   <p:cSld>
     <p:spTree>
       <p:nvGrpSpPr>
-        <p:cNvPr id="283" name="Shape 283"/>
+        <p:cNvPr id="284" name="Shape 284"/>
         <p:cNvGrpSpPr/>
         <p:nvPr/>
       </p:nvGrpSpPr>
@@ -2550,7 +2551,7 @@
       </p:grpSpPr>
       <p:sp>
         <p:nvSpPr>
-          <p:cNvPr id="284" name="Google Shape;284;p11:notes"/>
+          <p:cNvPr id="285" name="Google Shape;285;p10:notes"/>
           <p:cNvSpPr/>
           <p:nvPr>
             <p:ph idx="2" type="sldImg"/>
@@ -2595,7 +2596,7 @@
       </p:sp>
       <p:sp>
         <p:nvSpPr>
-          <p:cNvPr id="285" name="Google Shape;285;p11:notes"/>
+          <p:cNvPr id="286" name="Google Shape;286;p10:notes"/>
           <p:cNvSpPr txBox="1"/>
           <p:nvPr>
             <p:ph idx="1" type="body"/>
@@ -2604,7 +2605,7 @@
         <p:spPr>
           <a:xfrm>
             <a:off x="685800" y="4343400"/>
-            <a:ext cx="5486400" cy="4114800"/>
+            <a:ext cx="5486399" cy="4114800"/>
           </a:xfrm>
           <a:prstGeom prst="rect">
             <a:avLst/>
@@ -2665,7 +2666,7 @@
   <p:cSld>
     <p:spTree>
       <p:nvGrpSpPr>
-        <p:cNvPr id="292" name="Shape 292"/>
+        <p:cNvPr id="293" name="Shape 293"/>
         <p:cNvGrpSpPr/>
         <p:nvPr/>
       </p:nvGrpSpPr>
@@ -2679,7 +2680,7 @@
       </p:grpSpPr>
       <p:sp>
         <p:nvSpPr>
-          <p:cNvPr id="293" name="Google Shape;293;p12:notes"/>
+          <p:cNvPr id="294" name="Google Shape;294;p11:notes"/>
           <p:cNvSpPr/>
           <p:nvPr>
             <p:ph idx="2" type="sldImg"/>
@@ -2724,7 +2725,7 @@
       </p:sp>
       <p:sp>
         <p:nvSpPr>
-          <p:cNvPr id="294" name="Google Shape;294;p12:notes"/>
+          <p:cNvPr id="295" name="Google Shape;295;p11:notes"/>
           <p:cNvSpPr txBox="1"/>
           <p:nvPr>
             <p:ph idx="1" type="body"/>
@@ -2794,7 +2795,7 @@
   <p:cSld>
     <p:spTree>
       <p:nvGrpSpPr>
-        <p:cNvPr id="301" name="Shape 301"/>
+        <p:cNvPr id="302" name="Shape 302"/>
         <p:cNvGrpSpPr/>
         <p:nvPr/>
       </p:nvGrpSpPr>
@@ -2808,7 +2809,7 @@
       </p:grpSpPr>
       <p:sp>
         <p:nvSpPr>
-          <p:cNvPr id="302" name="Google Shape;302;p13:notes"/>
+          <p:cNvPr id="303" name="Google Shape;303;p12:notes"/>
           <p:cNvSpPr/>
           <p:nvPr>
             <p:ph idx="2" type="sldImg"/>
@@ -2853,7 +2854,7 @@
       </p:sp>
       <p:sp>
         <p:nvSpPr>
-          <p:cNvPr id="303" name="Google Shape;303;p13:notes"/>
+          <p:cNvPr id="304" name="Google Shape;304;p12:notes"/>
           <p:cNvSpPr txBox="1"/>
           <p:nvPr>
             <p:ph idx="1" type="body"/>
@@ -2923,7 +2924,7 @@
   <p:cSld>
     <p:spTree>
       <p:nvGrpSpPr>
-        <p:cNvPr id="310" name="Shape 310"/>
+        <p:cNvPr id="311" name="Shape 311"/>
         <p:cNvGrpSpPr/>
         <p:nvPr/>
       </p:nvGrpSpPr>
@@ -2937,7 +2938,7 @@
       </p:grpSpPr>
       <p:sp>
         <p:nvSpPr>
-          <p:cNvPr id="311" name="Google Shape;311;p14:notes"/>
+          <p:cNvPr id="312" name="Google Shape;312;p13:notes"/>
           <p:cNvSpPr/>
           <p:nvPr>
             <p:ph idx="2" type="sldImg"/>
@@ -2982,7 +2983,7 @@
       </p:sp>
       <p:sp>
         <p:nvSpPr>
-          <p:cNvPr id="312" name="Google Shape;312;p14:notes"/>
+          <p:cNvPr id="313" name="Google Shape;313;p13:notes"/>
           <p:cNvSpPr txBox="1"/>
           <p:nvPr>
             <p:ph idx="1" type="body"/>
@@ -3052,7 +3053,7 @@
   <p:cSld>
     <p:spTree>
       <p:nvGrpSpPr>
-        <p:cNvPr id="319" name="Shape 319"/>
+        <p:cNvPr id="320" name="Shape 320"/>
         <p:cNvGrpSpPr/>
         <p:nvPr/>
       </p:nvGrpSpPr>
@@ -3066,7 +3067,7 @@
       </p:grpSpPr>
       <p:sp>
         <p:nvSpPr>
-          <p:cNvPr id="320" name="Google Shape;320;p15:notes"/>
+          <p:cNvPr id="321" name="Google Shape;321;p14:notes"/>
           <p:cNvSpPr/>
           <p:nvPr>
             <p:ph idx="2" type="sldImg"/>
@@ -3111,7 +3112,7 @@
       </p:sp>
       <p:sp>
         <p:nvSpPr>
-          <p:cNvPr id="321" name="Google Shape;321;p15:notes"/>
+          <p:cNvPr id="322" name="Google Shape;322;p14:notes"/>
           <p:cNvSpPr txBox="1"/>
           <p:nvPr>
             <p:ph idx="1" type="body"/>
@@ -3181,7 +3182,7 @@
   <p:cSld>
     <p:spTree>
       <p:nvGrpSpPr>
-        <p:cNvPr id="328" name="Shape 328"/>
+        <p:cNvPr id="329" name="Shape 329"/>
         <p:cNvGrpSpPr/>
         <p:nvPr/>
       </p:nvGrpSpPr>
@@ -3195,7 +3196,7 @@
       </p:grpSpPr>
       <p:sp>
         <p:nvSpPr>
-          <p:cNvPr id="329" name="Google Shape;329;g43f0fa46d6_0_79:notes"/>
+          <p:cNvPr id="330" name="Google Shape;330;p15:notes"/>
           <p:cNvSpPr/>
           <p:nvPr>
             <p:ph idx="2" type="sldImg"/>
@@ -3240,7 +3241,7 @@
       </p:sp>
       <p:sp>
         <p:nvSpPr>
-          <p:cNvPr id="330" name="Google Shape;330;g43f0fa46d6_0_79:notes"/>
+          <p:cNvPr id="331" name="Google Shape;331;p15:notes"/>
           <p:cNvSpPr txBox="1"/>
           <p:nvPr>
             <p:ph idx="1" type="body"/>
@@ -3287,7 +3288,7 @@
             </a:r>
             <a:endParaRPr b="0" i="0" sz="1100" u="none" cap="none" strike="noStrike">
               <a:solidFill>
-                <a:schemeClr val="dk1"/>
+                <a:srgbClr val="000000"/>
               </a:solidFill>
               <a:latin typeface="Arial"/>
               <a:ea typeface="Arial"/>
@@ -3324,7 +3325,7 @@
       </p:grpSpPr>
       <p:sp>
         <p:nvSpPr>
-          <p:cNvPr id="339" name="Google Shape;339;g43f0fa46d6_0_261:notes"/>
+          <p:cNvPr id="339" name="Google Shape;339;g43f0fa46d6_0_79:notes"/>
           <p:cNvSpPr/>
           <p:nvPr>
             <p:ph idx="2" type="sldImg"/>
@@ -3369,7 +3370,7 @@
       </p:sp>
       <p:sp>
         <p:nvSpPr>
-          <p:cNvPr id="340" name="Google Shape;340;g43f0fa46d6_0_261:notes"/>
+          <p:cNvPr id="340" name="Google Shape;340;g43f0fa46d6_0_79:notes"/>
           <p:cNvSpPr txBox="1"/>
           <p:nvPr>
             <p:ph idx="1" type="body"/>
@@ -3453,7 +3454,7 @@
       </p:grpSpPr>
       <p:sp>
         <p:nvSpPr>
-          <p:cNvPr id="349" name="Google Shape;349;g44e588c1f4_0_0:notes"/>
+          <p:cNvPr id="349" name="Google Shape;349;g43f0fa46d6_0_261:notes"/>
           <p:cNvSpPr/>
           <p:nvPr>
             <p:ph idx="2" type="sldImg"/>
@@ -3498,7 +3499,7 @@
       </p:sp>
       <p:sp>
         <p:nvSpPr>
-          <p:cNvPr id="350" name="Google Shape;350;g44e588c1f4_0_0:notes"/>
+          <p:cNvPr id="350" name="Google Shape;350;g43f0fa46d6_0_261:notes"/>
           <p:cNvSpPr txBox="1"/>
           <p:nvPr>
             <p:ph idx="1" type="body"/>
@@ -3582,7 +3583,7 @@
       </p:grpSpPr>
       <p:sp>
         <p:nvSpPr>
-          <p:cNvPr id="359" name="Google Shape;359;p16:notes"/>
+          <p:cNvPr id="359" name="Google Shape;359;g44e588c1f4_0_0:notes"/>
           <p:cNvSpPr/>
           <p:nvPr>
             <p:ph idx="2" type="sldImg"/>
@@ -3627,7 +3628,7 @@
       </p:sp>
       <p:sp>
         <p:nvSpPr>
-          <p:cNvPr id="360" name="Google Shape;360;p16:notes"/>
+          <p:cNvPr id="360" name="Google Shape;360;g44e588c1f4_0_0:notes"/>
           <p:cNvSpPr txBox="1"/>
           <p:nvPr>
             <p:ph idx="1" type="body"/>
@@ -3636,7 +3637,7 @@
         <p:spPr>
           <a:xfrm>
             <a:off x="685800" y="4343400"/>
-            <a:ext cx="5486399" cy="4114800"/>
+            <a:ext cx="5486400" cy="4114800"/>
           </a:xfrm>
           <a:prstGeom prst="rect">
             <a:avLst/>
@@ -3795,6 +3796,135 @@
                 <a:schemeClr val="dk1"/>
               </a:buClr>
               <a:buSzPts val="1100"/>
+              <a:buFont typeface="Arial"/>
+              <a:buNone/>
+            </a:pPr>
+            <a:r>
+              <a:t/>
+            </a:r>
+            <a:endParaRPr b="0" i="0" sz="1100" u="none" cap="none" strike="noStrike">
+              <a:solidFill>
+                <a:schemeClr val="dk1"/>
+              </a:solidFill>
+              <a:latin typeface="Arial"/>
+              <a:ea typeface="Arial"/>
+              <a:cs typeface="Arial"/>
+              <a:sym typeface="Arial"/>
+            </a:endParaRPr>
+          </a:p>
+        </p:txBody>
+      </p:sp>
+    </p:spTree>
+  </p:cSld>
+  <p:clrMapOvr>
+    <a:masterClrMapping/>
+  </p:clrMapOvr>
+</p:notes>
+</file>
+
+<file path=ppt/notesSlides/notesSlide30.xml><?xml version="1.0" encoding="utf-8"?>
+<p:notes xmlns:a="http://schemas.openxmlformats.org/drawingml/2006/main" xmlns:r="http://schemas.openxmlformats.org/officeDocument/2006/relationships" xmlns:mc="http://schemas.openxmlformats.org/markup-compatibility/2006" xmlns:mv="urn:schemas-microsoft-com:mac:vml" xmlns:p="http://schemas.openxmlformats.org/presentationml/2006/main" xmlns:c="http://schemas.openxmlformats.org/drawingml/2006/chart" xmlns:dgm="http://schemas.openxmlformats.org/drawingml/2006/diagram" xmlns:o="urn:schemas-microsoft-com:office:office" xmlns:v="urn:schemas-microsoft-com:vml" xmlns:pvml="urn:schemas-microsoft-com:office:powerpoint" xmlns:com="http://schemas.openxmlformats.org/drawingml/2006/compatibility" xmlns:p14="http://schemas.microsoft.com/office/powerpoint/2010/main" xmlns:p15="http://schemas.microsoft.com/office/powerpoint/2012/main" showMasterPhAnim="0" showMasterSp="0">
+  <p:cSld>
+    <p:spTree>
+      <p:nvGrpSpPr>
+        <p:cNvPr id="368" name="Shape 368"/>
+        <p:cNvGrpSpPr/>
+        <p:nvPr/>
+      </p:nvGrpSpPr>
+      <p:grpSpPr>
+        <a:xfrm>
+          <a:off x="0" y="0"/>
+          <a:ext cx="0" cy="0"/>
+          <a:chOff x="0" y="0"/>
+          <a:chExt cx="0" cy="0"/>
+        </a:xfrm>
+      </p:grpSpPr>
+      <p:sp>
+        <p:nvSpPr>
+          <p:cNvPr id="369" name="Google Shape;369;p16:notes"/>
+          <p:cNvSpPr/>
+          <p:nvPr>
+            <p:ph idx="2" type="sldImg"/>
+          </p:nvPr>
+        </p:nvSpPr>
+        <p:spPr>
+          <a:xfrm>
+            <a:off x="381000" y="685800"/>
+            <a:ext cx="6096000" cy="3429000"/>
+          </a:xfrm>
+          <a:custGeom>
+            <a:rect b="b" l="l" r="r" t="t"/>
+            <a:pathLst>
+              <a:path extrusionOk="0" h="120000" w="120000">
+                <a:moveTo>
+                  <a:pt x="0" y="0"/>
+                </a:moveTo>
+                <a:lnTo>
+                  <a:pt x="120000" y="0"/>
+                </a:lnTo>
+                <a:lnTo>
+                  <a:pt x="120000" y="120000"/>
+                </a:lnTo>
+                <a:lnTo>
+                  <a:pt x="0" y="120000"/>
+                </a:lnTo>
+                <a:close/>
+              </a:path>
+            </a:pathLst>
+          </a:custGeom>
+          <a:noFill/>
+          <a:ln cap="flat" cmpd="sng" w="9525">
+            <a:solidFill>
+              <a:srgbClr val="000000"/>
+            </a:solidFill>
+            <a:prstDash val="solid"/>
+            <a:round/>
+            <a:headEnd len="sm" w="sm" type="none"/>
+            <a:tailEnd len="sm" w="sm" type="none"/>
+          </a:ln>
+        </p:spPr>
+      </p:sp>
+      <p:sp>
+        <p:nvSpPr>
+          <p:cNvPr id="370" name="Google Shape;370;p16:notes"/>
+          <p:cNvSpPr txBox="1"/>
+          <p:nvPr>
+            <p:ph idx="1" type="body"/>
+          </p:nvPr>
+        </p:nvSpPr>
+        <p:spPr>
+          <a:xfrm>
+            <a:off x="685800" y="4343400"/>
+            <a:ext cx="5486399" cy="4114800"/>
+          </a:xfrm>
+          <a:prstGeom prst="rect">
+            <a:avLst/>
+          </a:prstGeom>
+          <a:noFill/>
+          <a:ln>
+            <a:noFill/>
+          </a:ln>
+        </p:spPr>
+        <p:txBody>
+          <a:bodyPr anchorCtr="0" anchor="t" bIns="91425" lIns="91425" spcFirstLastPara="1" rIns="91425" wrap="square" tIns="91425">
+            <a:noAutofit/>
+          </a:bodyPr>
+          <a:lstStyle/>
+          <a:p>
+            <a:pPr indent="0" lvl="0" marL="0" marR="0" rtl="0" algn="l">
+              <a:lnSpc>
+                <a:spcPct val="100000"/>
+              </a:lnSpc>
+              <a:spcBef>
+                <a:spcPts val="0"/>
+              </a:spcBef>
+              <a:spcAft>
+                <a:spcPts val="0"/>
+              </a:spcAft>
+              <a:buClr>
+                <a:schemeClr val="dk1"/>
+              </a:buClr>
+              <a:buSzPts val="275"/>
               <a:buFont typeface="Arial"/>
               <a:buNone/>
             </a:pPr>
@@ -4213,7 +4343,7 @@
   <p:cSld>
     <p:spTree>
       <p:nvGrpSpPr>
-        <p:cNvPr id="145" name="Shape 145"/>
+        <p:cNvPr id="144" name="Shape 144"/>
         <p:cNvGrpSpPr/>
         <p:nvPr/>
       </p:nvGrpSpPr>
@@ -4227,7 +4357,7 @@
       </p:grpSpPr>
       <p:sp>
         <p:nvSpPr>
-          <p:cNvPr id="146" name="Google Shape;146;p8:notes"/>
+          <p:cNvPr id="145" name="Google Shape;145;g44df3020bb_0_0:notes"/>
           <p:cNvSpPr/>
           <p:nvPr>
             <p:ph idx="2" type="sldImg"/>
@@ -4272,7 +4402,7 @@
       </p:sp>
       <p:sp>
         <p:nvSpPr>
-          <p:cNvPr id="147" name="Google Shape;147;p8:notes"/>
+          <p:cNvPr id="146" name="Google Shape;146;g44df3020bb_0_0:notes"/>
           <p:cNvSpPr txBox="1"/>
           <p:nvPr>
             <p:ph idx="1" type="body"/>
@@ -4281,7 +4411,7 @@
         <p:spPr>
           <a:xfrm>
             <a:off x="685800" y="4343400"/>
-            <a:ext cx="5486399" cy="4114800"/>
+            <a:ext cx="5486400" cy="4114800"/>
           </a:xfrm>
           <a:prstGeom prst="rect">
             <a:avLst/>
@@ -4319,7 +4449,7 @@
             </a:r>
             <a:endParaRPr b="0" i="0" sz="1100" u="none" cap="none" strike="noStrike">
               <a:solidFill>
-                <a:srgbClr val="000000"/>
+                <a:schemeClr val="dk1"/>
               </a:solidFill>
               <a:latin typeface="Arial"/>
               <a:ea typeface="Arial"/>
@@ -4342,7 +4472,7 @@
   <p:cSld>
     <p:spTree>
       <p:nvGrpSpPr>
-        <p:cNvPr id="154" name="Shape 154"/>
+        <p:cNvPr id="155" name="Shape 155"/>
         <p:cNvGrpSpPr/>
         <p:nvPr/>
       </p:nvGrpSpPr>
@@ -4356,7 +4486,7 @@
       </p:grpSpPr>
       <p:sp>
         <p:nvSpPr>
-          <p:cNvPr id="155" name="Google Shape;155;g43f0fa46d6_0_169:notes"/>
+          <p:cNvPr id="156" name="Google Shape;156;p8:notes"/>
           <p:cNvSpPr/>
           <p:nvPr>
             <p:ph idx="2" type="sldImg"/>
@@ -4401,7 +4531,7 @@
       </p:sp>
       <p:sp>
         <p:nvSpPr>
-          <p:cNvPr id="156" name="Google Shape;156;g43f0fa46d6_0_169:notes"/>
+          <p:cNvPr id="157" name="Google Shape;157;p8:notes"/>
           <p:cNvSpPr txBox="1"/>
           <p:nvPr>
             <p:ph idx="1" type="body"/>
@@ -4410,7 +4540,7 @@
         <p:spPr>
           <a:xfrm>
             <a:off x="685800" y="4343400"/>
-            <a:ext cx="5486400" cy="4114800"/>
+            <a:ext cx="5486399" cy="4114800"/>
           </a:xfrm>
           <a:prstGeom prst="rect">
             <a:avLst/>
@@ -4471,7 +4601,7 @@
   <p:cSld>
     <p:spTree>
       <p:nvGrpSpPr>
-        <p:cNvPr id="163" name="Shape 163"/>
+        <p:cNvPr id="164" name="Shape 164"/>
         <p:cNvGrpSpPr/>
         <p:nvPr/>
       </p:nvGrpSpPr>
@@ -4485,7 +4615,7 @@
       </p:grpSpPr>
       <p:sp>
         <p:nvSpPr>
-          <p:cNvPr id="164" name="Google Shape;164;g43f0fa46d6_0_55:notes"/>
+          <p:cNvPr id="165" name="Google Shape;165;g43f0fa46d6_0_169:notes"/>
           <p:cNvSpPr/>
           <p:nvPr>
             <p:ph idx="2" type="sldImg"/>
@@ -4530,7 +4660,7 @@
       </p:sp>
       <p:sp>
         <p:nvSpPr>
-          <p:cNvPr id="165" name="Google Shape;165;g43f0fa46d6_0_55:notes"/>
+          <p:cNvPr id="166" name="Google Shape;166;g43f0fa46d6_0_169:notes"/>
           <p:cNvSpPr txBox="1"/>
           <p:nvPr>
             <p:ph idx="1" type="body"/>
@@ -4577,7 +4707,7 @@
             </a:r>
             <a:endParaRPr b="0" i="0" sz="1100" u="none" cap="none" strike="noStrike">
               <a:solidFill>
-                <a:schemeClr val="dk1"/>
+                <a:srgbClr val="000000"/>
               </a:solidFill>
               <a:latin typeface="Arial"/>
               <a:ea typeface="Arial"/>
@@ -24320,7 +24450,7 @@
   <p:cSld>
     <p:spTree>
       <p:nvGrpSpPr>
-        <p:cNvPr id="175" name="Shape 175"/>
+        <p:cNvPr id="176" name="Shape 176"/>
         <p:cNvGrpSpPr/>
         <p:nvPr/>
       </p:nvGrpSpPr>
@@ -24334,7 +24464,7 @@
       </p:grpSpPr>
       <p:sp>
         <p:nvSpPr>
-          <p:cNvPr id="176" name="Google Shape;176;p24"/>
+          <p:cNvPr id="177" name="Google Shape;177;p24"/>
           <p:cNvSpPr txBox="1"/>
           <p:nvPr>
             <p:ph type="title"/>
@@ -24378,7 +24508,7 @@
             </a:pPr>
             <a:r>
               <a:rPr lang="lt-LT"/>
-              <a:t>Kas tiek prasīts no Web Developer? 2015</a:t>
+              <a:t>Kas tiek prasīts no Web Developer? 2014</a:t>
             </a:r>
             <a:endParaRPr b="0" i="0" sz="3000" u="none" cap="none" strike="noStrike">
               <a:solidFill>
@@ -24425,7 +24555,7 @@
       </p:sp>
       <p:grpSp>
         <p:nvGrpSpPr>
-          <p:cNvPr id="177" name="Google Shape;177;p24"/>
+          <p:cNvPr id="178" name="Google Shape;178;p24"/>
           <p:cNvGrpSpPr/>
           <p:nvPr/>
         </p:nvGrpSpPr>
@@ -24439,7 +24569,7 @@
         </p:grpSpPr>
         <p:sp>
           <p:nvSpPr>
-            <p:cNvPr id="178" name="Google Shape;178;p24"/>
+            <p:cNvPr id="179" name="Google Shape;179;p24"/>
             <p:cNvSpPr/>
             <p:nvPr/>
           </p:nvSpPr>
@@ -24504,7 +24634,7 @@
         </p:sp>
         <p:pic>
           <p:nvPicPr>
-            <p:cNvPr id="179" name="Google Shape;179;p24"/>
+            <p:cNvPr id="180" name="Google Shape;180;p24"/>
             <p:cNvPicPr preferRelativeResize="0"/>
             <p:nvPr/>
           </p:nvPicPr>
@@ -24532,7 +24662,7 @@
       </p:grpSp>
       <p:pic>
         <p:nvPicPr>
-          <p:cNvPr descr="Saistīts attēls" id="180" name="Google Shape;180;p24"/>
+          <p:cNvPr descr="Attēlu rezultāti vaicājumam “web developer skills matrix”" id="181" name="Google Shape;181;p24"/>
           <p:cNvPicPr preferRelativeResize="0"/>
           <p:nvPr/>
         </p:nvPicPr>
@@ -24546,8 +24676,8 @@
         </p:blipFill>
         <p:spPr>
           <a:xfrm>
-            <a:off x="1951299" y="1550975"/>
-            <a:ext cx="4793526" cy="3469900"/>
+            <a:off x="252500" y="1601675"/>
+            <a:ext cx="8579801" cy="3235311"/>
           </a:xfrm>
           <a:prstGeom prst="rect">
             <a:avLst/>
@@ -24574,7 +24704,7 @@
   <p:cSld>
     <p:spTree>
       <p:nvGrpSpPr>
-        <p:cNvPr id="184" name="Shape 184"/>
+        <p:cNvPr id="185" name="Shape 185"/>
         <p:cNvGrpSpPr/>
         <p:nvPr/>
       </p:nvGrpSpPr>
@@ -24588,7 +24718,7 @@
       </p:grpSpPr>
       <p:sp>
         <p:nvSpPr>
-          <p:cNvPr id="185" name="Google Shape;185;p25"/>
+          <p:cNvPr id="186" name="Google Shape;186;p25"/>
           <p:cNvSpPr txBox="1"/>
           <p:nvPr>
             <p:ph type="title"/>
@@ -24632,7 +24762,7 @@
             </a:pPr>
             <a:r>
               <a:rPr lang="lt-LT"/>
-              <a:t>Kas tiek prasīts no Web Developer? 2018</a:t>
+              <a:t>Kas tiek prasīts no Web Developer? 2015</a:t>
             </a:r>
             <a:endParaRPr b="0" i="0" sz="3000" u="none" cap="none" strike="noStrike">
               <a:solidFill>
@@ -24679,7 +24809,7 @@
       </p:sp>
       <p:grpSp>
         <p:nvGrpSpPr>
-          <p:cNvPr id="186" name="Google Shape;186;p25"/>
+          <p:cNvPr id="187" name="Google Shape;187;p25"/>
           <p:cNvGrpSpPr/>
           <p:nvPr/>
         </p:nvGrpSpPr>
@@ -24693,7 +24823,7 @@
         </p:grpSpPr>
         <p:sp>
           <p:nvSpPr>
-            <p:cNvPr id="187" name="Google Shape;187;p25"/>
+            <p:cNvPr id="188" name="Google Shape;188;p25"/>
             <p:cNvSpPr/>
             <p:nvPr/>
           </p:nvSpPr>
@@ -24758,7 +24888,7 @@
         </p:sp>
         <p:pic>
           <p:nvPicPr>
-            <p:cNvPr id="188" name="Google Shape;188;p25"/>
+            <p:cNvPr id="189" name="Google Shape;189;p25"/>
             <p:cNvPicPr preferRelativeResize="0"/>
             <p:nvPr/>
           </p:nvPicPr>
@@ -24786,7 +24916,7 @@
       </p:grpSp>
       <p:pic>
         <p:nvPicPr>
-          <p:cNvPr descr="Attēlu rezultāti vaicājumam “back end development skills tree”" id="189" name="Google Shape;189;p25"/>
+          <p:cNvPr descr="Saistīts attēls" id="190" name="Google Shape;190;p25"/>
           <p:cNvPicPr preferRelativeResize="0"/>
           <p:nvPr/>
         </p:nvPicPr>
@@ -24800,8 +24930,8 @@
         </p:blipFill>
         <p:spPr>
           <a:xfrm>
-            <a:off x="1664800" y="1626725"/>
-            <a:ext cx="5814400" cy="3315500"/>
+            <a:off x="1951299" y="1550975"/>
+            <a:ext cx="4793526" cy="3469900"/>
           </a:xfrm>
           <a:prstGeom prst="rect">
             <a:avLst/>
@@ -24828,7 +24958,7 @@
   <p:cSld>
     <p:spTree>
       <p:nvGrpSpPr>
-        <p:cNvPr id="193" name="Shape 193"/>
+        <p:cNvPr id="194" name="Shape 194"/>
         <p:cNvGrpSpPr/>
         <p:nvPr/>
       </p:nvGrpSpPr>
@@ -24842,7 +24972,7 @@
       </p:grpSpPr>
       <p:sp>
         <p:nvSpPr>
-          <p:cNvPr id="194" name="Google Shape;194;p26"/>
+          <p:cNvPr id="195" name="Google Shape;195;p26"/>
           <p:cNvSpPr txBox="1"/>
           <p:nvPr>
             <p:ph type="title"/>
@@ -24886,7 +25016,7 @@
             </a:pPr>
             <a:r>
               <a:rPr lang="lt-LT"/>
-              <a:t>Vai ir tik traki?</a:t>
+              <a:t>Kas tiek prasīts no Web Developer? 2018</a:t>
             </a:r>
             <a:endParaRPr b="0" i="0" sz="3000" u="none" cap="none" strike="noStrike">
               <a:solidFill>
@@ -24933,7 +25063,7 @@
       </p:sp>
       <p:grpSp>
         <p:nvGrpSpPr>
-          <p:cNvPr id="195" name="Google Shape;195;p26"/>
+          <p:cNvPr id="196" name="Google Shape;196;p26"/>
           <p:cNvGrpSpPr/>
           <p:nvPr/>
         </p:nvGrpSpPr>
@@ -24947,7 +25077,7 @@
         </p:grpSpPr>
         <p:sp>
           <p:nvSpPr>
-            <p:cNvPr id="196" name="Google Shape;196;p26"/>
+            <p:cNvPr id="197" name="Google Shape;197;p26"/>
             <p:cNvSpPr/>
             <p:nvPr/>
           </p:nvSpPr>
@@ -25012,7 +25142,7 @@
         </p:sp>
         <p:pic>
           <p:nvPicPr>
-            <p:cNvPr id="197" name="Google Shape;197;p26"/>
+            <p:cNvPr id="198" name="Google Shape;198;p26"/>
             <p:cNvPicPr preferRelativeResize="0"/>
             <p:nvPr/>
           </p:nvPicPr>
@@ -25038,16 +25168,24 @@
           </p:spPr>
         </p:pic>
       </p:grpSp>
-      <p:sp>
-        <p:nvSpPr>
-          <p:cNvPr id="198" name="Google Shape;198;p26"/>
-          <p:cNvSpPr txBox="1"/>
+      <p:pic>
+        <p:nvPicPr>
+          <p:cNvPr descr="Attēlu rezultāti vaicājumam “back end development skills tree”" id="199" name="Google Shape;199;p26"/>
+          <p:cNvPicPr preferRelativeResize="0"/>
           <p:nvPr/>
-        </p:nvSpPr>
+        </p:nvPicPr>
+        <p:blipFill>
+          <a:blip r:embed="rId4">
+            <a:alphaModFix/>
+          </a:blip>
+          <a:stretch>
+            <a:fillRect/>
+          </a:stretch>
+        </p:blipFill>
         <p:spPr>
           <a:xfrm>
-            <a:off x="2488800" y="1550975"/>
-            <a:ext cx="3000000" cy="3000000"/>
+            <a:off x="1664800" y="1626725"/>
+            <a:ext cx="5814400" cy="3315500"/>
           </a:xfrm>
           <a:prstGeom prst="rect">
             <a:avLst/>
@@ -25057,187 +25195,7 @@
             <a:noFill/>
           </a:ln>
         </p:spPr>
-        <p:txBody>
-          <a:bodyPr anchorCtr="0" anchor="ctr" bIns="91425" lIns="91425" spcFirstLastPara="1" rIns="91425" wrap="square" tIns="91425">
-            <a:noAutofit/>
-          </a:bodyPr>
-          <a:lstStyle/>
-          <a:p>
-            <a:pPr indent="-285748" lvl="0" marL="514350" rtl="0" algn="l">
-              <a:lnSpc>
-                <a:spcPct val="90000"/>
-              </a:lnSpc>
-              <a:spcBef>
-                <a:spcPts val="0"/>
-              </a:spcBef>
-              <a:spcAft>
-                <a:spcPts val="0"/>
-              </a:spcAft>
-              <a:buClr>
-                <a:schemeClr val="lt1"/>
-              </a:buClr>
-              <a:buSzPts val="1696"/>
-              <a:buChar char="o"/>
-            </a:pPr>
-            <a:r>
-              <a:rPr lang="lt-LT" sz="1800">
-                <a:solidFill>
-                  <a:schemeClr val="lt1"/>
-                </a:solidFill>
-              </a:rPr>
-              <a:t>HTML</a:t>
-            </a:r>
-            <a:endParaRPr/>
-          </a:p>
-          <a:p>
-            <a:pPr indent="-285748" lvl="0" marL="514350" rtl="0" algn="l">
-              <a:lnSpc>
-                <a:spcPct val="90000"/>
-              </a:lnSpc>
-              <a:spcBef>
-                <a:spcPts val="0"/>
-              </a:spcBef>
-              <a:spcAft>
-                <a:spcPts val="0"/>
-              </a:spcAft>
-              <a:buClr>
-                <a:schemeClr val="lt1"/>
-              </a:buClr>
-              <a:buSzPts val="1696"/>
-              <a:buChar char="o"/>
-            </a:pPr>
-            <a:r>
-              <a:rPr lang="lt-LT" sz="1800">
-                <a:solidFill>
-                  <a:schemeClr val="lt1"/>
-                </a:solidFill>
-              </a:rPr>
-              <a:t>CSS</a:t>
-            </a:r>
-            <a:endParaRPr/>
-          </a:p>
-          <a:p>
-            <a:pPr indent="-285748" lvl="0" marL="514350" rtl="0" algn="l">
-              <a:lnSpc>
-                <a:spcPct val="90000"/>
-              </a:lnSpc>
-              <a:spcBef>
-                <a:spcPts val="300"/>
-              </a:spcBef>
-              <a:spcAft>
-                <a:spcPts val="0"/>
-              </a:spcAft>
-              <a:buClr>
-                <a:schemeClr val="lt1"/>
-              </a:buClr>
-              <a:buSzPts val="1696"/>
-              <a:buChar char="o"/>
-            </a:pPr>
-            <a:r>
-              <a:rPr lang="lt-LT" sz="1800">
-                <a:solidFill>
-                  <a:schemeClr val="lt1"/>
-                </a:solidFill>
-              </a:rPr>
-              <a:t>JavaScript</a:t>
-            </a:r>
-            <a:endParaRPr sz="1800">
-              <a:solidFill>
-                <a:schemeClr val="lt1"/>
-              </a:solidFill>
-            </a:endParaRPr>
-          </a:p>
-          <a:p>
-            <a:pPr indent="0" lvl="0" marL="0" rtl="0" algn="l">
-              <a:lnSpc>
-                <a:spcPct val="90000"/>
-              </a:lnSpc>
-              <a:spcBef>
-                <a:spcPts val="300"/>
-              </a:spcBef>
-              <a:spcAft>
-                <a:spcPts val="0"/>
-              </a:spcAft>
-              <a:buNone/>
-            </a:pPr>
-            <a:r>
-              <a:t/>
-            </a:r>
-            <a:endParaRPr sz="1800">
-              <a:solidFill>
-                <a:schemeClr val="lt1"/>
-              </a:solidFill>
-            </a:endParaRPr>
-          </a:p>
-          <a:p>
-            <a:pPr indent="0" lvl="0" marL="0" rtl="0" algn="l">
-              <a:lnSpc>
-                <a:spcPct val="90000"/>
-              </a:lnSpc>
-              <a:spcBef>
-                <a:spcPts val="300"/>
-              </a:spcBef>
-              <a:spcAft>
-                <a:spcPts val="0"/>
-              </a:spcAft>
-              <a:buNone/>
-            </a:pPr>
-            <a:r>
-              <a:t/>
-            </a:r>
-            <a:endParaRPr sz="1800">
-              <a:solidFill>
-                <a:schemeClr val="lt1"/>
-              </a:solidFill>
-            </a:endParaRPr>
-          </a:p>
-          <a:p>
-            <a:pPr indent="0" lvl="0" marL="0" rtl="0" algn="l">
-              <a:lnSpc>
-                <a:spcPct val="90000"/>
-              </a:lnSpc>
-              <a:spcBef>
-                <a:spcPts val="300"/>
-              </a:spcBef>
-              <a:spcAft>
-                <a:spcPts val="0"/>
-              </a:spcAft>
-              <a:buNone/>
-            </a:pPr>
-            <a:r>
-              <a:rPr lang="lt-LT" sz="2400">
-                <a:solidFill>
-                  <a:schemeClr val="lt1"/>
-                </a:solidFill>
-              </a:rPr>
-              <a:t>Web Development mode mainās strauji bet pamatvērtības paliek.</a:t>
-            </a:r>
-            <a:endParaRPr sz="2400">
-              <a:solidFill>
-                <a:schemeClr val="lt1"/>
-              </a:solidFill>
-            </a:endParaRPr>
-          </a:p>
-          <a:p>
-            <a:pPr indent="0" lvl="0" marL="514350" rtl="0" algn="l">
-              <a:lnSpc>
-                <a:spcPct val="90000"/>
-              </a:lnSpc>
-              <a:spcBef>
-                <a:spcPts val="300"/>
-              </a:spcBef>
-              <a:spcAft>
-                <a:spcPts val="0"/>
-              </a:spcAft>
-              <a:buNone/>
-            </a:pPr>
-            <a:r>
-              <a:t/>
-            </a:r>
-            <a:endParaRPr/>
-          </a:p>
-        </p:txBody>
-      </p:sp>
+      </p:pic>
     </p:spTree>
   </p:cSld>
   <p:clrMapOvr>
@@ -25254,7 +25212,7 @@
   <p:cSld>
     <p:spTree>
       <p:nvGrpSpPr>
-        <p:cNvPr id="202" name="Shape 202"/>
+        <p:cNvPr id="203" name="Shape 203"/>
         <p:cNvGrpSpPr/>
         <p:nvPr/>
       </p:nvGrpSpPr>
@@ -25268,7 +25226,7 @@
       </p:grpSpPr>
       <p:sp>
         <p:nvSpPr>
-          <p:cNvPr id="203" name="Google Shape;203;p27"/>
+          <p:cNvPr id="204" name="Google Shape;204;p27"/>
           <p:cNvSpPr txBox="1"/>
           <p:nvPr>
             <p:ph type="title"/>
@@ -25312,7 +25270,7 @@
             </a:pPr>
             <a:r>
               <a:rPr lang="lt-LT"/>
-              <a:t>DOM koks</a:t>
+              <a:t>Vai ir tik traki?</a:t>
             </a:r>
             <a:endParaRPr b="0" i="0" sz="3000" u="none" cap="none" strike="noStrike">
               <a:solidFill>
@@ -25359,7 +25317,7 @@
       </p:sp>
       <p:grpSp>
         <p:nvGrpSpPr>
-          <p:cNvPr id="204" name="Google Shape;204;p27"/>
+          <p:cNvPr id="205" name="Google Shape;205;p27"/>
           <p:cNvGrpSpPr/>
           <p:nvPr/>
         </p:nvGrpSpPr>
@@ -25373,7 +25331,7 @@
         </p:grpSpPr>
         <p:sp>
           <p:nvSpPr>
-            <p:cNvPr id="205" name="Google Shape;205;p27"/>
+            <p:cNvPr id="206" name="Google Shape;206;p27"/>
             <p:cNvSpPr/>
             <p:nvPr/>
           </p:nvSpPr>
@@ -25438,7 +25396,7 @@
         </p:sp>
         <p:pic>
           <p:nvPicPr>
-            <p:cNvPr id="206" name="Google Shape;206;p27"/>
+            <p:cNvPr id="207" name="Google Shape;207;p27"/>
             <p:cNvPicPr preferRelativeResize="0"/>
             <p:nvPr/>
           </p:nvPicPr>
@@ -25464,24 +25422,16 @@
           </p:spPr>
         </p:pic>
       </p:grpSp>
-      <p:pic>
-        <p:nvPicPr>
-          <p:cNvPr descr="DOM-model.svg" id="207" name="Google Shape;207;p27"/>
-          <p:cNvPicPr preferRelativeResize="0"/>
+      <p:sp>
+        <p:nvSpPr>
+          <p:cNvPr id="208" name="Google Shape;208;p27"/>
+          <p:cNvSpPr txBox="1"/>
           <p:nvPr/>
-        </p:nvPicPr>
-        <p:blipFill>
-          <a:blip r:embed="rId4">
-            <a:alphaModFix/>
-          </a:blip>
-          <a:stretch>
-            <a:fillRect/>
-          </a:stretch>
-        </p:blipFill>
+        </p:nvSpPr>
         <p:spPr>
           <a:xfrm>
-            <a:off x="2604225" y="1487700"/>
-            <a:ext cx="3413000" cy="3532625"/>
+            <a:off x="2488800" y="1550975"/>
+            <a:ext cx="3000000" cy="3000000"/>
           </a:xfrm>
           <a:prstGeom prst="rect">
             <a:avLst/>
@@ -25491,7 +25441,187 @@
             <a:noFill/>
           </a:ln>
         </p:spPr>
-      </p:pic>
+        <p:txBody>
+          <a:bodyPr anchorCtr="0" anchor="ctr" bIns="91425" lIns="91425" spcFirstLastPara="1" rIns="91425" wrap="square" tIns="91425">
+            <a:noAutofit/>
+          </a:bodyPr>
+          <a:lstStyle/>
+          <a:p>
+            <a:pPr indent="-285748" lvl="0" marL="514350" rtl="0" algn="l">
+              <a:lnSpc>
+                <a:spcPct val="90000"/>
+              </a:lnSpc>
+              <a:spcBef>
+                <a:spcPts val="0"/>
+              </a:spcBef>
+              <a:spcAft>
+                <a:spcPts val="0"/>
+              </a:spcAft>
+              <a:buClr>
+                <a:schemeClr val="lt1"/>
+              </a:buClr>
+              <a:buSzPts val="1696"/>
+              <a:buChar char="o"/>
+            </a:pPr>
+            <a:r>
+              <a:rPr lang="lt-LT" sz="1800">
+                <a:solidFill>
+                  <a:schemeClr val="lt1"/>
+                </a:solidFill>
+              </a:rPr>
+              <a:t>HTML</a:t>
+            </a:r>
+            <a:endParaRPr/>
+          </a:p>
+          <a:p>
+            <a:pPr indent="-285748" lvl="0" marL="514350" rtl="0" algn="l">
+              <a:lnSpc>
+                <a:spcPct val="90000"/>
+              </a:lnSpc>
+              <a:spcBef>
+                <a:spcPts val="0"/>
+              </a:spcBef>
+              <a:spcAft>
+                <a:spcPts val="0"/>
+              </a:spcAft>
+              <a:buClr>
+                <a:schemeClr val="lt1"/>
+              </a:buClr>
+              <a:buSzPts val="1696"/>
+              <a:buChar char="o"/>
+            </a:pPr>
+            <a:r>
+              <a:rPr lang="lt-LT" sz="1800">
+                <a:solidFill>
+                  <a:schemeClr val="lt1"/>
+                </a:solidFill>
+              </a:rPr>
+              <a:t>CSS</a:t>
+            </a:r>
+            <a:endParaRPr/>
+          </a:p>
+          <a:p>
+            <a:pPr indent="-285748" lvl="0" marL="514350" rtl="0" algn="l">
+              <a:lnSpc>
+                <a:spcPct val="90000"/>
+              </a:lnSpc>
+              <a:spcBef>
+                <a:spcPts val="300"/>
+              </a:spcBef>
+              <a:spcAft>
+                <a:spcPts val="0"/>
+              </a:spcAft>
+              <a:buClr>
+                <a:schemeClr val="lt1"/>
+              </a:buClr>
+              <a:buSzPts val="1696"/>
+              <a:buChar char="o"/>
+            </a:pPr>
+            <a:r>
+              <a:rPr lang="lt-LT" sz="1800">
+                <a:solidFill>
+                  <a:schemeClr val="lt1"/>
+                </a:solidFill>
+              </a:rPr>
+              <a:t>JavaScript</a:t>
+            </a:r>
+            <a:endParaRPr sz="1800">
+              <a:solidFill>
+                <a:schemeClr val="lt1"/>
+              </a:solidFill>
+            </a:endParaRPr>
+          </a:p>
+          <a:p>
+            <a:pPr indent="0" lvl="0" marL="0" rtl="0" algn="l">
+              <a:lnSpc>
+                <a:spcPct val="90000"/>
+              </a:lnSpc>
+              <a:spcBef>
+                <a:spcPts val="300"/>
+              </a:spcBef>
+              <a:spcAft>
+                <a:spcPts val="0"/>
+              </a:spcAft>
+              <a:buNone/>
+            </a:pPr>
+            <a:r>
+              <a:t/>
+            </a:r>
+            <a:endParaRPr sz="1800">
+              <a:solidFill>
+                <a:schemeClr val="lt1"/>
+              </a:solidFill>
+            </a:endParaRPr>
+          </a:p>
+          <a:p>
+            <a:pPr indent="0" lvl="0" marL="0" rtl="0" algn="l">
+              <a:lnSpc>
+                <a:spcPct val="90000"/>
+              </a:lnSpc>
+              <a:spcBef>
+                <a:spcPts val="300"/>
+              </a:spcBef>
+              <a:spcAft>
+                <a:spcPts val="0"/>
+              </a:spcAft>
+              <a:buNone/>
+            </a:pPr>
+            <a:r>
+              <a:t/>
+            </a:r>
+            <a:endParaRPr sz="1800">
+              <a:solidFill>
+                <a:schemeClr val="lt1"/>
+              </a:solidFill>
+            </a:endParaRPr>
+          </a:p>
+          <a:p>
+            <a:pPr indent="0" lvl="0" marL="0" rtl="0" algn="l">
+              <a:lnSpc>
+                <a:spcPct val="90000"/>
+              </a:lnSpc>
+              <a:spcBef>
+                <a:spcPts val="300"/>
+              </a:spcBef>
+              <a:spcAft>
+                <a:spcPts val="0"/>
+              </a:spcAft>
+              <a:buNone/>
+            </a:pPr>
+            <a:r>
+              <a:rPr lang="lt-LT" sz="2400">
+                <a:solidFill>
+                  <a:schemeClr val="lt1"/>
+                </a:solidFill>
+              </a:rPr>
+              <a:t>Web Development mode mainās strauji bet pamatvērtības paliek.</a:t>
+            </a:r>
+            <a:endParaRPr sz="2400">
+              <a:solidFill>
+                <a:schemeClr val="lt1"/>
+              </a:solidFill>
+            </a:endParaRPr>
+          </a:p>
+          <a:p>
+            <a:pPr indent="0" lvl="0" marL="514350" rtl="0" algn="l">
+              <a:lnSpc>
+                <a:spcPct val="90000"/>
+              </a:lnSpc>
+              <a:spcBef>
+                <a:spcPts val="300"/>
+              </a:spcBef>
+              <a:spcAft>
+                <a:spcPts val="0"/>
+              </a:spcAft>
+              <a:buNone/>
+            </a:pPr>
+            <a:r>
+              <a:t/>
+            </a:r>
+            <a:endParaRPr/>
+          </a:p>
+        </p:txBody>
+      </p:sp>
     </p:spTree>
   </p:cSld>
   <p:clrMapOvr>
@@ -25508,7 +25638,7 @@
   <p:cSld>
     <p:spTree>
       <p:nvGrpSpPr>
-        <p:cNvPr id="211" name="Shape 211"/>
+        <p:cNvPr id="212" name="Shape 212"/>
         <p:cNvGrpSpPr/>
         <p:nvPr/>
       </p:nvGrpSpPr>
@@ -25522,7 +25652,7 @@
       </p:grpSpPr>
       <p:sp>
         <p:nvSpPr>
-          <p:cNvPr id="212" name="Google Shape;212;p28"/>
+          <p:cNvPr id="213" name="Google Shape;213;p28"/>
           <p:cNvSpPr txBox="1"/>
           <p:nvPr>
             <p:ph type="title"/>
@@ -25566,7 +25696,7 @@
             </a:pPr>
             <a:r>
               <a:rPr lang="lt-LT"/>
-              <a:t>Kā strādā internets?</a:t>
+              <a:t>DOM koks</a:t>
             </a:r>
             <a:endParaRPr b="0" i="0" sz="3000" u="none" cap="none" strike="noStrike">
               <a:solidFill>
@@ -25613,7 +25743,7 @@
       </p:sp>
       <p:grpSp>
         <p:nvGrpSpPr>
-          <p:cNvPr id="213" name="Google Shape;213;p28"/>
+          <p:cNvPr id="214" name="Google Shape;214;p28"/>
           <p:cNvGrpSpPr/>
           <p:nvPr/>
         </p:nvGrpSpPr>
@@ -25627,7 +25757,7 @@
         </p:grpSpPr>
         <p:sp>
           <p:nvSpPr>
-            <p:cNvPr id="214" name="Google Shape;214;p28"/>
+            <p:cNvPr id="215" name="Google Shape;215;p28"/>
             <p:cNvSpPr/>
             <p:nvPr/>
           </p:nvSpPr>
@@ -25692,7 +25822,7 @@
         </p:sp>
         <p:pic>
           <p:nvPicPr>
-            <p:cNvPr id="215" name="Google Shape;215;p28"/>
+            <p:cNvPr id="216" name="Google Shape;216;p28"/>
             <p:cNvPicPr preferRelativeResize="0"/>
             <p:nvPr/>
           </p:nvPicPr>
@@ -25718,35 +25848,9 @@
           </p:spPr>
         </p:pic>
       </p:grpSp>
-      <p:cxnSp>
-        <p:nvCxnSpPr>
-          <p:cNvPr id="216" name="Google Shape;216;p28"/>
-          <p:cNvCxnSpPr/>
-          <p:nvPr/>
-        </p:nvCxnSpPr>
-        <p:spPr>
-          <a:xfrm>
-            <a:off x="962875" y="2657075"/>
-            <a:ext cx="4473000" cy="109800"/>
-          </a:xfrm>
-          <a:prstGeom prst="straightConnector1">
-            <a:avLst/>
-          </a:prstGeom>
-          <a:noFill/>
-          <a:ln cap="flat" cmpd="sng" w="9525">
-            <a:solidFill>
-              <a:schemeClr val="dk2"/>
-            </a:solidFill>
-            <a:prstDash val="solid"/>
-            <a:round/>
-            <a:headEnd len="sm" w="sm" type="none"/>
-            <a:tailEnd len="sm" w="sm" type="none"/>
-          </a:ln>
-        </p:spPr>
-      </p:cxnSp>
       <p:pic>
         <p:nvPicPr>
-          <p:cNvPr id="217" name="Google Shape;217;p28"/>
+          <p:cNvPr descr="DOM-model.svg" id="217" name="Google Shape;217;p28"/>
           <p:cNvPicPr preferRelativeResize="0"/>
           <p:nvPr/>
         </p:nvPicPr>
@@ -25760,8 +25864,8 @@
         </p:blipFill>
         <p:spPr>
           <a:xfrm>
-            <a:off x="2625850" y="1760175"/>
-            <a:ext cx="2343150" cy="1314450"/>
+            <a:off x="2604225" y="1487700"/>
+            <a:ext cx="3413000" cy="3532625"/>
           </a:xfrm>
           <a:prstGeom prst="rect">
             <a:avLst/>
@@ -25772,240 +25876,6 @@
           </a:ln>
         </p:spPr>
       </p:pic>
-      <p:sp>
-        <p:nvSpPr>
-          <p:cNvPr id="218" name="Google Shape;218;p28"/>
-          <p:cNvSpPr txBox="1"/>
-          <p:nvPr/>
-        </p:nvSpPr>
-        <p:spPr>
-          <a:xfrm>
-            <a:off x="2496000" y="1796250"/>
-            <a:ext cx="4624200" cy="2539200"/>
-          </a:xfrm>
-          <a:prstGeom prst="rect">
-            <a:avLst/>
-          </a:prstGeom>
-          <a:noFill/>
-          <a:ln>
-            <a:noFill/>
-          </a:ln>
-        </p:spPr>
-        <p:txBody>
-          <a:bodyPr anchorCtr="0" anchor="ctr" bIns="91425" lIns="91425" spcFirstLastPara="1" rIns="91425" wrap="square" tIns="91425">
-            <a:noAutofit/>
-          </a:bodyPr>
-          <a:lstStyle/>
-          <a:p>
-            <a:pPr indent="0" lvl="0" marL="0" rtl="0" algn="l">
-              <a:spcBef>
-                <a:spcPts val="0"/>
-              </a:spcBef>
-              <a:spcAft>
-                <a:spcPts val="0"/>
-              </a:spcAft>
-              <a:buNone/>
-            </a:pPr>
-            <a:r>
-              <a:t/>
-            </a:r>
-            <a:endParaRPr/>
-          </a:p>
-          <a:p>
-            <a:pPr indent="0" lvl="0" marL="0" rtl="0" algn="l">
-              <a:spcBef>
-                <a:spcPts val="0"/>
-              </a:spcBef>
-              <a:spcAft>
-                <a:spcPts val="0"/>
-              </a:spcAft>
-              <a:buNone/>
-            </a:pPr>
-            <a:r>
-              <a:t/>
-            </a:r>
-            <a:endParaRPr/>
-          </a:p>
-          <a:p>
-            <a:pPr indent="0" lvl="0" marL="0" rtl="0" algn="l">
-              <a:spcBef>
-                <a:spcPts val="0"/>
-              </a:spcBef>
-              <a:spcAft>
-                <a:spcPts val="0"/>
-              </a:spcAft>
-              <a:buNone/>
-            </a:pPr>
-            <a:r>
-              <a:t/>
-            </a:r>
-            <a:endParaRPr/>
-          </a:p>
-          <a:p>
-            <a:pPr indent="0" lvl="0" marL="0" rtl="0" algn="l">
-              <a:spcBef>
-                <a:spcPts val="0"/>
-              </a:spcBef>
-              <a:spcAft>
-                <a:spcPts val="0"/>
-              </a:spcAft>
-              <a:buNone/>
-            </a:pPr>
-            <a:r>
-              <a:t/>
-            </a:r>
-            <a:endParaRPr/>
-          </a:p>
-          <a:p>
-            <a:pPr indent="0" lvl="0" marL="0" rtl="0" algn="l">
-              <a:spcBef>
-                <a:spcPts val="0"/>
-              </a:spcBef>
-              <a:spcAft>
-                <a:spcPts val="0"/>
-              </a:spcAft>
-              <a:buNone/>
-            </a:pPr>
-            <a:r>
-              <a:rPr lang="lt-LT"/>
-              <a:t> </a:t>
-            </a:r>
-            <a:endParaRPr/>
-          </a:p>
-          <a:p>
-            <a:pPr indent="0" lvl="0" marL="0" rtl="0" algn="l">
-              <a:spcBef>
-                <a:spcPts val="0"/>
-              </a:spcBef>
-              <a:spcAft>
-                <a:spcPts val="0"/>
-              </a:spcAft>
-              <a:buNone/>
-            </a:pPr>
-            <a:r>
-              <a:t/>
-            </a:r>
-            <a:endParaRPr/>
-          </a:p>
-          <a:p>
-            <a:pPr indent="0" lvl="0" marL="0" rtl="0" algn="l">
-              <a:lnSpc>
-                <a:spcPct val="115000"/>
-              </a:lnSpc>
-              <a:spcBef>
-                <a:spcPts val="2400"/>
-              </a:spcBef>
-              <a:spcAft>
-                <a:spcPts val="0"/>
-              </a:spcAft>
-              <a:buNone/>
-            </a:pPr>
-            <a:r>
-              <a:rPr b="1" lang="lt-LT"/>
-              <a:t>How the Internet Works in 5 Minutes</a:t>
-            </a:r>
-            <a:endParaRPr b="1"/>
-          </a:p>
-          <a:p>
-            <a:pPr indent="0" lvl="0" marL="0" rtl="0" algn="l">
-              <a:spcBef>
-                <a:spcPts val="600"/>
-              </a:spcBef>
-              <a:spcAft>
-                <a:spcPts val="0"/>
-              </a:spcAft>
-              <a:buNone/>
-            </a:pPr>
-            <a:r>
-              <a:rPr lang="lt-LT" sz="1100" u="sng">
-                <a:solidFill>
-                  <a:schemeClr val="hlink"/>
-                </a:solidFill>
-                <a:hlinkClick r:id="rId5"/>
-              </a:rPr>
-              <a:t>4:49</a:t>
-            </a:r>
-            <a:endParaRPr/>
-          </a:p>
-          <a:p>
-            <a:pPr indent="0" lvl="0" marL="0" rtl="0" algn="l">
-              <a:spcBef>
-                <a:spcPts val="0"/>
-              </a:spcBef>
-              <a:spcAft>
-                <a:spcPts val="0"/>
-              </a:spcAft>
-              <a:buNone/>
-            </a:pPr>
-            <a:r>
-              <a:rPr lang="lt-LT"/>
-              <a:t>https://www.youtube.com/watch?v=7_LPdttKXPc</a:t>
-            </a:r>
-            <a:endParaRPr/>
-          </a:p>
-          <a:p>
-            <a:pPr indent="0" lvl="0" marL="0" rtl="0" algn="l">
-              <a:spcBef>
-                <a:spcPts val="0"/>
-              </a:spcBef>
-              <a:spcAft>
-                <a:spcPts val="0"/>
-              </a:spcAft>
-              <a:buNone/>
-            </a:pPr>
-            <a:r>
-              <a:t/>
-            </a:r>
-            <a:endParaRPr>
-              <a:uFill>
-                <a:noFill/>
-              </a:uFill>
-              <a:hlinkClick r:id="rId6"/>
-            </a:endParaRPr>
-          </a:p>
-        </p:txBody>
-      </p:sp>
-      <p:sp>
-        <p:nvSpPr>
-          <p:cNvPr id="219" name="Google Shape;219;p28"/>
-          <p:cNvSpPr txBox="1"/>
-          <p:nvPr/>
-        </p:nvSpPr>
-        <p:spPr>
-          <a:xfrm>
-            <a:off x="1890025" y="4126350"/>
-            <a:ext cx="4220100" cy="685200"/>
-          </a:xfrm>
-          <a:prstGeom prst="rect">
-            <a:avLst/>
-          </a:prstGeom>
-          <a:noFill/>
-          <a:ln>
-            <a:noFill/>
-          </a:ln>
-        </p:spPr>
-        <p:txBody>
-          <a:bodyPr anchorCtr="0" anchor="ctr" bIns="91425" lIns="91425" spcFirstLastPara="1" rIns="91425" wrap="square" tIns="91425">
-            <a:noAutofit/>
-          </a:bodyPr>
-          <a:lstStyle/>
-          <a:p>
-            <a:pPr indent="0" lvl="0" marL="0" rtl="0" algn="l">
-              <a:spcBef>
-                <a:spcPts val="0"/>
-              </a:spcBef>
-              <a:spcAft>
-                <a:spcPts val="0"/>
-              </a:spcAft>
-              <a:buNone/>
-            </a:pPr>
-            <a:r>
-              <a:t/>
-            </a:r>
-            <a:endParaRPr/>
-          </a:p>
-        </p:txBody>
-      </p:sp>
     </p:spTree>
   </p:cSld>
   <p:clrMapOvr>
@@ -26022,7 +25892,7 @@
   <p:cSld>
     <p:spTree>
       <p:nvGrpSpPr>
-        <p:cNvPr id="223" name="Shape 223"/>
+        <p:cNvPr id="221" name="Shape 221"/>
         <p:cNvGrpSpPr/>
         <p:nvPr/>
       </p:nvGrpSpPr>
@@ -26036,7 +25906,7 @@
       </p:grpSpPr>
       <p:sp>
         <p:nvSpPr>
-          <p:cNvPr id="224" name="Google Shape;224;p29"/>
+          <p:cNvPr id="222" name="Google Shape;222;p29"/>
           <p:cNvSpPr txBox="1"/>
           <p:nvPr>
             <p:ph type="title"/>
@@ -26080,7 +25950,7 @@
             </a:pPr>
             <a:r>
               <a:rPr lang="lt-LT"/>
-              <a:t>Neliela tīmekļa vēsture</a:t>
+              <a:t>Kā strādā internets?</a:t>
             </a:r>
             <a:endParaRPr b="0" i="0" sz="3000" u="none" cap="none" strike="noStrike">
               <a:solidFill>
@@ -26127,7 +25997,7 @@
       </p:sp>
       <p:grpSp>
         <p:nvGrpSpPr>
-          <p:cNvPr id="225" name="Google Shape;225;p29"/>
+          <p:cNvPr id="223" name="Google Shape;223;p29"/>
           <p:cNvGrpSpPr/>
           <p:nvPr/>
         </p:nvGrpSpPr>
@@ -26141,7 +26011,7 @@
         </p:grpSpPr>
         <p:sp>
           <p:nvSpPr>
-            <p:cNvPr id="226" name="Google Shape;226;p29"/>
+            <p:cNvPr id="224" name="Google Shape;224;p29"/>
             <p:cNvSpPr/>
             <p:nvPr/>
           </p:nvSpPr>
@@ -26206,7 +26076,7 @@
         </p:sp>
         <p:pic>
           <p:nvPicPr>
-            <p:cNvPr id="227" name="Google Shape;227;p29"/>
+            <p:cNvPr id="225" name="Google Shape;225;p29"/>
             <p:cNvPicPr preferRelativeResize="0"/>
             <p:nvPr/>
           </p:nvPicPr>
@@ -26234,7 +26104,7 @@
       </p:grpSp>
       <p:cxnSp>
         <p:nvCxnSpPr>
-          <p:cNvPr id="228" name="Google Shape;228;p29"/>
+          <p:cNvPr id="226" name="Google Shape;226;p29"/>
           <p:cNvCxnSpPr/>
           <p:nvPr/>
         </p:nvCxnSpPr>
@@ -26260,7 +26130,7 @@
       </p:cxnSp>
       <p:pic>
         <p:nvPicPr>
-          <p:cNvPr id="229" name="Google Shape;229;p29"/>
+          <p:cNvPr id="227" name="Google Shape;227;p29"/>
           <p:cNvPicPr preferRelativeResize="0"/>
           <p:nvPr/>
         </p:nvPicPr>
@@ -26274,36 +26144,8 @@
         </p:blipFill>
         <p:spPr>
           <a:xfrm>
-            <a:off x="4465375" y="2156925"/>
-            <a:ext cx="2794000" cy="2095500"/>
-          </a:xfrm>
-          <a:prstGeom prst="rect">
-            <a:avLst/>
-          </a:prstGeom>
-          <a:noFill/>
-          <a:ln>
-            <a:noFill/>
-          </a:ln>
-        </p:spPr>
-      </p:pic>
-      <p:pic>
-        <p:nvPicPr>
-          <p:cNvPr id="230" name="Google Shape;230;p29"/>
-          <p:cNvPicPr preferRelativeResize="0"/>
-          <p:nvPr/>
-        </p:nvPicPr>
-        <p:blipFill>
-          <a:blip r:embed="rId5">
-            <a:alphaModFix/>
-          </a:blip>
-          <a:stretch>
-            <a:fillRect/>
-          </a:stretch>
-        </p:blipFill>
-        <p:spPr>
-          <a:xfrm>
-            <a:off x="1486075" y="2385913"/>
-            <a:ext cx="1637525" cy="1637525"/>
+            <a:off x="2625850" y="1760175"/>
+            <a:ext cx="2343150" cy="1314450"/>
           </a:xfrm>
           <a:prstGeom prst="rect">
             <a:avLst/>
@@ -26316,14 +26158,14 @@
       </p:pic>
       <p:sp>
         <p:nvSpPr>
-          <p:cNvPr id="231" name="Google Shape;231;p29"/>
+          <p:cNvPr id="228" name="Google Shape;228;p29"/>
           <p:cNvSpPr txBox="1"/>
           <p:nvPr/>
         </p:nvSpPr>
         <p:spPr>
           <a:xfrm>
-            <a:off x="1486138" y="4023425"/>
-            <a:ext cx="1637400" cy="627600"/>
+            <a:off x="2496000" y="1796250"/>
+            <a:ext cx="4624200" cy="2539200"/>
           </a:xfrm>
           <a:prstGeom prst="rect">
             <a:avLst/>
@@ -26349,12 +26191,200 @@
               <a:buNone/>
             </a:pPr>
             <a:r>
-              <a:rPr lang="lt-LT" sz="1150">
-                <a:solidFill>
-                  <a:srgbClr val="A3AAAE"/>
-                </a:solidFill>
+              <a:t/>
+            </a:r>
+            <a:endParaRPr/>
+          </a:p>
+          <a:p>
+            <a:pPr indent="0" lvl="0" marL="0" rtl="0" algn="l">
+              <a:spcBef>
+                <a:spcPts val="0"/>
+              </a:spcBef>
+              <a:spcAft>
+                <a:spcPts val="0"/>
+              </a:spcAft>
+              <a:buNone/>
+            </a:pPr>
+            <a:r>
+              <a:t/>
+            </a:r>
+            <a:endParaRPr/>
+          </a:p>
+          <a:p>
+            <a:pPr indent="0" lvl="0" marL="0" rtl="0" algn="l">
+              <a:spcBef>
+                <a:spcPts val="0"/>
+              </a:spcBef>
+              <a:spcAft>
+                <a:spcPts val="0"/>
+              </a:spcAft>
+              <a:buNone/>
+            </a:pPr>
+            <a:r>
+              <a:t/>
+            </a:r>
+            <a:endParaRPr/>
+          </a:p>
+          <a:p>
+            <a:pPr indent="0" lvl="0" marL="0" rtl="0" algn="l">
+              <a:spcBef>
+                <a:spcPts val="0"/>
+              </a:spcBef>
+              <a:spcAft>
+                <a:spcPts val="0"/>
+              </a:spcAft>
+              <a:buNone/>
+            </a:pPr>
+            <a:r>
+              <a:t/>
+            </a:r>
+            <a:endParaRPr/>
+          </a:p>
+          <a:p>
+            <a:pPr indent="0" lvl="0" marL="0" rtl="0" algn="l">
+              <a:spcBef>
+                <a:spcPts val="0"/>
+              </a:spcBef>
+              <a:spcAft>
+                <a:spcPts val="0"/>
+              </a:spcAft>
+              <a:buNone/>
+            </a:pPr>
+            <a:r>
+              <a:rPr lang="lt-LT"/>
+              <a:t> </a:t>
+            </a:r>
+            <a:endParaRPr/>
+          </a:p>
+          <a:p>
+            <a:pPr indent="0" lvl="0" marL="0" rtl="0" algn="l">
+              <a:spcBef>
+                <a:spcPts val="0"/>
+              </a:spcBef>
+              <a:spcAft>
+                <a:spcPts val="0"/>
+              </a:spcAft>
+              <a:buNone/>
+            </a:pPr>
+            <a:r>
+              <a:t/>
+            </a:r>
+            <a:endParaRPr/>
+          </a:p>
+          <a:p>
+            <a:pPr indent="0" lvl="0" marL="0" rtl="0" algn="l">
+              <a:lnSpc>
+                <a:spcPct val="115000"/>
+              </a:lnSpc>
+              <a:spcBef>
+                <a:spcPts val="2400"/>
+              </a:spcBef>
+              <a:spcAft>
+                <a:spcPts val="0"/>
+              </a:spcAft>
+              <a:buNone/>
+            </a:pPr>
+            <a:r>
+              <a:rPr b="1" lang="lt-LT"/>
+              <a:t>How the Internet Works in 5 Minutes</a:t>
+            </a:r>
+            <a:endParaRPr b="1"/>
+          </a:p>
+          <a:p>
+            <a:pPr indent="0" lvl="0" marL="0" rtl="0" algn="l">
+              <a:spcBef>
+                <a:spcPts val="600"/>
+              </a:spcBef>
+              <a:spcAft>
+                <a:spcPts val="0"/>
+              </a:spcAft>
+              <a:buNone/>
+            </a:pPr>
+            <a:r>
+              <a:rPr lang="lt-LT" sz="1100" u="sng">
+                <a:solidFill>
+                  <a:schemeClr val="hlink"/>
+                </a:solidFill>
+                <a:hlinkClick r:id="rId5"/>
               </a:rPr>
-              <a:t>https://bit.ly/1KJ4Ic5</a:t>
+              <a:t>4:49</a:t>
+            </a:r>
+            <a:endParaRPr/>
+          </a:p>
+          <a:p>
+            <a:pPr indent="0" lvl="0" marL="0" rtl="0" algn="l">
+              <a:spcBef>
+                <a:spcPts val="0"/>
+              </a:spcBef>
+              <a:spcAft>
+                <a:spcPts val="0"/>
+              </a:spcAft>
+              <a:buNone/>
+            </a:pPr>
+            <a:r>
+              <a:rPr lang="lt-LT"/>
+              <a:t>https://www.youtube.com/watch?v=7_LPdttKXPc</a:t>
+            </a:r>
+            <a:endParaRPr/>
+          </a:p>
+          <a:p>
+            <a:pPr indent="0" lvl="0" marL="0" rtl="0" algn="l">
+              <a:spcBef>
+                <a:spcPts val="0"/>
+              </a:spcBef>
+              <a:spcAft>
+                <a:spcPts val="0"/>
+              </a:spcAft>
+              <a:buNone/>
+            </a:pPr>
+            <a:r>
+              <a:t/>
+            </a:r>
+            <a:endParaRPr>
+              <a:uFill>
+                <a:noFill/>
+              </a:uFill>
+              <a:hlinkClick r:id="rId6"/>
+            </a:endParaRPr>
+          </a:p>
+        </p:txBody>
+      </p:sp>
+      <p:sp>
+        <p:nvSpPr>
+          <p:cNvPr id="229" name="Google Shape;229;p29"/>
+          <p:cNvSpPr txBox="1"/>
+          <p:nvPr/>
+        </p:nvSpPr>
+        <p:spPr>
+          <a:xfrm>
+            <a:off x="1890025" y="4126350"/>
+            <a:ext cx="4220100" cy="685200"/>
+          </a:xfrm>
+          <a:prstGeom prst="rect">
+            <a:avLst/>
+          </a:prstGeom>
+          <a:noFill/>
+          <a:ln>
+            <a:noFill/>
+          </a:ln>
+        </p:spPr>
+        <p:txBody>
+          <a:bodyPr anchorCtr="0" anchor="ctr" bIns="91425" lIns="91425" spcFirstLastPara="1" rIns="91425" wrap="square" tIns="91425">
+            <a:noAutofit/>
+          </a:bodyPr>
+          <a:lstStyle/>
+          <a:p>
+            <a:pPr indent="0" lvl="0" marL="0" rtl="0" algn="l">
+              <a:spcBef>
+                <a:spcPts val="0"/>
+              </a:spcBef>
+              <a:spcAft>
+                <a:spcPts val="0"/>
+              </a:spcAft>
+              <a:buNone/>
+            </a:pPr>
+            <a:r>
+              <a:t/>
             </a:r>
             <a:endParaRPr/>
           </a:p>
@@ -26376,7 +26406,7 @@
   <p:cSld>
     <p:spTree>
       <p:nvGrpSpPr>
-        <p:cNvPr id="235" name="Shape 235"/>
+        <p:cNvPr id="233" name="Shape 233"/>
         <p:cNvGrpSpPr/>
         <p:nvPr/>
       </p:nvGrpSpPr>
@@ -26390,7 +26420,7 @@
       </p:grpSpPr>
       <p:sp>
         <p:nvSpPr>
-          <p:cNvPr id="236" name="Google Shape;236;p30"/>
+          <p:cNvPr id="234" name="Google Shape;234;p30"/>
           <p:cNvSpPr txBox="1"/>
           <p:nvPr>
             <p:ph type="title"/>
@@ -26434,7 +26464,7 @@
             </a:pPr>
             <a:r>
               <a:rPr lang="lt-LT"/>
-              <a:t>Tīmekļa vēsture I</a:t>
+              <a:t>Neliela tīmekļa vēsture</a:t>
             </a:r>
             <a:endParaRPr b="0" i="0" sz="3000" u="none" cap="none" strike="noStrike">
               <a:solidFill>
@@ -26481,7 +26511,7 @@
       </p:sp>
       <p:grpSp>
         <p:nvGrpSpPr>
-          <p:cNvPr id="237" name="Google Shape;237;p30"/>
+          <p:cNvPr id="235" name="Google Shape;235;p30"/>
           <p:cNvGrpSpPr/>
           <p:nvPr/>
         </p:nvGrpSpPr>
@@ -26495,7 +26525,7 @@
         </p:grpSpPr>
         <p:sp>
           <p:nvSpPr>
-            <p:cNvPr id="238" name="Google Shape;238;p30"/>
+            <p:cNvPr id="236" name="Google Shape;236;p30"/>
             <p:cNvSpPr/>
             <p:nvPr/>
           </p:nvSpPr>
@@ -26560,7 +26590,7 @@
         </p:sp>
         <p:pic>
           <p:nvPicPr>
-            <p:cNvPr id="239" name="Google Shape;239;p30"/>
+            <p:cNvPr id="237" name="Google Shape;237;p30"/>
             <p:cNvPicPr preferRelativeResize="0"/>
             <p:nvPr/>
           </p:nvPicPr>
@@ -26588,7 +26618,7 @@
       </p:grpSp>
       <p:cxnSp>
         <p:nvCxnSpPr>
-          <p:cNvPr id="240" name="Google Shape;240;p30"/>
+          <p:cNvPr id="238" name="Google Shape;238;p30"/>
           <p:cNvCxnSpPr/>
           <p:nvPr/>
         </p:nvCxnSpPr>
@@ -26614,7 +26644,7 @@
       </p:cxnSp>
       <p:pic>
         <p:nvPicPr>
-          <p:cNvPr descr="Courtesy Arturo Contreras." id="241" name="Google Shape;241;p30"/>
+          <p:cNvPr id="239" name="Google Shape;239;p30"/>
           <p:cNvPicPr preferRelativeResize="0"/>
           <p:nvPr/>
         </p:nvPicPr>
@@ -26628,8 +26658,36 @@
         </p:blipFill>
         <p:spPr>
           <a:xfrm>
-            <a:off x="2438299" y="1536550"/>
-            <a:ext cx="4047200" cy="3377325"/>
+            <a:off x="4465375" y="2156925"/>
+            <a:ext cx="2794000" cy="2095500"/>
+          </a:xfrm>
+          <a:prstGeom prst="rect">
+            <a:avLst/>
+          </a:prstGeom>
+          <a:noFill/>
+          <a:ln>
+            <a:noFill/>
+          </a:ln>
+        </p:spPr>
+      </p:pic>
+      <p:pic>
+        <p:nvPicPr>
+          <p:cNvPr id="240" name="Google Shape;240;p30"/>
+          <p:cNvPicPr preferRelativeResize="0"/>
+          <p:nvPr/>
+        </p:nvPicPr>
+        <p:blipFill>
+          <a:blip r:embed="rId5">
+            <a:alphaModFix/>
+          </a:blip>
+          <a:stretch>
+            <a:fillRect/>
+          </a:stretch>
+        </p:blipFill>
+        <p:spPr>
+          <a:xfrm>
+            <a:off x="1486075" y="2385913"/>
+            <a:ext cx="1637525" cy="1637525"/>
           </a:xfrm>
           <a:prstGeom prst="rect">
             <a:avLst/>
@@ -26642,14 +26700,14 @@
       </p:pic>
       <p:sp>
         <p:nvSpPr>
-          <p:cNvPr id="242" name="Google Shape;242;p30"/>
+          <p:cNvPr id="241" name="Google Shape;241;p30"/>
           <p:cNvSpPr txBox="1"/>
           <p:nvPr/>
         </p:nvSpPr>
         <p:spPr>
           <a:xfrm>
-            <a:off x="2577093" y="1675344"/>
-            <a:ext cx="2732100" cy="2732100"/>
+            <a:off x="1486138" y="4023425"/>
+            <a:ext cx="1637400" cy="627600"/>
           </a:xfrm>
           <a:prstGeom prst="rect">
             <a:avLst/>
@@ -26675,20 +26733,14 @@
               <a:buNone/>
             </a:pPr>
             <a:r>
-              <a:rPr lang="lt-LT" sz="1100" u="sng">
-                <a:solidFill>
-                  <a:schemeClr val="hlink"/>
-                </a:solidFill>
-                <a:hlinkClick r:id="rId5"/>
+              <a:rPr lang="lt-LT" sz="1150">
+                <a:solidFill>
+                  <a:srgbClr val="A3AAAE"/>
+                </a:solidFill>
               </a:rPr>
-              <a:t>.</a:t>
+              <a:t>https://bit.ly/1KJ4Ic5</a:t>
             </a:r>
-            <a:endParaRPr sz="1100" u="sng">
-              <a:solidFill>
-                <a:schemeClr val="hlink"/>
-              </a:solidFill>
-              <a:hlinkClick r:id="rId6"/>
-            </a:endParaRPr>
+            <a:endParaRPr/>
           </a:p>
         </p:txBody>
       </p:sp>
@@ -26708,7 +26760,7 @@
   <p:cSld>
     <p:spTree>
       <p:nvGrpSpPr>
-        <p:cNvPr id="246" name="Shape 246"/>
+        <p:cNvPr id="245" name="Shape 245"/>
         <p:cNvGrpSpPr/>
         <p:nvPr/>
       </p:nvGrpSpPr>
@@ -26722,7 +26774,7 @@
       </p:grpSpPr>
       <p:sp>
         <p:nvSpPr>
-          <p:cNvPr id="247" name="Google Shape;247;p31"/>
+          <p:cNvPr id="246" name="Google Shape;246;p31"/>
           <p:cNvSpPr txBox="1"/>
           <p:nvPr>
             <p:ph type="title"/>
@@ -26766,7 +26818,7 @@
             </a:pPr>
             <a:r>
               <a:rPr lang="lt-LT"/>
-              <a:t>Tīmekļa vēsture II</a:t>
+              <a:t>Tīmekļa vēsture I</a:t>
             </a:r>
             <a:endParaRPr b="0" i="0" sz="3000" u="none" cap="none" strike="noStrike">
               <a:solidFill>
@@ -26813,7 +26865,7 @@
       </p:sp>
       <p:grpSp>
         <p:nvGrpSpPr>
-          <p:cNvPr id="248" name="Google Shape;248;p31"/>
+          <p:cNvPr id="247" name="Google Shape;247;p31"/>
           <p:cNvGrpSpPr/>
           <p:nvPr/>
         </p:nvGrpSpPr>
@@ -26827,7 +26879,7 @@
         </p:grpSpPr>
         <p:sp>
           <p:nvSpPr>
-            <p:cNvPr id="249" name="Google Shape;249;p31"/>
+            <p:cNvPr id="248" name="Google Shape;248;p31"/>
             <p:cNvSpPr/>
             <p:nvPr/>
           </p:nvSpPr>
@@ -26892,7 +26944,7 @@
         </p:sp>
         <p:pic>
           <p:nvPicPr>
-            <p:cNvPr id="250" name="Google Shape;250;p31"/>
+            <p:cNvPr id="249" name="Google Shape;249;p31"/>
             <p:cNvPicPr preferRelativeResize="0"/>
             <p:nvPr/>
           </p:nvPicPr>
@@ -26920,7 +26972,7 @@
       </p:grpSp>
       <p:cxnSp>
         <p:nvCxnSpPr>
-          <p:cNvPr id="251" name="Google Shape;251;p31"/>
+          <p:cNvPr id="250" name="Google Shape;250;p31"/>
           <p:cNvCxnSpPr/>
           <p:nvPr/>
         </p:nvCxnSpPr>
@@ -26946,7 +26998,7 @@
       </p:cxnSp>
       <p:pic>
         <p:nvPicPr>
-          <p:cNvPr id="252" name="Google Shape;252;p31"/>
+          <p:cNvPr descr="Courtesy Arturo Contreras." id="251" name="Google Shape;251;p31"/>
           <p:cNvPicPr preferRelativeResize="0"/>
           <p:nvPr/>
         </p:nvPicPr>
@@ -26960,8 +27012,8 @@
         </p:blipFill>
         <p:spPr>
           <a:xfrm>
-            <a:off x="1211776" y="1538925"/>
-            <a:ext cx="6283450" cy="3362226"/>
+            <a:off x="2438299" y="1536550"/>
+            <a:ext cx="4047200" cy="3377325"/>
           </a:xfrm>
           <a:prstGeom prst="rect">
             <a:avLst/>
@@ -26974,14 +27026,14 @@
       </p:pic>
       <p:sp>
         <p:nvSpPr>
-          <p:cNvPr id="253" name="Google Shape;253;p31"/>
+          <p:cNvPr id="252" name="Google Shape;252;p31"/>
           <p:cNvSpPr txBox="1"/>
           <p:nvPr/>
         </p:nvSpPr>
         <p:spPr>
           <a:xfrm>
-            <a:off x="1316500" y="1643649"/>
-            <a:ext cx="2061300" cy="2061300"/>
+            <a:off x="2577093" y="1675344"/>
+            <a:ext cx="2732100" cy="2732100"/>
           </a:xfrm>
           <a:prstGeom prst="rect">
             <a:avLst/>
@@ -27007,10 +27059,20 @@
               <a:buNone/>
             </a:pPr>
             <a:r>
-              <a:rPr lang="lt-LT"/>
-              <a:t>			</a:t>
+              <a:rPr lang="lt-LT" sz="1100" u="sng">
+                <a:solidFill>
+                  <a:schemeClr val="hlink"/>
+                </a:solidFill>
+                <a:hlinkClick r:id="rId5"/>
+              </a:rPr>
+              <a:t>.</a:t>
             </a:r>
-            <a:endParaRPr/>
+            <a:endParaRPr sz="1100" u="sng">
+              <a:solidFill>
+                <a:schemeClr val="hlink"/>
+              </a:solidFill>
+              <a:hlinkClick r:id="rId6"/>
+            </a:endParaRPr>
           </a:p>
         </p:txBody>
       </p:sp>
@@ -27030,7 +27092,7 @@
   <p:cSld>
     <p:spTree>
       <p:nvGrpSpPr>
-        <p:cNvPr id="257" name="Shape 257"/>
+        <p:cNvPr id="256" name="Shape 256"/>
         <p:cNvGrpSpPr/>
         <p:nvPr/>
       </p:nvGrpSpPr>
@@ -27044,7 +27106,7 @@
       </p:grpSpPr>
       <p:sp>
         <p:nvSpPr>
-          <p:cNvPr id="258" name="Google Shape;258;p32"/>
+          <p:cNvPr id="257" name="Google Shape;257;p32"/>
           <p:cNvSpPr txBox="1"/>
           <p:nvPr>
             <p:ph type="title"/>
@@ -27088,7 +27150,7 @@
             </a:pPr>
             <a:r>
               <a:rPr lang="lt-LT"/>
-              <a:t>Tīmekļa vēsture III</a:t>
+              <a:t>Tīmekļa vēsture II</a:t>
             </a:r>
             <a:endParaRPr b="0" i="0" sz="3000" u="none" cap="none" strike="noStrike">
               <a:solidFill>
@@ -27135,7 +27197,7 @@
       </p:sp>
       <p:grpSp>
         <p:nvGrpSpPr>
-          <p:cNvPr id="259" name="Google Shape;259;p32"/>
+          <p:cNvPr id="258" name="Google Shape;258;p32"/>
           <p:cNvGrpSpPr/>
           <p:nvPr/>
         </p:nvGrpSpPr>
@@ -27149,7 +27211,7 @@
         </p:grpSpPr>
         <p:sp>
           <p:nvSpPr>
-            <p:cNvPr id="260" name="Google Shape;260;p32"/>
+            <p:cNvPr id="259" name="Google Shape;259;p32"/>
             <p:cNvSpPr/>
             <p:nvPr/>
           </p:nvSpPr>
@@ -27214,7 +27276,7 @@
         </p:sp>
         <p:pic>
           <p:nvPicPr>
-            <p:cNvPr id="261" name="Google Shape;261;p32"/>
+            <p:cNvPr id="260" name="Google Shape;260;p32"/>
             <p:cNvPicPr preferRelativeResize="0"/>
             <p:nvPr/>
           </p:nvPicPr>
@@ -27242,7 +27304,7 @@
       </p:grpSp>
       <p:cxnSp>
         <p:nvCxnSpPr>
-          <p:cNvPr id="262" name="Google Shape;262;p32"/>
+          <p:cNvPr id="261" name="Google Shape;261;p32"/>
           <p:cNvCxnSpPr/>
           <p:nvPr/>
         </p:nvCxnSpPr>
@@ -27266,6 +27328,34 @@
           </a:ln>
         </p:spPr>
       </p:cxnSp>
+      <p:pic>
+        <p:nvPicPr>
+          <p:cNvPr id="262" name="Google Shape;262;p32"/>
+          <p:cNvPicPr preferRelativeResize="0"/>
+          <p:nvPr/>
+        </p:nvPicPr>
+        <p:blipFill>
+          <a:blip r:embed="rId4">
+            <a:alphaModFix/>
+          </a:blip>
+          <a:stretch>
+            <a:fillRect/>
+          </a:stretch>
+        </p:blipFill>
+        <p:spPr>
+          <a:xfrm>
+            <a:off x="1211776" y="1538925"/>
+            <a:ext cx="6283450" cy="3362226"/>
+          </a:xfrm>
+          <a:prstGeom prst="rect">
+            <a:avLst/>
+          </a:prstGeom>
+          <a:noFill/>
+          <a:ln>
+            <a:noFill/>
+          </a:ln>
+        </p:spPr>
+      </p:pic>
       <p:sp>
         <p:nvSpPr>
           <p:cNvPr id="263" name="Google Shape;263;p32"/>
@@ -27308,34 +27398,6 @@
           </a:p>
         </p:txBody>
       </p:sp>
-      <p:pic>
-        <p:nvPicPr>
-          <p:cNvPr descr="Image result for web standards history html css timeline" id="264" name="Google Shape;264;p32"/>
-          <p:cNvPicPr preferRelativeResize="0"/>
-          <p:nvPr/>
-        </p:nvPicPr>
-        <p:blipFill>
-          <a:blip r:embed="rId4">
-            <a:alphaModFix/>
-          </a:blip>
-          <a:stretch>
-            <a:fillRect/>
-          </a:stretch>
-        </p:blipFill>
-        <p:spPr>
-          <a:xfrm>
-            <a:off x="1470800" y="1379300"/>
-            <a:ext cx="5884400" cy="3701975"/>
-          </a:xfrm>
-          <a:prstGeom prst="rect">
-            <a:avLst/>
-          </a:prstGeom>
-          <a:noFill/>
-          <a:ln>
-            <a:noFill/>
-          </a:ln>
-        </p:spPr>
-      </p:pic>
     </p:spTree>
   </p:cSld>
   <p:clrMapOvr>
@@ -27352,7 +27414,7 @@
   <p:cSld>
     <p:spTree>
       <p:nvGrpSpPr>
-        <p:cNvPr id="268" name="Shape 268"/>
+        <p:cNvPr id="267" name="Shape 267"/>
         <p:cNvGrpSpPr/>
         <p:nvPr/>
       </p:nvGrpSpPr>
@@ -27366,7 +27428,7 @@
       </p:grpSpPr>
       <p:sp>
         <p:nvSpPr>
-          <p:cNvPr id="269" name="Google Shape;269;p33"/>
+          <p:cNvPr id="268" name="Google Shape;268;p33"/>
           <p:cNvSpPr txBox="1"/>
           <p:nvPr>
             <p:ph type="title"/>
@@ -27375,7 +27437,7 @@
         <p:spPr>
           <a:xfrm>
             <a:off x="311700" y="445025"/>
-            <a:ext cx="8520599" cy="572699"/>
+            <a:ext cx="8520600" cy="572700"/>
           </a:xfrm>
           <a:prstGeom prst="rect">
             <a:avLst/>
@@ -27409,16 +27471,39 @@
               <a:buNone/>
             </a:pPr>
             <a:r>
-              <a:rPr b="0" i="0" lang="lt-LT" sz="3000" u="none" cap="none" strike="noStrike">
-                <a:solidFill>
-                  <a:schemeClr val="dk2"/>
-                </a:solidFill>
-                <a:latin typeface="Calibri"/>
-                <a:ea typeface="Calibri"/>
-                <a:cs typeface="Calibri"/>
-                <a:sym typeface="Calibri"/>
-              </a:rPr>
-              <a:t>Dators = paklausīgs bērns</a:t>
+              <a:rPr lang="lt-LT"/>
+              <a:t>Tīmekļa vēsture III</a:t>
+            </a:r>
+            <a:endParaRPr b="0" i="0" sz="3000" u="none" cap="none" strike="noStrike">
+              <a:solidFill>
+                <a:schemeClr val="dk2"/>
+              </a:solidFill>
+              <a:latin typeface="Calibri"/>
+              <a:ea typeface="Calibri"/>
+              <a:cs typeface="Calibri"/>
+              <a:sym typeface="Calibri"/>
+            </a:endParaRPr>
+          </a:p>
+          <a:p>
+            <a:pPr indent="0" lvl="0" marL="0" marR="0" rtl="0" algn="l">
+              <a:lnSpc>
+                <a:spcPct val="85000"/>
+              </a:lnSpc>
+              <a:spcBef>
+                <a:spcPts val="0"/>
+              </a:spcBef>
+              <a:spcAft>
+                <a:spcPts val="0"/>
+              </a:spcAft>
+              <a:buClr>
+                <a:schemeClr val="dk1"/>
+              </a:buClr>
+              <a:buSzPts val="750"/>
+              <a:buFont typeface="Arial"/>
+              <a:buNone/>
+            </a:pPr>
+            <a:r>
+              <a:t/>
             </a:r>
             <a:endParaRPr b="0" i="0" sz="3000" u="none" cap="none" strike="noStrike">
               <a:solidFill>
@@ -27434,28 +27519,28 @@
       </p:sp>
       <p:grpSp>
         <p:nvGrpSpPr>
-          <p:cNvPr id="270" name="Google Shape;270;p33"/>
+          <p:cNvPr id="269" name="Google Shape;269;p33"/>
           <p:cNvGrpSpPr/>
           <p:nvPr/>
         </p:nvGrpSpPr>
         <p:grpSpPr>
           <a:xfrm>
-            <a:off x="6684334" y="145928"/>
-            <a:ext cx="2459665" cy="1233375"/>
-            <a:chOff x="6684334" y="145928"/>
-            <a:chExt cx="2459665" cy="1233375"/>
+            <a:off x="6684334" y="146004"/>
+            <a:ext cx="2459700" cy="1233300"/>
+            <a:chOff x="6684334" y="146004"/>
+            <a:chExt cx="2459700" cy="1233300"/>
           </a:xfrm>
         </p:grpSpPr>
         <p:sp>
           <p:nvSpPr>
-            <p:cNvPr id="271" name="Google Shape;271;p33"/>
+            <p:cNvPr id="270" name="Google Shape;270;p33"/>
             <p:cNvSpPr/>
             <p:nvPr/>
           </p:nvSpPr>
           <p:spPr>
             <a:xfrm rot="-5400000">
-              <a:off x="7297479" y="-467217"/>
-              <a:ext cx="1233375" cy="2459665"/>
+              <a:off x="7297534" y="-467196"/>
+              <a:ext cx="1233300" cy="2459700"/>
             </a:xfrm>
             <a:prstGeom prst="rtTriangle">
               <a:avLst/>
@@ -27513,7 +27598,7 @@
         </p:sp>
         <p:pic>
           <p:nvPicPr>
-            <p:cNvPr id="272" name="Google Shape;272;p33"/>
+            <p:cNvPr id="271" name="Google Shape;271;p33"/>
             <p:cNvPicPr preferRelativeResize="0"/>
             <p:nvPr/>
           </p:nvPicPr>
@@ -27527,7 +27612,7 @@
           <p:spPr>
             <a:xfrm>
               <a:off x="8088792" y="445025"/>
-              <a:ext cx="1055207" cy="837900"/>
+              <a:ext cx="1055101" cy="837900"/>
             </a:xfrm>
             <a:prstGeom prst="rect">
               <a:avLst/>
@@ -27539,23 +27624,92 @@
           </p:spPr>
         </p:pic>
       </p:grpSp>
+      <p:cxnSp>
+        <p:nvCxnSpPr>
+          <p:cNvPr id="272" name="Google Shape;272;p33"/>
+          <p:cNvCxnSpPr/>
+          <p:nvPr/>
+        </p:nvCxnSpPr>
+        <p:spPr>
+          <a:xfrm>
+            <a:off x="962875" y="2657075"/>
+            <a:ext cx="4473000" cy="109800"/>
+          </a:xfrm>
+          <a:prstGeom prst="straightConnector1">
+            <a:avLst/>
+          </a:prstGeom>
+          <a:noFill/>
+          <a:ln cap="flat" cmpd="sng" w="9525">
+            <a:solidFill>
+              <a:schemeClr val="dk2"/>
+            </a:solidFill>
+            <a:prstDash val="solid"/>
+            <a:round/>
+            <a:headEnd len="sm" w="sm" type="none"/>
+            <a:tailEnd len="sm" w="sm" type="none"/>
+          </a:ln>
+        </p:spPr>
+      </p:cxnSp>
+      <p:sp>
+        <p:nvSpPr>
+          <p:cNvPr id="273" name="Google Shape;273;p33"/>
+          <p:cNvSpPr txBox="1"/>
+          <p:nvPr/>
+        </p:nvSpPr>
+        <p:spPr>
+          <a:xfrm>
+            <a:off x="1316500" y="1643649"/>
+            <a:ext cx="2061300" cy="2061300"/>
+          </a:xfrm>
+          <a:prstGeom prst="rect">
+            <a:avLst/>
+          </a:prstGeom>
+          <a:noFill/>
+          <a:ln>
+            <a:noFill/>
+          </a:ln>
+        </p:spPr>
+        <p:txBody>
+          <a:bodyPr anchorCtr="0" anchor="ctr" bIns="91425" lIns="91425" spcFirstLastPara="1" rIns="91425" wrap="square" tIns="91425">
+            <a:noAutofit/>
+          </a:bodyPr>
+          <a:lstStyle/>
+          <a:p>
+            <a:pPr indent="0" lvl="0" marL="0" rtl="0" algn="l">
+              <a:spcBef>
+                <a:spcPts val="0"/>
+              </a:spcBef>
+              <a:spcAft>
+                <a:spcPts val="0"/>
+              </a:spcAft>
+              <a:buNone/>
+            </a:pPr>
+            <a:r>
+              <a:rPr lang="lt-LT"/>
+              <a:t>			</a:t>
+            </a:r>
+            <a:endParaRPr/>
+          </a:p>
+        </p:txBody>
+      </p:sp>
       <p:pic>
         <p:nvPicPr>
-          <p:cNvPr id="273" name="Google Shape;273;p33"/>
+          <p:cNvPr descr="Image result for web standards history html css timeline" id="274" name="Google Shape;274;p33"/>
           <p:cNvPicPr preferRelativeResize="0"/>
           <p:nvPr/>
         </p:nvPicPr>
-        <p:blipFill rotWithShape="1">
+        <p:blipFill>
           <a:blip r:embed="rId4">
             <a:alphaModFix/>
           </a:blip>
-          <a:srcRect b="0" l="0" r="0" t="0"/>
-          <a:stretch/>
+          <a:stretch>
+            <a:fillRect/>
+          </a:stretch>
         </p:blipFill>
         <p:spPr>
           <a:xfrm>
-            <a:off x="2820300" y="1480678"/>
-            <a:ext cx="3503410" cy="3459397"/>
+            <a:off x="1470800" y="1379300"/>
+            <a:ext cx="5884400" cy="3701975"/>
           </a:xfrm>
           <a:prstGeom prst="rect">
             <a:avLst/>
@@ -28216,7 +28370,7 @@
   <p:cSld>
     <p:spTree>
       <p:nvGrpSpPr>
-        <p:cNvPr id="277" name="Shape 277"/>
+        <p:cNvPr id="278" name="Shape 278"/>
         <p:cNvGrpSpPr/>
         <p:nvPr/>
       </p:nvGrpSpPr>
@@ -28230,7 +28384,7 @@
       </p:grpSpPr>
       <p:sp>
         <p:nvSpPr>
-          <p:cNvPr id="278" name="Google Shape;278;p34"/>
+          <p:cNvPr id="279" name="Google Shape;279;p34"/>
           <p:cNvSpPr txBox="1"/>
           <p:nvPr>
             <p:ph type="title"/>
@@ -28282,7 +28436,7 @@
                 <a:cs typeface="Calibri"/>
                 <a:sym typeface="Calibri"/>
               </a:rPr>
-              <a:t>… jāsagremo viss, ko iebarojam</a:t>
+              <a:t>Dators = paklausīgs bērns</a:t>
             </a:r>
             <a:endParaRPr b="0" i="0" sz="3000" u="none" cap="none" strike="noStrike">
               <a:solidFill>
@@ -28298,7 +28452,7 @@
       </p:sp>
       <p:grpSp>
         <p:nvGrpSpPr>
-          <p:cNvPr id="279" name="Google Shape;279;p34"/>
+          <p:cNvPr id="280" name="Google Shape;280;p34"/>
           <p:cNvGrpSpPr/>
           <p:nvPr/>
         </p:nvGrpSpPr>
@@ -28312,7 +28466,7 @@
         </p:grpSpPr>
         <p:sp>
           <p:nvSpPr>
-            <p:cNvPr id="280" name="Google Shape;280;p34"/>
+            <p:cNvPr id="281" name="Google Shape;281;p34"/>
             <p:cNvSpPr/>
             <p:nvPr/>
           </p:nvSpPr>
@@ -28377,7 +28531,7 @@
         </p:sp>
         <p:pic>
           <p:nvPicPr>
-            <p:cNvPr id="281" name="Google Shape;281;p34"/>
+            <p:cNvPr id="282" name="Google Shape;282;p34"/>
             <p:cNvPicPr preferRelativeResize="0"/>
             <p:nvPr/>
           </p:nvPicPr>
@@ -28405,7 +28559,237 @@
       </p:grpSp>
       <p:pic>
         <p:nvPicPr>
-          <p:cNvPr id="282" name="Google Shape;282;p34"/>
+          <p:cNvPr id="283" name="Google Shape;283;p34"/>
+          <p:cNvPicPr preferRelativeResize="0"/>
+          <p:nvPr/>
+        </p:nvPicPr>
+        <p:blipFill rotWithShape="1">
+          <a:blip r:embed="rId4">
+            <a:alphaModFix/>
+          </a:blip>
+          <a:srcRect b="0" l="0" r="0" t="0"/>
+          <a:stretch/>
+        </p:blipFill>
+        <p:spPr>
+          <a:xfrm>
+            <a:off x="2820300" y="1480678"/>
+            <a:ext cx="3503410" cy="3459397"/>
+          </a:xfrm>
+          <a:prstGeom prst="rect">
+            <a:avLst/>
+          </a:prstGeom>
+          <a:noFill/>
+          <a:ln>
+            <a:noFill/>
+          </a:ln>
+        </p:spPr>
+      </p:pic>
+    </p:spTree>
+  </p:cSld>
+  <p:clrMapOvr>
+    <a:masterClrMapping/>
+  </p:clrMapOvr>
+  <p:transition spd="slow">
+    <p:fade/>
+  </p:transition>
+</p:sld>
+</file>
+
+<file path=ppt/slides/slide21.xml><?xml version="1.0" encoding="utf-8"?>
+<p:sld xmlns:a="http://schemas.openxmlformats.org/drawingml/2006/main" xmlns:r="http://schemas.openxmlformats.org/officeDocument/2006/relationships" xmlns:mc="http://schemas.openxmlformats.org/markup-compatibility/2006" xmlns:mv="urn:schemas-microsoft-com:mac:vml" xmlns:p="http://schemas.openxmlformats.org/presentationml/2006/main" xmlns:c="http://schemas.openxmlformats.org/drawingml/2006/chart" xmlns:dgm="http://schemas.openxmlformats.org/drawingml/2006/diagram" xmlns:o="urn:schemas-microsoft-com:office:office" xmlns:v="urn:schemas-microsoft-com:vml" xmlns:pvml="urn:schemas-microsoft-com:office:powerpoint" xmlns:com="http://schemas.openxmlformats.org/drawingml/2006/compatibility" xmlns:p14="http://schemas.microsoft.com/office/powerpoint/2010/main" xmlns:p15="http://schemas.microsoft.com/office/powerpoint/2012/main">
+  <p:cSld>
+    <p:spTree>
+      <p:nvGrpSpPr>
+        <p:cNvPr id="287" name="Shape 287"/>
+        <p:cNvGrpSpPr/>
+        <p:nvPr/>
+      </p:nvGrpSpPr>
+      <p:grpSpPr>
+        <a:xfrm>
+          <a:off x="0" y="0"/>
+          <a:ext cx="0" cy="0"/>
+          <a:chOff x="0" y="0"/>
+          <a:chExt cx="0" cy="0"/>
+        </a:xfrm>
+      </p:grpSpPr>
+      <p:sp>
+        <p:nvSpPr>
+          <p:cNvPr id="288" name="Google Shape;288;p35"/>
+          <p:cNvSpPr txBox="1"/>
+          <p:nvPr>
+            <p:ph type="title"/>
+          </p:nvPr>
+        </p:nvSpPr>
+        <p:spPr>
+          <a:xfrm>
+            <a:off x="311700" y="445025"/>
+            <a:ext cx="8520599" cy="572699"/>
+          </a:xfrm>
+          <a:prstGeom prst="rect">
+            <a:avLst/>
+          </a:prstGeom>
+          <a:noFill/>
+          <a:ln>
+            <a:noFill/>
+          </a:ln>
+        </p:spPr>
+        <p:txBody>
+          <a:bodyPr anchorCtr="0" anchor="t" bIns="91425" lIns="91425" spcFirstLastPara="1" rIns="91425" wrap="square" tIns="91425">
+            <a:noAutofit/>
+          </a:bodyPr>
+          <a:lstStyle/>
+          <a:p>
+            <a:pPr indent="0" lvl="0" marL="0" marR="0" rtl="0" algn="l">
+              <a:lnSpc>
+                <a:spcPct val="85000"/>
+              </a:lnSpc>
+              <a:spcBef>
+                <a:spcPts val="0"/>
+              </a:spcBef>
+              <a:spcAft>
+                <a:spcPts val="0"/>
+              </a:spcAft>
+              <a:buClr>
+                <a:schemeClr val="dk2"/>
+              </a:buClr>
+              <a:buSzPts val="750"/>
+              <a:buFont typeface="Calibri"/>
+              <a:buNone/>
+            </a:pPr>
+            <a:r>
+              <a:rPr b="0" i="0" lang="lt-LT" sz="3000" u="none" cap="none" strike="noStrike">
+                <a:solidFill>
+                  <a:schemeClr val="dk2"/>
+                </a:solidFill>
+                <a:latin typeface="Calibri"/>
+                <a:ea typeface="Calibri"/>
+                <a:cs typeface="Calibri"/>
+                <a:sym typeface="Calibri"/>
+              </a:rPr>
+              <a:t>… jāsagremo viss, ko iebarojam</a:t>
+            </a:r>
+            <a:endParaRPr b="0" i="0" sz="3000" u="none" cap="none" strike="noStrike">
+              <a:solidFill>
+                <a:schemeClr val="dk2"/>
+              </a:solidFill>
+              <a:latin typeface="Calibri"/>
+              <a:ea typeface="Calibri"/>
+              <a:cs typeface="Calibri"/>
+              <a:sym typeface="Calibri"/>
+            </a:endParaRPr>
+          </a:p>
+        </p:txBody>
+      </p:sp>
+      <p:grpSp>
+        <p:nvGrpSpPr>
+          <p:cNvPr id="289" name="Google Shape;289;p35"/>
+          <p:cNvGrpSpPr/>
+          <p:nvPr/>
+        </p:nvGrpSpPr>
+        <p:grpSpPr>
+          <a:xfrm>
+            <a:off x="6684334" y="145928"/>
+            <a:ext cx="2459665" cy="1233375"/>
+            <a:chOff x="6684334" y="145928"/>
+            <a:chExt cx="2459665" cy="1233375"/>
+          </a:xfrm>
+        </p:grpSpPr>
+        <p:sp>
+          <p:nvSpPr>
+            <p:cNvPr id="290" name="Google Shape;290;p35"/>
+            <p:cNvSpPr/>
+            <p:nvPr/>
+          </p:nvSpPr>
+          <p:spPr>
+            <a:xfrm rot="-5400000">
+              <a:off x="7297479" y="-467217"/>
+              <a:ext cx="1233375" cy="2459665"/>
+            </a:xfrm>
+            <a:prstGeom prst="rtTriangle">
+              <a:avLst/>
+            </a:prstGeom>
+            <a:solidFill>
+              <a:schemeClr val="dk2"/>
+            </a:solidFill>
+            <a:ln cap="flat" cmpd="sng" w="12700">
+              <a:solidFill>
+                <a:schemeClr val="dk2"/>
+              </a:solidFill>
+              <a:prstDash val="solid"/>
+              <a:round/>
+              <a:headEnd len="sm" w="sm" type="none"/>
+              <a:tailEnd len="sm" w="sm" type="none"/>
+            </a:ln>
+          </p:spPr>
+          <p:txBody>
+            <a:bodyPr anchorCtr="0" anchor="ctr" bIns="45700" lIns="91425" spcFirstLastPara="1" rIns="91425" wrap="square" tIns="45700">
+              <a:noAutofit/>
+            </a:bodyPr>
+            <a:lstStyle/>
+            <a:p>
+              <a:pPr indent="0" lvl="0" marL="0" marR="0" rtl="0" algn="ctr">
+                <a:lnSpc>
+                  <a:spcPct val="100000"/>
+                </a:lnSpc>
+                <a:spcBef>
+                  <a:spcPts val="0"/>
+                </a:spcBef>
+                <a:spcAft>
+                  <a:spcPts val="0"/>
+                </a:spcAft>
+                <a:buClr>
+                  <a:srgbClr val="000000"/>
+                </a:buClr>
+                <a:buSzPts val="1400"/>
+                <a:buFont typeface="Arial"/>
+                <a:buNone/>
+              </a:pPr>
+              <a:r>
+                <a:t/>
+              </a:r>
+              <a:endParaRPr b="0" i="0" sz="1400" u="none" cap="none" strike="noStrike">
+                <a:solidFill>
+                  <a:schemeClr val="lt1"/>
+                </a:solidFill>
+                <a:latin typeface="Arial"/>
+                <a:ea typeface="Arial"/>
+                <a:cs typeface="Arial"/>
+                <a:sym typeface="Arial"/>
+              </a:endParaRPr>
+            </a:p>
+          </p:txBody>
+        </p:sp>
+        <p:pic>
+          <p:nvPicPr>
+            <p:cNvPr id="291" name="Google Shape;291;p35"/>
+            <p:cNvPicPr preferRelativeResize="0"/>
+            <p:nvPr/>
+          </p:nvPicPr>
+          <p:blipFill rotWithShape="1">
+            <a:blip r:embed="rId3">
+              <a:alphaModFix/>
+            </a:blip>
+            <a:srcRect b="0" l="0" r="0" t="0"/>
+            <a:stretch/>
+          </p:blipFill>
+          <p:spPr>
+            <a:xfrm>
+              <a:off x="8088792" y="445025"/>
+              <a:ext cx="1055207" cy="837900"/>
+            </a:xfrm>
+            <a:prstGeom prst="rect">
+              <a:avLst/>
+            </a:prstGeom>
+            <a:noFill/>
+            <a:ln>
+              <a:noFill/>
+            </a:ln>
+          </p:spPr>
+        </p:pic>
+      </p:grpSp>
+      <p:pic>
+        <p:nvPicPr>
+          <p:cNvPr id="292" name="Google Shape;292;p35"/>
           <p:cNvPicPr preferRelativeResize="0"/>
           <p:nvPr/>
         </p:nvPicPr>
@@ -28441,12 +28825,12 @@
 </p:sld>
 </file>
 
-<file path=ppt/slides/slide21.xml><?xml version="1.0" encoding="utf-8"?>
+<file path=ppt/slides/slide22.xml><?xml version="1.0" encoding="utf-8"?>
 <p:sld xmlns:a="http://schemas.openxmlformats.org/drawingml/2006/main" xmlns:r="http://schemas.openxmlformats.org/officeDocument/2006/relationships" xmlns:mc="http://schemas.openxmlformats.org/markup-compatibility/2006" xmlns:mv="urn:schemas-microsoft-com:mac:vml" xmlns:p="http://schemas.openxmlformats.org/presentationml/2006/main" xmlns:c="http://schemas.openxmlformats.org/drawingml/2006/chart" xmlns:dgm="http://schemas.openxmlformats.org/drawingml/2006/diagram" xmlns:o="urn:schemas-microsoft-com:office:office" xmlns:v="urn:schemas-microsoft-com:vml" xmlns:pvml="urn:schemas-microsoft-com:office:powerpoint" xmlns:com="http://schemas.openxmlformats.org/drawingml/2006/compatibility" xmlns:p14="http://schemas.microsoft.com/office/powerpoint/2010/main" xmlns:p15="http://schemas.microsoft.com/office/powerpoint/2012/main">
   <p:cSld>
     <p:spTree>
       <p:nvGrpSpPr>
-        <p:cNvPr id="286" name="Shape 286"/>
+        <p:cNvPr id="296" name="Shape 296"/>
         <p:cNvGrpSpPr/>
         <p:nvPr/>
       </p:nvGrpSpPr>
@@ -28460,7 +28844,7 @@
       </p:grpSpPr>
       <p:sp>
         <p:nvSpPr>
-          <p:cNvPr id="287" name="Google Shape;287;p35"/>
+          <p:cNvPr id="297" name="Google Shape;297;p36"/>
           <p:cNvSpPr txBox="1"/>
           <p:nvPr>
             <p:ph type="title"/>
@@ -28528,7 +28912,7 @@
       </p:sp>
       <p:grpSp>
         <p:nvGrpSpPr>
-          <p:cNvPr id="288" name="Google Shape;288;p35"/>
+          <p:cNvPr id="298" name="Google Shape;298;p36"/>
           <p:cNvGrpSpPr/>
           <p:nvPr/>
         </p:nvGrpSpPr>
@@ -28542,7 +28926,7 @@
         </p:grpSpPr>
         <p:sp>
           <p:nvSpPr>
-            <p:cNvPr id="289" name="Google Shape;289;p35"/>
+            <p:cNvPr id="299" name="Google Shape;299;p36"/>
             <p:cNvSpPr/>
             <p:nvPr/>
           </p:nvSpPr>
@@ -28607,7 +28991,7 @@
         </p:sp>
         <p:pic>
           <p:nvPicPr>
-            <p:cNvPr id="290" name="Google Shape;290;p35"/>
+            <p:cNvPr id="300" name="Google Shape;300;p36"/>
             <p:cNvPicPr preferRelativeResize="0"/>
             <p:nvPr/>
           </p:nvPicPr>
@@ -28635,7 +29019,7 @@
       </p:grpSp>
       <p:pic>
         <p:nvPicPr>
-          <p:cNvPr id="291" name="Google Shape;291;p35"/>
+          <p:cNvPr id="301" name="Google Shape;301;p36"/>
           <p:cNvPicPr preferRelativeResize="0"/>
           <p:nvPr/>
         </p:nvPicPr>
@@ -28671,12 +29055,12 @@
 </p:sld>
 </file>
 
-<file path=ppt/slides/slide22.xml><?xml version="1.0" encoding="utf-8"?>
+<file path=ppt/slides/slide23.xml><?xml version="1.0" encoding="utf-8"?>
 <p:sld xmlns:a="http://schemas.openxmlformats.org/drawingml/2006/main" xmlns:r="http://schemas.openxmlformats.org/officeDocument/2006/relationships" xmlns:mc="http://schemas.openxmlformats.org/markup-compatibility/2006" xmlns:mv="urn:schemas-microsoft-com:mac:vml" xmlns:p="http://schemas.openxmlformats.org/presentationml/2006/main" xmlns:c="http://schemas.openxmlformats.org/drawingml/2006/chart" xmlns:dgm="http://schemas.openxmlformats.org/drawingml/2006/diagram" xmlns:o="urn:schemas-microsoft-com:office:office" xmlns:v="urn:schemas-microsoft-com:vml" xmlns:pvml="urn:schemas-microsoft-com:office:powerpoint" xmlns:com="http://schemas.openxmlformats.org/drawingml/2006/compatibility" xmlns:p14="http://schemas.microsoft.com/office/powerpoint/2010/main" xmlns:p15="http://schemas.microsoft.com/office/powerpoint/2012/main">
   <p:cSld>
     <p:spTree>
       <p:nvGrpSpPr>
-        <p:cNvPr id="295" name="Shape 295"/>
+        <p:cNvPr id="305" name="Shape 305"/>
         <p:cNvGrpSpPr/>
         <p:nvPr/>
       </p:nvGrpSpPr>
@@ -28690,7 +29074,7 @@
       </p:grpSpPr>
       <p:sp>
         <p:nvSpPr>
-          <p:cNvPr id="296" name="Google Shape;296;p36"/>
+          <p:cNvPr id="306" name="Google Shape;306;p37"/>
           <p:cNvSpPr txBox="1"/>
           <p:nvPr>
             <p:ph type="title"/>
@@ -28758,7 +29142,7 @@
       </p:sp>
       <p:grpSp>
         <p:nvGrpSpPr>
-          <p:cNvPr id="297" name="Google Shape;297;p36"/>
+          <p:cNvPr id="307" name="Google Shape;307;p37"/>
           <p:cNvGrpSpPr/>
           <p:nvPr/>
         </p:nvGrpSpPr>
@@ -28772,7 +29156,7 @@
         </p:grpSpPr>
         <p:sp>
           <p:nvSpPr>
-            <p:cNvPr id="298" name="Google Shape;298;p36"/>
+            <p:cNvPr id="308" name="Google Shape;308;p37"/>
             <p:cNvSpPr/>
             <p:nvPr/>
           </p:nvSpPr>
@@ -28837,7 +29221,7 @@
         </p:sp>
         <p:pic>
           <p:nvPicPr>
-            <p:cNvPr id="299" name="Google Shape;299;p36"/>
+            <p:cNvPr id="309" name="Google Shape;309;p37"/>
             <p:cNvPicPr preferRelativeResize="0"/>
             <p:nvPr/>
           </p:nvPicPr>
@@ -28865,7 +29249,7 @@
       </p:grpSp>
       <p:pic>
         <p:nvPicPr>
-          <p:cNvPr id="300" name="Google Shape;300;p36"/>
+          <p:cNvPr id="310" name="Google Shape;310;p37"/>
           <p:cNvPicPr preferRelativeResize="0"/>
           <p:nvPr/>
         </p:nvPicPr>
@@ -28901,12 +29285,12 @@
 </p:sld>
 </file>
 
-<file path=ppt/slides/slide23.xml><?xml version="1.0" encoding="utf-8"?>
+<file path=ppt/slides/slide24.xml><?xml version="1.0" encoding="utf-8"?>
 <p:sld xmlns:a="http://schemas.openxmlformats.org/drawingml/2006/main" xmlns:r="http://schemas.openxmlformats.org/officeDocument/2006/relationships" xmlns:mc="http://schemas.openxmlformats.org/markup-compatibility/2006" xmlns:mv="urn:schemas-microsoft-com:mac:vml" xmlns:p="http://schemas.openxmlformats.org/presentationml/2006/main" xmlns:c="http://schemas.openxmlformats.org/drawingml/2006/chart" xmlns:dgm="http://schemas.openxmlformats.org/drawingml/2006/diagram" xmlns:o="urn:schemas-microsoft-com:office:office" xmlns:v="urn:schemas-microsoft-com:vml" xmlns:pvml="urn:schemas-microsoft-com:office:powerpoint" xmlns:com="http://schemas.openxmlformats.org/drawingml/2006/compatibility" xmlns:p14="http://schemas.microsoft.com/office/powerpoint/2010/main" xmlns:p15="http://schemas.microsoft.com/office/powerpoint/2012/main">
   <p:cSld>
     <p:spTree>
       <p:nvGrpSpPr>
-        <p:cNvPr id="304" name="Shape 304"/>
+        <p:cNvPr id="314" name="Shape 314"/>
         <p:cNvGrpSpPr/>
         <p:nvPr/>
       </p:nvGrpSpPr>
@@ -28920,7 +29304,7 @@
       </p:grpSpPr>
       <p:sp>
         <p:nvSpPr>
-          <p:cNvPr id="305" name="Google Shape;305;p37"/>
+          <p:cNvPr id="315" name="Google Shape;315;p38"/>
           <p:cNvSpPr txBox="1"/>
           <p:nvPr>
             <p:ph type="title"/>
@@ -28988,7 +29372,7 @@
       </p:sp>
       <p:grpSp>
         <p:nvGrpSpPr>
-          <p:cNvPr id="306" name="Google Shape;306;p37"/>
+          <p:cNvPr id="316" name="Google Shape;316;p38"/>
           <p:cNvGrpSpPr/>
           <p:nvPr/>
         </p:nvGrpSpPr>
@@ -29002,7 +29386,7 @@
         </p:grpSpPr>
         <p:sp>
           <p:nvSpPr>
-            <p:cNvPr id="307" name="Google Shape;307;p37"/>
+            <p:cNvPr id="317" name="Google Shape;317;p38"/>
             <p:cNvSpPr/>
             <p:nvPr/>
           </p:nvSpPr>
@@ -29067,7 +29451,7 @@
         </p:sp>
         <p:pic>
           <p:nvPicPr>
-            <p:cNvPr id="308" name="Google Shape;308;p37"/>
+            <p:cNvPr id="318" name="Google Shape;318;p38"/>
             <p:cNvPicPr preferRelativeResize="0"/>
             <p:nvPr/>
           </p:nvPicPr>
@@ -29095,7 +29479,7 @@
       </p:grpSp>
       <p:pic>
         <p:nvPicPr>
-          <p:cNvPr id="309" name="Google Shape;309;p37"/>
+          <p:cNvPr id="319" name="Google Shape;319;p38"/>
           <p:cNvPicPr preferRelativeResize="0"/>
           <p:nvPr/>
         </p:nvPicPr>
@@ -29131,12 +29515,12 @@
 </p:sld>
 </file>
 
-<file path=ppt/slides/slide24.xml><?xml version="1.0" encoding="utf-8"?>
+<file path=ppt/slides/slide25.xml><?xml version="1.0" encoding="utf-8"?>
 <p:sld xmlns:a="http://schemas.openxmlformats.org/drawingml/2006/main" xmlns:r="http://schemas.openxmlformats.org/officeDocument/2006/relationships" xmlns:mc="http://schemas.openxmlformats.org/markup-compatibility/2006" xmlns:mv="urn:schemas-microsoft-com:mac:vml" xmlns:p="http://schemas.openxmlformats.org/presentationml/2006/main" xmlns:c="http://schemas.openxmlformats.org/drawingml/2006/chart" xmlns:dgm="http://schemas.openxmlformats.org/drawingml/2006/diagram" xmlns:o="urn:schemas-microsoft-com:office:office" xmlns:v="urn:schemas-microsoft-com:vml" xmlns:pvml="urn:schemas-microsoft-com:office:powerpoint" xmlns:com="http://schemas.openxmlformats.org/drawingml/2006/compatibility" xmlns:p14="http://schemas.microsoft.com/office/powerpoint/2010/main" xmlns:p15="http://schemas.microsoft.com/office/powerpoint/2012/main">
   <p:cSld>
     <p:spTree>
       <p:nvGrpSpPr>
-        <p:cNvPr id="313" name="Shape 313"/>
+        <p:cNvPr id="323" name="Shape 323"/>
         <p:cNvGrpSpPr/>
         <p:nvPr/>
       </p:nvGrpSpPr>
@@ -29150,7 +29534,7 @@
       </p:grpSpPr>
       <p:sp>
         <p:nvSpPr>
-          <p:cNvPr id="314" name="Google Shape;314;p38"/>
+          <p:cNvPr id="324" name="Google Shape;324;p39"/>
           <p:cNvSpPr txBox="1"/>
           <p:nvPr>
             <p:ph type="title"/>
@@ -29218,7 +29602,7 @@
       </p:sp>
       <p:grpSp>
         <p:nvGrpSpPr>
-          <p:cNvPr id="315" name="Google Shape;315;p38"/>
+          <p:cNvPr id="325" name="Google Shape;325;p39"/>
           <p:cNvGrpSpPr/>
           <p:nvPr/>
         </p:nvGrpSpPr>
@@ -29232,7 +29616,7 @@
         </p:grpSpPr>
         <p:sp>
           <p:nvSpPr>
-            <p:cNvPr id="316" name="Google Shape;316;p38"/>
+            <p:cNvPr id="326" name="Google Shape;326;p39"/>
             <p:cNvSpPr/>
             <p:nvPr/>
           </p:nvSpPr>
@@ -29297,7 +29681,7 @@
         </p:sp>
         <p:pic>
           <p:nvPicPr>
-            <p:cNvPr id="317" name="Google Shape;317;p38"/>
+            <p:cNvPr id="327" name="Google Shape;327;p39"/>
             <p:cNvPicPr preferRelativeResize="0"/>
             <p:nvPr/>
           </p:nvPicPr>
@@ -29325,7 +29709,7 @@
       </p:grpSp>
       <p:pic>
         <p:nvPicPr>
-          <p:cNvPr id="318" name="Google Shape;318;p38"/>
+          <p:cNvPr id="328" name="Google Shape;328;p39"/>
           <p:cNvPicPr preferRelativeResize="0"/>
           <p:nvPr/>
         </p:nvPicPr>
@@ -29361,12 +29745,12 @@
 </p:sld>
 </file>
 
-<file path=ppt/slides/slide25.xml><?xml version="1.0" encoding="utf-8"?>
+<file path=ppt/slides/slide26.xml><?xml version="1.0" encoding="utf-8"?>
 <p:sld xmlns:a="http://schemas.openxmlformats.org/drawingml/2006/main" xmlns:r="http://schemas.openxmlformats.org/officeDocument/2006/relationships" xmlns:mc="http://schemas.openxmlformats.org/markup-compatibility/2006" xmlns:mv="urn:schemas-microsoft-com:mac:vml" xmlns:p="http://schemas.openxmlformats.org/presentationml/2006/main" xmlns:c="http://schemas.openxmlformats.org/drawingml/2006/chart" xmlns:dgm="http://schemas.openxmlformats.org/drawingml/2006/diagram" xmlns:o="urn:schemas-microsoft-com:office:office" xmlns:v="urn:schemas-microsoft-com:vml" xmlns:pvml="urn:schemas-microsoft-com:office:powerpoint" xmlns:com="http://schemas.openxmlformats.org/drawingml/2006/compatibility" xmlns:p14="http://schemas.microsoft.com/office/powerpoint/2010/main" xmlns:p15="http://schemas.microsoft.com/office/powerpoint/2012/main">
   <p:cSld>
     <p:spTree>
       <p:nvGrpSpPr>
-        <p:cNvPr id="322" name="Shape 322"/>
+        <p:cNvPr id="332" name="Shape 332"/>
         <p:cNvGrpSpPr/>
         <p:nvPr/>
       </p:nvGrpSpPr>
@@ -29380,7 +29764,7 @@
       </p:grpSpPr>
       <p:sp>
         <p:nvSpPr>
-          <p:cNvPr id="323" name="Google Shape;323;p39"/>
+          <p:cNvPr id="333" name="Google Shape;333;p40"/>
           <p:cNvSpPr txBox="1"/>
           <p:nvPr>
             <p:ph type="title"/>
@@ -29448,7 +29832,7 @@
       </p:sp>
       <p:grpSp>
         <p:nvGrpSpPr>
-          <p:cNvPr id="324" name="Google Shape;324;p39"/>
+          <p:cNvPr id="334" name="Google Shape;334;p40"/>
           <p:cNvGrpSpPr/>
           <p:nvPr/>
         </p:nvGrpSpPr>
@@ -29462,7 +29846,7 @@
         </p:grpSpPr>
         <p:sp>
           <p:nvSpPr>
-            <p:cNvPr id="325" name="Google Shape;325;p39"/>
+            <p:cNvPr id="335" name="Google Shape;335;p40"/>
             <p:cNvSpPr/>
             <p:nvPr/>
           </p:nvSpPr>
@@ -29527,7 +29911,7 @@
         </p:sp>
         <p:pic>
           <p:nvPicPr>
-            <p:cNvPr id="326" name="Google Shape;326;p39"/>
+            <p:cNvPr id="336" name="Google Shape;336;p40"/>
             <p:cNvPicPr preferRelativeResize="0"/>
             <p:nvPr/>
           </p:nvPicPr>
@@ -29555,7 +29939,7 @@
       </p:grpSp>
       <p:pic>
         <p:nvPicPr>
-          <p:cNvPr id="327" name="Google Shape;327;p39"/>
+          <p:cNvPr id="337" name="Google Shape;337;p40"/>
           <p:cNvPicPr preferRelativeResize="0"/>
           <p:nvPr/>
         </p:nvPicPr>
@@ -29580,387 +29964,6 @@
           </a:ln>
         </p:spPr>
       </p:pic>
-    </p:spTree>
-  </p:cSld>
-  <p:clrMapOvr>
-    <a:masterClrMapping/>
-  </p:clrMapOvr>
-  <p:transition spd="slow">
-    <p:fade/>
-  </p:transition>
-</p:sld>
-</file>
-
-<file path=ppt/slides/slide26.xml><?xml version="1.0" encoding="utf-8"?>
-<p:sld xmlns:a="http://schemas.openxmlformats.org/drawingml/2006/main" xmlns:r="http://schemas.openxmlformats.org/officeDocument/2006/relationships" xmlns:mc="http://schemas.openxmlformats.org/markup-compatibility/2006" xmlns:mv="urn:schemas-microsoft-com:mac:vml" xmlns:p="http://schemas.openxmlformats.org/presentationml/2006/main" xmlns:c="http://schemas.openxmlformats.org/drawingml/2006/chart" xmlns:dgm="http://schemas.openxmlformats.org/drawingml/2006/diagram" xmlns:o="urn:schemas-microsoft-com:office:office" xmlns:v="urn:schemas-microsoft-com:vml" xmlns:pvml="urn:schemas-microsoft-com:office:powerpoint" xmlns:com="http://schemas.openxmlformats.org/drawingml/2006/compatibility" xmlns:p14="http://schemas.microsoft.com/office/powerpoint/2010/main" xmlns:p15="http://schemas.microsoft.com/office/powerpoint/2012/main">
-  <p:cSld>
-    <p:spTree>
-      <p:nvGrpSpPr>
-        <p:cNvPr id="331" name="Shape 331"/>
-        <p:cNvGrpSpPr/>
-        <p:nvPr/>
-      </p:nvGrpSpPr>
-      <p:grpSpPr>
-        <a:xfrm>
-          <a:off x="0" y="0"/>
-          <a:ext cx="0" cy="0"/>
-          <a:chOff x="0" y="0"/>
-          <a:chExt cx="0" cy="0"/>
-        </a:xfrm>
-      </p:grpSpPr>
-      <p:sp>
-        <p:nvSpPr>
-          <p:cNvPr id="332" name="Google Shape;332;p40"/>
-          <p:cNvSpPr txBox="1"/>
-          <p:nvPr>
-            <p:ph type="title"/>
-          </p:nvPr>
-        </p:nvSpPr>
-        <p:spPr>
-          <a:xfrm>
-            <a:off x="311700" y="445025"/>
-            <a:ext cx="8520600" cy="572700"/>
-          </a:xfrm>
-          <a:prstGeom prst="rect">
-            <a:avLst/>
-          </a:prstGeom>
-          <a:noFill/>
-          <a:ln>
-            <a:noFill/>
-          </a:ln>
-        </p:spPr>
-        <p:txBody>
-          <a:bodyPr anchorCtr="0" anchor="t" bIns="91425" lIns="91425" spcFirstLastPara="1" rIns="91425" wrap="square" tIns="91425">
-            <a:noAutofit/>
-          </a:bodyPr>
-          <a:lstStyle/>
-          <a:p>
-            <a:pPr indent="0" lvl="0" marL="0" marR="0" rtl="0" algn="l">
-              <a:lnSpc>
-                <a:spcPct val="85000"/>
-              </a:lnSpc>
-              <a:spcBef>
-                <a:spcPts val="0"/>
-              </a:spcBef>
-              <a:spcAft>
-                <a:spcPts val="0"/>
-              </a:spcAft>
-              <a:buClr>
-                <a:schemeClr val="dk2"/>
-              </a:buClr>
-              <a:buSzPts val="750"/>
-              <a:buFont typeface="Calibri"/>
-              <a:buNone/>
-            </a:pPr>
-            <a:r>
-              <a:rPr lang="lt-LT"/>
-              <a:t>Prasmes kas palīdzēs kursā / darbā</a:t>
-            </a:r>
-            <a:endParaRPr b="0" i="0" sz="3000" u="none" cap="none" strike="noStrike">
-              <a:solidFill>
-                <a:schemeClr val="dk2"/>
-              </a:solidFill>
-              <a:latin typeface="Calibri"/>
-              <a:ea typeface="Calibri"/>
-              <a:cs typeface="Calibri"/>
-              <a:sym typeface="Calibri"/>
-            </a:endParaRPr>
-          </a:p>
-          <a:p>
-            <a:pPr indent="0" lvl="0" marL="0" marR="0" rtl="0" algn="l">
-              <a:lnSpc>
-                <a:spcPct val="85000"/>
-              </a:lnSpc>
-              <a:spcBef>
-                <a:spcPts val="0"/>
-              </a:spcBef>
-              <a:spcAft>
-                <a:spcPts val="0"/>
-              </a:spcAft>
-              <a:buClr>
-                <a:schemeClr val="dk1"/>
-              </a:buClr>
-              <a:buSzPts val="750"/>
-              <a:buFont typeface="Arial"/>
-              <a:buNone/>
-            </a:pPr>
-            <a:r>
-              <a:t/>
-            </a:r>
-            <a:endParaRPr b="0" i="0" sz="3000" u="none" cap="none" strike="noStrike">
-              <a:solidFill>
-                <a:schemeClr val="dk2"/>
-              </a:solidFill>
-              <a:latin typeface="Calibri"/>
-              <a:ea typeface="Calibri"/>
-              <a:cs typeface="Calibri"/>
-              <a:sym typeface="Calibri"/>
-            </a:endParaRPr>
-          </a:p>
-        </p:txBody>
-      </p:sp>
-      <p:grpSp>
-        <p:nvGrpSpPr>
-          <p:cNvPr id="333" name="Google Shape;333;p40"/>
-          <p:cNvGrpSpPr/>
-          <p:nvPr/>
-        </p:nvGrpSpPr>
-        <p:grpSpPr>
-          <a:xfrm>
-            <a:off x="6684334" y="146004"/>
-            <a:ext cx="2459700" cy="1233300"/>
-            <a:chOff x="6684334" y="146004"/>
-            <a:chExt cx="2459700" cy="1233300"/>
-          </a:xfrm>
-        </p:grpSpPr>
-        <p:sp>
-          <p:nvSpPr>
-            <p:cNvPr id="334" name="Google Shape;334;p40"/>
-            <p:cNvSpPr/>
-            <p:nvPr/>
-          </p:nvSpPr>
-          <p:spPr>
-            <a:xfrm rot="-5400000">
-              <a:off x="7297534" y="-467196"/>
-              <a:ext cx="1233300" cy="2459700"/>
-            </a:xfrm>
-            <a:prstGeom prst="rtTriangle">
-              <a:avLst/>
-            </a:prstGeom>
-            <a:solidFill>
-              <a:schemeClr val="dk2"/>
-            </a:solidFill>
-            <a:ln cap="flat" cmpd="sng" w="12700">
-              <a:solidFill>
-                <a:schemeClr val="dk2"/>
-              </a:solidFill>
-              <a:prstDash val="solid"/>
-              <a:round/>
-              <a:headEnd len="sm" w="sm" type="none"/>
-              <a:tailEnd len="sm" w="sm" type="none"/>
-            </a:ln>
-          </p:spPr>
-          <p:txBody>
-            <a:bodyPr anchorCtr="0" anchor="ctr" bIns="45700" lIns="91425" spcFirstLastPara="1" rIns="91425" wrap="square" tIns="45700">
-              <a:noAutofit/>
-            </a:bodyPr>
-            <a:lstStyle/>
-            <a:p>
-              <a:pPr indent="0" lvl="0" marL="0" marR="0" rtl="0" algn="ctr">
-                <a:lnSpc>
-                  <a:spcPct val="100000"/>
-                </a:lnSpc>
-                <a:spcBef>
-                  <a:spcPts val="0"/>
-                </a:spcBef>
-                <a:spcAft>
-                  <a:spcPts val="0"/>
-                </a:spcAft>
-                <a:buClr>
-                  <a:srgbClr val="000000"/>
-                </a:buClr>
-                <a:buSzPts val="1400"/>
-                <a:buFont typeface="Arial"/>
-                <a:buNone/>
-              </a:pPr>
-              <a:r>
-                <a:t/>
-              </a:r>
-              <a:endParaRPr b="0" i="0" sz="1400" u="none" cap="none" strike="noStrike">
-                <a:solidFill>
-                  <a:schemeClr val="lt1"/>
-                </a:solidFill>
-                <a:latin typeface="Arial"/>
-                <a:ea typeface="Arial"/>
-                <a:cs typeface="Arial"/>
-                <a:sym typeface="Arial"/>
-              </a:endParaRPr>
-            </a:p>
-          </p:txBody>
-        </p:sp>
-        <p:pic>
-          <p:nvPicPr>
-            <p:cNvPr id="335" name="Google Shape;335;p40"/>
-            <p:cNvPicPr preferRelativeResize="0"/>
-            <p:nvPr/>
-          </p:nvPicPr>
-          <p:blipFill rotWithShape="1">
-            <a:blip r:embed="rId3">
-              <a:alphaModFix/>
-            </a:blip>
-            <a:srcRect b="0" l="0" r="0" t="0"/>
-            <a:stretch/>
-          </p:blipFill>
-          <p:spPr>
-            <a:xfrm>
-              <a:off x="8088792" y="445025"/>
-              <a:ext cx="1055101" cy="837900"/>
-            </a:xfrm>
-            <a:prstGeom prst="rect">
-              <a:avLst/>
-            </a:prstGeom>
-            <a:noFill/>
-            <a:ln>
-              <a:noFill/>
-            </a:ln>
-          </p:spPr>
-        </p:pic>
-      </p:grpSp>
-      <p:cxnSp>
-        <p:nvCxnSpPr>
-          <p:cNvPr id="336" name="Google Shape;336;p40"/>
-          <p:cNvCxnSpPr/>
-          <p:nvPr/>
-        </p:nvCxnSpPr>
-        <p:spPr>
-          <a:xfrm>
-            <a:off x="962875" y="2657075"/>
-            <a:ext cx="4473000" cy="109800"/>
-          </a:xfrm>
-          <a:prstGeom prst="straightConnector1">
-            <a:avLst/>
-          </a:prstGeom>
-          <a:noFill/>
-          <a:ln cap="flat" cmpd="sng" w="9525">
-            <a:solidFill>
-              <a:schemeClr val="dk2"/>
-            </a:solidFill>
-            <a:prstDash val="solid"/>
-            <a:round/>
-            <a:headEnd len="sm" w="sm" type="none"/>
-            <a:tailEnd len="sm" w="sm" type="none"/>
-          </a:ln>
-        </p:spPr>
-      </p:cxnSp>
-      <p:sp>
-        <p:nvSpPr>
-          <p:cNvPr id="337" name="Google Shape;337;p40"/>
-          <p:cNvSpPr txBox="1"/>
-          <p:nvPr/>
-        </p:nvSpPr>
-        <p:spPr>
-          <a:xfrm>
-            <a:off x="692550" y="1651975"/>
-            <a:ext cx="7567500" cy="3000000"/>
-          </a:xfrm>
-          <a:prstGeom prst="rect">
-            <a:avLst/>
-          </a:prstGeom>
-          <a:noFill/>
-          <a:ln>
-            <a:noFill/>
-          </a:ln>
-        </p:spPr>
-        <p:txBody>
-          <a:bodyPr anchorCtr="0" anchor="ctr" bIns="91425" lIns="91425" spcFirstLastPara="1" rIns="91425" wrap="square" tIns="91425">
-            <a:noAutofit/>
-          </a:bodyPr>
-          <a:lstStyle/>
-          <a:p>
-            <a:pPr indent="-342898" lvl="0" marL="445138" rtl="0" algn="l">
-              <a:lnSpc>
-                <a:spcPct val="150000"/>
-              </a:lnSpc>
-              <a:spcBef>
-                <a:spcPts val="0"/>
-              </a:spcBef>
-              <a:spcAft>
-                <a:spcPts val="0"/>
-              </a:spcAft>
-              <a:buClr>
-                <a:srgbClr val="1C4587"/>
-              </a:buClr>
-              <a:buSzPts val="1800"/>
-              <a:buChar char="●"/>
-            </a:pPr>
-            <a:r>
-              <a:rPr lang="lt-LT" sz="1800">
-                <a:solidFill>
-                  <a:srgbClr val="1C4587"/>
-                </a:solidFill>
-              </a:rPr>
-              <a:t>Pamatzināšanas angļu valodā - pilnveidosies kursā</a:t>
-            </a:r>
-            <a:endParaRPr/>
-          </a:p>
-          <a:p>
-            <a:pPr indent="-342898" lvl="0" marL="445138" rtl="0" algn="l">
-              <a:lnSpc>
-                <a:spcPct val="150000"/>
-              </a:lnSpc>
-              <a:spcBef>
-                <a:spcPts val="0"/>
-              </a:spcBef>
-              <a:spcAft>
-                <a:spcPts val="0"/>
-              </a:spcAft>
-              <a:buClr>
-                <a:srgbClr val="1C4587"/>
-              </a:buClr>
-              <a:buSzPts val="1800"/>
-              <a:buChar char="●"/>
-            </a:pPr>
-            <a:r>
-              <a:rPr lang="lt-LT" sz="1800">
-                <a:solidFill>
-                  <a:srgbClr val="1C4587"/>
-                </a:solidFill>
-              </a:rPr>
-              <a:t>Touch typing - https://play.typeracer.com/ </a:t>
-            </a:r>
-            <a:endParaRPr sz="1800">
-              <a:solidFill>
-                <a:srgbClr val="1C4587"/>
-              </a:solidFill>
-            </a:endParaRPr>
-          </a:p>
-          <a:p>
-            <a:pPr indent="-342898" lvl="0" marL="445138" rtl="0" algn="l">
-              <a:lnSpc>
-                <a:spcPct val="150000"/>
-              </a:lnSpc>
-              <a:spcBef>
-                <a:spcPts val="0"/>
-              </a:spcBef>
-              <a:spcAft>
-                <a:spcPts val="0"/>
-              </a:spcAft>
-              <a:buClr>
-                <a:srgbClr val="1C4587"/>
-              </a:buClr>
-              <a:buSzPts val="1800"/>
-              <a:buChar char="●"/>
-            </a:pPr>
-            <a:r>
-              <a:rPr lang="lt-LT" sz="1800">
-                <a:solidFill>
-                  <a:srgbClr val="1C4587"/>
-                </a:solidFill>
-              </a:rPr>
-              <a:t>Prasme patstāvīgi meklēt dažādos resursos (Google, Stack Overflow utml)</a:t>
-            </a:r>
-            <a:endParaRPr/>
-          </a:p>
-          <a:p>
-            <a:pPr indent="0" lvl="0" marL="445138" rtl="0" algn="l">
-              <a:lnSpc>
-                <a:spcPct val="150000"/>
-              </a:lnSpc>
-              <a:spcBef>
-                <a:spcPts val="0"/>
-              </a:spcBef>
-              <a:spcAft>
-                <a:spcPts val="0"/>
-              </a:spcAft>
-              <a:buNone/>
-            </a:pPr>
-            <a:r>
-              <a:t/>
-            </a:r>
-            <a:endParaRPr/>
-          </a:p>
-        </p:txBody>
-      </p:sp>
     </p:spTree>
   </p:cSld>
   <p:clrMapOvr>
@@ -30035,7 +30038,7 @@
             </a:pPr>
             <a:r>
               <a:rPr lang="lt-LT"/>
-              <a:t>Rīki darbam</a:t>
+              <a:t>Prasmes kas palīdzēs kursā / darbā</a:t>
             </a:r>
             <a:endParaRPr b="0" i="0" sz="3000" u="none" cap="none" strike="noStrike">
               <a:solidFill>
@@ -30260,7 +30263,7 @@
                   <a:srgbClr val="1C4587"/>
                 </a:solidFill>
               </a:rPr>
-              <a:t>Pārlūks Chrome / Firefox un dev mode (F12)</a:t>
+              <a:t>Pamatzināšanas angļu valodā - pilnveidosies kursā</a:t>
             </a:r>
             <a:endParaRPr/>
           </a:p>
@@ -30287,7 +30290,7 @@
                   <a:srgbClr val="1C4587"/>
                 </a:solidFill>
               </a:rPr>
-              <a:t>Konts Github - tagad zem Microsoft</a:t>
+              <a:t>Touch typing - https://play.typeracer.com/ </a:t>
             </a:r>
             <a:endParaRPr sz="1800">
               <a:solidFill>
@@ -30318,29 +30321,12 @@
                   <a:srgbClr val="1C4587"/>
                 </a:solidFill>
               </a:rPr>
-              <a:t>Konts </a:t>
-            </a:r>
-            <a:r>
-              <a:rPr lang="lt-LT" sz="1800" u="sng">
-                <a:solidFill>
-                  <a:schemeClr val="hlink"/>
-                </a:solidFill>
-                <a:hlinkClick r:id="rId4"/>
-              </a:rPr>
-              <a:t>https://www.freecodecamp.org/</a:t>
-            </a:r>
-            <a:r>
-              <a:rPr lang="lt-LT" sz="1800">
-                <a:solidFill>
-                  <a:srgbClr val="1C4587"/>
-                </a:solidFill>
-              </a:rPr>
-              <a:t> -</a:t>
+              <a:t>Prasme patstāvīgi meklēt dažādos resursos (Google, Stack Overflow utml)</a:t>
             </a:r>
             <a:endParaRPr/>
           </a:p>
           <a:p>
-            <a:pPr indent="-342898" lvl="0" marL="445138" rtl="0" algn="l">
+            <a:pPr indent="0" lvl="0" marL="445138" rtl="0" algn="l">
               <a:lnSpc>
                 <a:spcPct val="150000"/>
               </a:lnSpc>
@@ -30350,11 +30336,7 @@
               <a:spcAft>
                 <a:spcPts val="0"/>
               </a:spcAft>
-              <a:buClr>
-                <a:srgbClr val="1C4587"/>
-              </a:buClr>
-              <a:buSzPts val="1800"/>
-              <a:buChar char="●"/>
+              <a:buNone/>
             </a:pPr>
             <a:r>
               <a:t/>
@@ -30437,7 +30419,7 @@
             </a:pPr>
             <a:r>
               <a:rPr lang="lt-LT"/>
-              <a:t>Resursi</a:t>
+              <a:t>Rīki darbam</a:t>
             </a:r>
             <a:endParaRPr b="0" i="0" sz="3000" u="none" cap="none" strike="noStrike">
               <a:solidFill>
@@ -30640,7 +30622,7 @@
           </a:bodyPr>
           <a:lstStyle/>
           <a:p>
-            <a:pPr indent="0" lvl="0" marL="445138" rtl="0" algn="l">
+            <a:pPr indent="-342898" lvl="0" marL="445138" rtl="0" algn="l">
               <a:lnSpc>
                 <a:spcPct val="150000"/>
               </a:lnSpc>
@@ -30650,28 +30632,19 @@
               <a:spcAft>
                 <a:spcPts val="0"/>
               </a:spcAft>
-              <a:buNone/>
+              <a:buClr>
+                <a:srgbClr val="1C4587"/>
+              </a:buClr>
+              <a:buSzPts val="1800"/>
+              <a:buChar char="●"/>
             </a:pPr>
             <a:r>
-              <a:t/>
-            </a:r>
-            <a:endParaRPr/>
-          </a:p>
-          <a:p>
-            <a:pPr indent="0" lvl="0" marL="445138" rtl="0" algn="l">
-              <a:lnSpc>
-                <a:spcPct val="150000"/>
-              </a:lnSpc>
-              <a:spcBef>
-                <a:spcPts val="0"/>
-              </a:spcBef>
-              <a:spcAft>
-                <a:spcPts val="0"/>
-              </a:spcAft>
-              <a:buNone/>
-            </a:pPr>
-            <a:r>
-              <a:t/>
+              <a:rPr lang="lt-LT" sz="1800">
+                <a:solidFill>
+                  <a:srgbClr val="1C4587"/>
+                </a:solidFill>
+              </a:rPr>
+              <a:t>Pārlūks Chrome / Firefox un dev mode (F12)</a:t>
             </a:r>
             <a:endParaRPr/>
           </a:p>
@@ -30693,13 +30666,12 @@
               <a:buChar char="●"/>
             </a:pPr>
             <a:r>
-              <a:rPr lang="lt-LT" sz="1800" u="sng">
-                <a:solidFill>
-                  <a:schemeClr val="hlink"/>
-                </a:solidFill>
-                <a:hlinkClick r:id="rId4"/>
+              <a:rPr lang="lt-LT" sz="1800">
+                <a:solidFill>
+                  <a:srgbClr val="1C4587"/>
+                </a:solidFill>
               </a:rPr>
-              <a:t>https://github.com/ValRCS/RCS_WebDev_BootCamp</a:t>
+              <a:t>Konts Github - tagad zem Microsoft</a:t>
             </a:r>
             <a:endParaRPr sz="1800">
               <a:solidFill>
@@ -30725,13 +30697,31 @@
               <a:buChar char="●"/>
             </a:pPr>
             <a:r>
-              <a:t/>
+              <a:rPr lang="lt-LT" sz="1800">
+                <a:solidFill>
+                  <a:srgbClr val="1C4587"/>
+                </a:solidFill>
+              </a:rPr>
+              <a:t>Konts </a:t>
             </a:r>
-            <a:endParaRPr sz="1800">
-              <a:solidFill>
-                <a:srgbClr val="1C4587"/>
-              </a:solidFill>
-            </a:endParaRPr>
+            <a:r>
+              <a:rPr lang="lt-LT" sz="1800" u="sng">
+                <a:solidFill>
+                  <a:schemeClr val="hlink"/>
+                </a:solidFill>
+                <a:hlinkClick r:id="rId4"/>
+              </a:rPr>
+              <a:t>https://www.freecodecamp.org/</a:t>
+            </a:r>
+            <a:r>
+              <a:rPr lang="lt-LT" sz="1800">
+                <a:solidFill>
+                  <a:srgbClr val="1C4587"/>
+                </a:solidFill>
+              </a:rPr>
+              <a:t> -</a:t>
+            </a:r>
+            <a:endParaRPr/>
           </a:p>
           <a:p>
             <a:pPr indent="-342898" lvl="0" marL="445138" rtl="0" algn="l">
@@ -30749,192 +30739,6 @@
               </a:buClr>
               <a:buSzPts val="1800"/>
               <a:buChar char="●"/>
-            </a:pPr>
-            <a:r>
-              <a:rPr lang="lt-LT" sz="1800" u="sng">
-                <a:solidFill>
-                  <a:schemeClr val="hlink"/>
-                </a:solidFill>
-                <a:hlinkClick r:id="rId5"/>
-              </a:rPr>
-              <a:t>https://developer.mozilla.org/en-US/</a:t>
-            </a:r>
-            <a:r>
-              <a:rPr lang="lt-LT" sz="1800">
-                <a:solidFill>
-                  <a:srgbClr val="1C4587"/>
-                </a:solidFill>
-              </a:rPr>
-              <a:t> (most authorative)</a:t>
-            </a:r>
-            <a:endParaRPr sz="1800">
-              <a:solidFill>
-                <a:srgbClr val="1C4587"/>
-              </a:solidFill>
-            </a:endParaRPr>
-          </a:p>
-          <a:p>
-            <a:pPr indent="-342898" lvl="0" marL="445138" rtl="0" algn="l">
-              <a:lnSpc>
-                <a:spcPct val="150000"/>
-              </a:lnSpc>
-              <a:spcBef>
-                <a:spcPts val="0"/>
-              </a:spcBef>
-              <a:spcAft>
-                <a:spcPts val="0"/>
-              </a:spcAft>
-              <a:buClr>
-                <a:srgbClr val="1C4587"/>
-              </a:buClr>
-              <a:buSzPts val="1800"/>
-              <a:buChar char="●"/>
-            </a:pPr>
-            <a:r>
-              <a:t/>
-            </a:r>
-            <a:endParaRPr sz="1800">
-              <a:solidFill>
-                <a:srgbClr val="1C4587"/>
-              </a:solidFill>
-            </a:endParaRPr>
-          </a:p>
-          <a:p>
-            <a:pPr indent="-342898" lvl="0" marL="445138" rtl="0" algn="l">
-              <a:lnSpc>
-                <a:spcPct val="150000"/>
-              </a:lnSpc>
-              <a:spcBef>
-                <a:spcPts val="0"/>
-              </a:spcBef>
-              <a:spcAft>
-                <a:spcPts val="0"/>
-              </a:spcAft>
-              <a:buClr>
-                <a:srgbClr val="1C4587"/>
-              </a:buClr>
-              <a:buSzPts val="1800"/>
-              <a:buChar char="●"/>
-            </a:pPr>
-            <a:r>
-              <a:rPr lang="lt-LT" sz="1800" u="sng">
-                <a:solidFill>
-                  <a:schemeClr val="hlink"/>
-                </a:solidFill>
-                <a:hlinkClick r:id="rId6"/>
-              </a:rPr>
-              <a:t>https://www.w3schools.com/</a:t>
-            </a:r>
-            <a:r>
-              <a:rPr lang="lt-LT" sz="1800">
-                <a:solidFill>
-                  <a:srgbClr val="1C4587"/>
-                </a:solidFill>
-              </a:rPr>
-              <a:t> (not official but has improved)</a:t>
-            </a:r>
-            <a:endParaRPr sz="1800">
-              <a:solidFill>
-                <a:srgbClr val="1C4587"/>
-              </a:solidFill>
-            </a:endParaRPr>
-          </a:p>
-          <a:p>
-            <a:pPr indent="-342898" lvl="0" marL="445138" rtl="0" algn="l">
-              <a:lnSpc>
-                <a:spcPct val="150000"/>
-              </a:lnSpc>
-              <a:spcBef>
-                <a:spcPts val="0"/>
-              </a:spcBef>
-              <a:spcAft>
-                <a:spcPts val="0"/>
-              </a:spcAft>
-              <a:buClr>
-                <a:srgbClr val="1C4587"/>
-              </a:buClr>
-              <a:buSzPts val="1800"/>
-              <a:buChar char="●"/>
-            </a:pPr>
-            <a:r>
-              <a:rPr lang="lt-LT" sz="1800" u="sng">
-                <a:solidFill>
-                  <a:schemeClr val="hlink"/>
-                </a:solidFill>
-                <a:hlinkClick r:id="rId7"/>
-              </a:rPr>
-              <a:t>https://stackoverflow.com/</a:t>
-            </a:r>
-            <a:r>
-              <a:rPr lang="lt-LT" sz="1800">
-                <a:solidFill>
-                  <a:srgbClr val="1C4587"/>
-                </a:solidFill>
-              </a:rPr>
-              <a:t> </a:t>
-            </a:r>
-            <a:endParaRPr sz="1800">
-              <a:solidFill>
-                <a:srgbClr val="1C4587"/>
-              </a:solidFill>
-            </a:endParaRPr>
-          </a:p>
-          <a:p>
-            <a:pPr indent="0" lvl="0" marL="0" rtl="0" algn="l">
-              <a:lnSpc>
-                <a:spcPct val="150000"/>
-              </a:lnSpc>
-              <a:spcBef>
-                <a:spcPts val="0"/>
-              </a:spcBef>
-              <a:spcAft>
-                <a:spcPts val="0"/>
-              </a:spcAft>
-              <a:buNone/>
-            </a:pPr>
-            <a:r>
-              <a:t/>
-            </a:r>
-            <a:endParaRPr sz="1800">
-              <a:solidFill>
-                <a:srgbClr val="1C4587"/>
-              </a:solidFill>
-            </a:endParaRPr>
-          </a:p>
-          <a:p>
-            <a:pPr indent="0" lvl="0" marL="0" rtl="0" algn="l">
-              <a:lnSpc>
-                <a:spcPct val="150000"/>
-              </a:lnSpc>
-              <a:spcBef>
-                <a:spcPts val="0"/>
-              </a:spcBef>
-              <a:spcAft>
-                <a:spcPts val="0"/>
-              </a:spcAft>
-              <a:buNone/>
-            </a:pPr>
-            <a:r>
-              <a:t/>
-            </a:r>
-            <a:endParaRPr sz="1800">
-              <a:solidFill>
-                <a:srgbClr val="1C4587"/>
-              </a:solidFill>
-            </a:endParaRPr>
-          </a:p>
-          <a:p>
-            <a:pPr indent="0" lvl="0" marL="445138" rtl="0" algn="l">
-              <a:lnSpc>
-                <a:spcPct val="150000"/>
-              </a:lnSpc>
-              <a:spcBef>
-                <a:spcPts val="0"/>
-              </a:spcBef>
-              <a:spcAft>
-                <a:spcPts val="0"/>
-              </a:spcAft>
-              <a:buNone/>
             </a:pPr>
             <a:r>
               <a:t/>
@@ -30981,8 +30785,8 @@
         </p:nvSpPr>
         <p:spPr>
           <a:xfrm>
-            <a:off x="3484076" y="2349439"/>
-            <a:ext cx="2229151" cy="670207"/>
+            <a:off x="311700" y="445025"/>
+            <a:ext cx="8520600" cy="572700"/>
           </a:xfrm>
           <a:prstGeom prst="rect">
             <a:avLst/>
@@ -31009,23 +30813,46 @@
                 <a:spcPts val="0"/>
               </a:spcAft>
               <a:buClr>
-                <a:schemeClr val="lt1"/>
+                <a:schemeClr val="dk2"/>
               </a:buClr>
               <a:buSzPts val="750"/>
               <a:buFont typeface="Calibri"/>
               <a:buNone/>
             </a:pPr>
             <a:r>
-              <a:rPr b="0" i="0" lang="lt-LT" sz="3000" u="none" cap="none" strike="noStrike">
-                <a:solidFill>
-                  <a:schemeClr val="lt1"/>
-                </a:solidFill>
-                <a:latin typeface="Calibri"/>
-                <a:ea typeface="Calibri"/>
-                <a:cs typeface="Calibri"/>
-                <a:sym typeface="Calibri"/>
-              </a:rPr>
-              <a:t>Jautājumi?</a:t>
+              <a:rPr lang="lt-LT"/>
+              <a:t>Resursi</a:t>
+            </a:r>
+            <a:endParaRPr b="0" i="0" sz="3000" u="none" cap="none" strike="noStrike">
+              <a:solidFill>
+                <a:schemeClr val="dk2"/>
+              </a:solidFill>
+              <a:latin typeface="Calibri"/>
+              <a:ea typeface="Calibri"/>
+              <a:cs typeface="Calibri"/>
+              <a:sym typeface="Calibri"/>
+            </a:endParaRPr>
+          </a:p>
+          <a:p>
+            <a:pPr indent="0" lvl="0" marL="0" marR="0" rtl="0" algn="l">
+              <a:lnSpc>
+                <a:spcPct val="85000"/>
+              </a:lnSpc>
+              <a:spcBef>
+                <a:spcPts val="0"/>
+              </a:spcBef>
+              <a:spcAft>
+                <a:spcPts val="0"/>
+              </a:spcAft>
+              <a:buClr>
+                <a:schemeClr val="dk1"/>
+              </a:buClr>
+              <a:buSzPts val="750"/>
+              <a:buFont typeface="Arial"/>
+              <a:buNone/>
+            </a:pPr>
+            <a:r>
+              <a:t/>
             </a:r>
             <a:endParaRPr b="0" i="0" sz="3000" u="none" cap="none" strike="noStrike">
               <a:solidFill>
@@ -31047,10 +30874,10 @@
         </p:nvGrpSpPr>
         <p:grpSpPr>
           <a:xfrm>
-            <a:off x="6684334" y="145928"/>
-            <a:ext cx="2459665" cy="1233375"/>
-            <a:chOff x="6684334" y="145928"/>
-            <a:chExt cx="2459665" cy="1233375"/>
+            <a:off x="6684334" y="146004"/>
+            <a:ext cx="2459700" cy="1233300"/>
+            <a:chOff x="6684334" y="146004"/>
+            <a:chExt cx="2459700" cy="1233300"/>
           </a:xfrm>
         </p:grpSpPr>
         <p:sp>
@@ -31061,8 +30888,8 @@
           </p:nvSpPr>
           <p:spPr>
             <a:xfrm rot="-5400000">
-              <a:off x="7297479" y="-467217"/>
-              <a:ext cx="1233375" cy="2459665"/>
+              <a:off x="7297534" y="-467196"/>
+              <a:ext cx="1233300" cy="2459700"/>
             </a:xfrm>
             <a:prstGeom prst="rtTriangle">
               <a:avLst/>
@@ -31134,7 +30961,7 @@
           <p:spPr>
             <a:xfrm>
               <a:off x="8088792" y="445025"/>
-              <a:ext cx="1055207" cy="837900"/>
+              <a:ext cx="1055101" cy="837900"/>
             </a:xfrm>
             <a:prstGeom prst="rect">
               <a:avLst/>
@@ -31146,23 +30973,42 @@
           </p:spPr>
         </p:pic>
       </p:grpSp>
-      <p:pic>
-        <p:nvPicPr>
+      <p:cxnSp>
+        <p:nvCxnSpPr>
           <p:cNvPr id="366" name="Google Shape;366;p43"/>
-          <p:cNvPicPr preferRelativeResize="0"/>
+          <p:cNvCxnSpPr/>
           <p:nvPr/>
-        </p:nvPicPr>
-        <p:blipFill rotWithShape="1">
-          <a:blip r:embed="rId4">
-            <a:alphaModFix/>
-          </a:blip>
-          <a:srcRect b="0" l="0" r="0" t="0"/>
-          <a:stretch/>
-        </p:blipFill>
+        </p:nvCxnSpPr>
         <p:spPr>
           <a:xfrm>
-            <a:off x="0" y="4499750"/>
-            <a:ext cx="9144000" cy="643750"/>
+            <a:off x="962875" y="2657075"/>
+            <a:ext cx="4473000" cy="109800"/>
+          </a:xfrm>
+          <a:prstGeom prst="straightConnector1">
+            <a:avLst/>
+          </a:prstGeom>
+          <a:noFill/>
+          <a:ln cap="flat" cmpd="sng" w="9525">
+            <a:solidFill>
+              <a:schemeClr val="dk2"/>
+            </a:solidFill>
+            <a:prstDash val="solid"/>
+            <a:round/>
+            <a:headEnd len="sm" w="sm" type="none"/>
+            <a:tailEnd len="sm" w="sm" type="none"/>
+          </a:ln>
+        </p:spPr>
+      </p:cxnSp>
+      <p:sp>
+        <p:nvSpPr>
+          <p:cNvPr id="367" name="Google Shape;367;p43"/>
+          <p:cNvSpPr txBox="1"/>
+          <p:nvPr/>
+        </p:nvSpPr>
+        <p:spPr>
+          <a:xfrm>
+            <a:off x="692550" y="1651975"/>
+            <a:ext cx="7567500" cy="3000000"/>
           </a:xfrm>
           <a:prstGeom prst="rect">
             <a:avLst/>
@@ -31172,7 +31018,315 @@
             <a:noFill/>
           </a:ln>
         </p:spPr>
-      </p:pic>
+        <p:txBody>
+          <a:bodyPr anchorCtr="0" anchor="ctr" bIns="91425" lIns="91425" spcFirstLastPara="1" rIns="91425" wrap="square" tIns="91425">
+            <a:noAutofit/>
+          </a:bodyPr>
+          <a:lstStyle/>
+          <a:p>
+            <a:pPr indent="0" lvl="0" marL="445138" rtl="0" algn="l">
+              <a:lnSpc>
+                <a:spcPct val="150000"/>
+              </a:lnSpc>
+              <a:spcBef>
+                <a:spcPts val="0"/>
+              </a:spcBef>
+              <a:spcAft>
+                <a:spcPts val="0"/>
+              </a:spcAft>
+              <a:buNone/>
+            </a:pPr>
+            <a:r>
+              <a:t/>
+            </a:r>
+            <a:endParaRPr/>
+          </a:p>
+          <a:p>
+            <a:pPr indent="0" lvl="0" marL="445138" rtl="0" algn="l">
+              <a:lnSpc>
+                <a:spcPct val="150000"/>
+              </a:lnSpc>
+              <a:spcBef>
+                <a:spcPts val="0"/>
+              </a:spcBef>
+              <a:spcAft>
+                <a:spcPts val="0"/>
+              </a:spcAft>
+              <a:buNone/>
+            </a:pPr>
+            <a:r>
+              <a:t/>
+            </a:r>
+            <a:endParaRPr/>
+          </a:p>
+          <a:p>
+            <a:pPr indent="-342898" lvl="0" marL="445138" rtl="0" algn="l">
+              <a:lnSpc>
+                <a:spcPct val="150000"/>
+              </a:lnSpc>
+              <a:spcBef>
+                <a:spcPts val="0"/>
+              </a:spcBef>
+              <a:spcAft>
+                <a:spcPts val="0"/>
+              </a:spcAft>
+              <a:buClr>
+                <a:srgbClr val="1C4587"/>
+              </a:buClr>
+              <a:buSzPts val="1800"/>
+              <a:buChar char="●"/>
+            </a:pPr>
+            <a:r>
+              <a:rPr lang="lt-LT" sz="1800" u="sng">
+                <a:solidFill>
+                  <a:schemeClr val="hlink"/>
+                </a:solidFill>
+                <a:hlinkClick r:id="rId4"/>
+              </a:rPr>
+              <a:t>https://github.com/ValRCS/RCS_WebDev_BootCamp</a:t>
+            </a:r>
+            <a:endParaRPr sz="1800">
+              <a:solidFill>
+                <a:srgbClr val="1C4587"/>
+              </a:solidFill>
+            </a:endParaRPr>
+          </a:p>
+          <a:p>
+            <a:pPr indent="-342898" lvl="0" marL="445138" rtl="0" algn="l">
+              <a:lnSpc>
+                <a:spcPct val="150000"/>
+              </a:lnSpc>
+              <a:spcBef>
+                <a:spcPts val="0"/>
+              </a:spcBef>
+              <a:spcAft>
+                <a:spcPts val="0"/>
+              </a:spcAft>
+              <a:buClr>
+                <a:srgbClr val="1C4587"/>
+              </a:buClr>
+              <a:buSzPts val="1800"/>
+              <a:buChar char="●"/>
+            </a:pPr>
+            <a:r>
+              <a:t/>
+            </a:r>
+            <a:endParaRPr sz="1800">
+              <a:solidFill>
+                <a:srgbClr val="1C4587"/>
+              </a:solidFill>
+            </a:endParaRPr>
+          </a:p>
+          <a:p>
+            <a:pPr indent="-342898" lvl="0" marL="445138" rtl="0" algn="l">
+              <a:lnSpc>
+                <a:spcPct val="150000"/>
+              </a:lnSpc>
+              <a:spcBef>
+                <a:spcPts val="0"/>
+              </a:spcBef>
+              <a:spcAft>
+                <a:spcPts val="0"/>
+              </a:spcAft>
+              <a:buClr>
+                <a:srgbClr val="1C4587"/>
+              </a:buClr>
+              <a:buSzPts val="1800"/>
+              <a:buChar char="●"/>
+            </a:pPr>
+            <a:r>
+              <a:rPr lang="lt-LT" sz="1800" u="sng">
+                <a:solidFill>
+                  <a:schemeClr val="hlink"/>
+                </a:solidFill>
+                <a:hlinkClick r:id="rId5"/>
+              </a:rPr>
+              <a:t>https://developer.mozilla.org/en-US/</a:t>
+            </a:r>
+            <a:r>
+              <a:rPr lang="lt-LT" sz="1800">
+                <a:solidFill>
+                  <a:srgbClr val="1C4587"/>
+                </a:solidFill>
+              </a:rPr>
+              <a:t> (most authorative)</a:t>
+            </a:r>
+            <a:endParaRPr sz="1800">
+              <a:solidFill>
+                <a:srgbClr val="1C4587"/>
+              </a:solidFill>
+            </a:endParaRPr>
+          </a:p>
+          <a:p>
+            <a:pPr indent="-342898" lvl="0" marL="445138" rtl="0" algn="l">
+              <a:lnSpc>
+                <a:spcPct val="150000"/>
+              </a:lnSpc>
+              <a:spcBef>
+                <a:spcPts val="0"/>
+              </a:spcBef>
+              <a:spcAft>
+                <a:spcPts val="0"/>
+              </a:spcAft>
+              <a:buClr>
+                <a:srgbClr val="1C4587"/>
+              </a:buClr>
+              <a:buSzPts val="1800"/>
+              <a:buChar char="●"/>
+            </a:pPr>
+            <a:r>
+              <a:t/>
+            </a:r>
+            <a:endParaRPr sz="1800">
+              <a:solidFill>
+                <a:srgbClr val="1C4587"/>
+              </a:solidFill>
+            </a:endParaRPr>
+          </a:p>
+          <a:p>
+            <a:pPr indent="-342898" lvl="0" marL="445138" rtl="0" algn="l">
+              <a:lnSpc>
+                <a:spcPct val="150000"/>
+              </a:lnSpc>
+              <a:spcBef>
+                <a:spcPts val="0"/>
+              </a:spcBef>
+              <a:spcAft>
+                <a:spcPts val="0"/>
+              </a:spcAft>
+              <a:buClr>
+                <a:srgbClr val="1C4587"/>
+              </a:buClr>
+              <a:buSzPts val="1800"/>
+              <a:buChar char="●"/>
+            </a:pPr>
+            <a:r>
+              <a:rPr lang="lt-LT" sz="1800" u="sng">
+                <a:solidFill>
+                  <a:schemeClr val="hlink"/>
+                </a:solidFill>
+                <a:hlinkClick r:id="rId6"/>
+              </a:rPr>
+              <a:t>https://www.w3schools.com/</a:t>
+            </a:r>
+            <a:r>
+              <a:rPr lang="lt-LT" sz="1800">
+                <a:solidFill>
+                  <a:srgbClr val="1C4587"/>
+                </a:solidFill>
+              </a:rPr>
+              <a:t> (not official but has improved)</a:t>
+            </a:r>
+            <a:endParaRPr sz="1800">
+              <a:solidFill>
+                <a:srgbClr val="1C4587"/>
+              </a:solidFill>
+            </a:endParaRPr>
+          </a:p>
+          <a:p>
+            <a:pPr indent="-342898" lvl="0" marL="445138" rtl="0" algn="l">
+              <a:lnSpc>
+                <a:spcPct val="150000"/>
+              </a:lnSpc>
+              <a:spcBef>
+                <a:spcPts val="0"/>
+              </a:spcBef>
+              <a:spcAft>
+                <a:spcPts val="0"/>
+              </a:spcAft>
+              <a:buClr>
+                <a:srgbClr val="1C4587"/>
+              </a:buClr>
+              <a:buSzPts val="1800"/>
+              <a:buChar char="●"/>
+            </a:pPr>
+            <a:r>
+              <a:rPr lang="lt-LT" sz="1800" u="sng">
+                <a:solidFill>
+                  <a:schemeClr val="hlink"/>
+                </a:solidFill>
+                <a:hlinkClick r:id="rId7"/>
+              </a:rPr>
+              <a:t>https://stackoverflow.com/</a:t>
+            </a:r>
+            <a:r>
+              <a:rPr lang="lt-LT" sz="1800">
+                <a:solidFill>
+                  <a:srgbClr val="1C4587"/>
+                </a:solidFill>
+              </a:rPr>
+              <a:t> </a:t>
+            </a:r>
+            <a:endParaRPr sz="1800">
+              <a:solidFill>
+                <a:srgbClr val="1C4587"/>
+              </a:solidFill>
+            </a:endParaRPr>
+          </a:p>
+          <a:p>
+            <a:pPr indent="0" lvl="0" marL="0" rtl="0" algn="l">
+              <a:lnSpc>
+                <a:spcPct val="150000"/>
+              </a:lnSpc>
+              <a:spcBef>
+                <a:spcPts val="0"/>
+              </a:spcBef>
+              <a:spcAft>
+                <a:spcPts val="0"/>
+              </a:spcAft>
+              <a:buNone/>
+            </a:pPr>
+            <a:r>
+              <a:t/>
+            </a:r>
+            <a:endParaRPr sz="1800">
+              <a:solidFill>
+                <a:srgbClr val="1C4587"/>
+              </a:solidFill>
+            </a:endParaRPr>
+          </a:p>
+          <a:p>
+            <a:pPr indent="0" lvl="0" marL="0" rtl="0" algn="l">
+              <a:lnSpc>
+                <a:spcPct val="150000"/>
+              </a:lnSpc>
+              <a:spcBef>
+                <a:spcPts val="0"/>
+              </a:spcBef>
+              <a:spcAft>
+                <a:spcPts val="0"/>
+              </a:spcAft>
+              <a:buNone/>
+            </a:pPr>
+            <a:r>
+              <a:t/>
+            </a:r>
+            <a:endParaRPr sz="1800">
+              <a:solidFill>
+                <a:srgbClr val="1C4587"/>
+              </a:solidFill>
+            </a:endParaRPr>
+          </a:p>
+          <a:p>
+            <a:pPr indent="0" lvl="0" marL="445138" rtl="0" algn="l">
+              <a:lnSpc>
+                <a:spcPct val="150000"/>
+              </a:lnSpc>
+              <a:spcBef>
+                <a:spcPts val="0"/>
+              </a:spcBef>
+              <a:spcAft>
+                <a:spcPts val="0"/>
+              </a:spcAft>
+              <a:buNone/>
+            </a:pPr>
+            <a:r>
+              <a:t/>
+            </a:r>
+            <a:endParaRPr/>
+          </a:p>
+        </p:txBody>
+      </p:sp>
     </p:spTree>
   </p:cSld>
   <p:clrMapOvr>
@@ -31610,6 +31764,236 @@
         </p:nvPicPr>
         <p:blipFill rotWithShape="1">
           <a:blip r:embed="rId3">
+            <a:alphaModFix/>
+          </a:blip>
+          <a:srcRect b="0" l="0" r="0" t="0"/>
+          <a:stretch/>
+        </p:blipFill>
+        <p:spPr>
+          <a:xfrm>
+            <a:off x="0" y="4499750"/>
+            <a:ext cx="9144000" cy="643750"/>
+          </a:xfrm>
+          <a:prstGeom prst="rect">
+            <a:avLst/>
+          </a:prstGeom>
+          <a:noFill/>
+          <a:ln>
+            <a:noFill/>
+          </a:ln>
+        </p:spPr>
+      </p:pic>
+    </p:spTree>
+  </p:cSld>
+  <p:clrMapOvr>
+    <a:masterClrMapping/>
+  </p:clrMapOvr>
+  <p:transition spd="slow">
+    <p:fade/>
+  </p:transition>
+</p:sld>
+</file>
+
+<file path=ppt/slides/slide30.xml><?xml version="1.0" encoding="utf-8"?>
+<p:sld xmlns:a="http://schemas.openxmlformats.org/drawingml/2006/main" xmlns:r="http://schemas.openxmlformats.org/officeDocument/2006/relationships" xmlns:mc="http://schemas.openxmlformats.org/markup-compatibility/2006" xmlns:mv="urn:schemas-microsoft-com:mac:vml" xmlns:p="http://schemas.openxmlformats.org/presentationml/2006/main" xmlns:c="http://schemas.openxmlformats.org/drawingml/2006/chart" xmlns:dgm="http://schemas.openxmlformats.org/drawingml/2006/diagram" xmlns:o="urn:schemas-microsoft-com:office:office" xmlns:v="urn:schemas-microsoft-com:vml" xmlns:pvml="urn:schemas-microsoft-com:office:powerpoint" xmlns:com="http://schemas.openxmlformats.org/drawingml/2006/compatibility" xmlns:p14="http://schemas.microsoft.com/office/powerpoint/2010/main" xmlns:p15="http://schemas.microsoft.com/office/powerpoint/2012/main">
+  <p:cSld>
+    <p:spTree>
+      <p:nvGrpSpPr>
+        <p:cNvPr id="371" name="Shape 371"/>
+        <p:cNvGrpSpPr/>
+        <p:nvPr/>
+      </p:nvGrpSpPr>
+      <p:grpSpPr>
+        <a:xfrm>
+          <a:off x="0" y="0"/>
+          <a:ext cx="0" cy="0"/>
+          <a:chOff x="0" y="0"/>
+          <a:chExt cx="0" cy="0"/>
+        </a:xfrm>
+      </p:grpSpPr>
+      <p:sp>
+        <p:nvSpPr>
+          <p:cNvPr id="372" name="Google Shape;372;p44"/>
+          <p:cNvSpPr txBox="1"/>
+          <p:nvPr>
+            <p:ph type="title"/>
+          </p:nvPr>
+        </p:nvSpPr>
+        <p:spPr>
+          <a:xfrm>
+            <a:off x="3484076" y="2349439"/>
+            <a:ext cx="2229151" cy="670207"/>
+          </a:xfrm>
+          <a:prstGeom prst="rect">
+            <a:avLst/>
+          </a:prstGeom>
+          <a:noFill/>
+          <a:ln>
+            <a:noFill/>
+          </a:ln>
+        </p:spPr>
+        <p:txBody>
+          <a:bodyPr anchorCtr="0" anchor="t" bIns="91425" lIns="91425" spcFirstLastPara="1" rIns="91425" wrap="square" tIns="91425">
+            <a:noAutofit/>
+          </a:bodyPr>
+          <a:lstStyle/>
+          <a:p>
+            <a:pPr indent="0" lvl="0" marL="0" marR="0" rtl="0" algn="l">
+              <a:lnSpc>
+                <a:spcPct val="85000"/>
+              </a:lnSpc>
+              <a:spcBef>
+                <a:spcPts val="0"/>
+              </a:spcBef>
+              <a:spcAft>
+                <a:spcPts val="0"/>
+              </a:spcAft>
+              <a:buClr>
+                <a:schemeClr val="lt1"/>
+              </a:buClr>
+              <a:buSzPts val="750"/>
+              <a:buFont typeface="Calibri"/>
+              <a:buNone/>
+            </a:pPr>
+            <a:r>
+              <a:rPr b="0" i="0" lang="lt-LT" sz="3000" u="none" cap="none" strike="noStrike">
+                <a:solidFill>
+                  <a:schemeClr val="lt1"/>
+                </a:solidFill>
+                <a:latin typeface="Calibri"/>
+                <a:ea typeface="Calibri"/>
+                <a:cs typeface="Calibri"/>
+                <a:sym typeface="Calibri"/>
+              </a:rPr>
+              <a:t>Jautājumi?</a:t>
+            </a:r>
+            <a:endParaRPr b="0" i="0" sz="3000" u="none" cap="none" strike="noStrike">
+              <a:solidFill>
+                <a:schemeClr val="dk2"/>
+              </a:solidFill>
+              <a:latin typeface="Calibri"/>
+              <a:ea typeface="Calibri"/>
+              <a:cs typeface="Calibri"/>
+              <a:sym typeface="Calibri"/>
+            </a:endParaRPr>
+          </a:p>
+        </p:txBody>
+      </p:sp>
+      <p:grpSp>
+        <p:nvGrpSpPr>
+          <p:cNvPr id="373" name="Google Shape;373;p44"/>
+          <p:cNvGrpSpPr/>
+          <p:nvPr/>
+        </p:nvGrpSpPr>
+        <p:grpSpPr>
+          <a:xfrm>
+            <a:off x="6684334" y="145928"/>
+            <a:ext cx="2459665" cy="1233375"/>
+            <a:chOff x="6684334" y="145928"/>
+            <a:chExt cx="2459665" cy="1233375"/>
+          </a:xfrm>
+        </p:grpSpPr>
+        <p:sp>
+          <p:nvSpPr>
+            <p:cNvPr id="374" name="Google Shape;374;p44"/>
+            <p:cNvSpPr/>
+            <p:nvPr/>
+          </p:nvSpPr>
+          <p:spPr>
+            <a:xfrm rot="-5400000">
+              <a:off x="7297479" y="-467217"/>
+              <a:ext cx="1233375" cy="2459665"/>
+            </a:xfrm>
+            <a:prstGeom prst="rtTriangle">
+              <a:avLst/>
+            </a:prstGeom>
+            <a:solidFill>
+              <a:schemeClr val="dk2"/>
+            </a:solidFill>
+            <a:ln cap="flat" cmpd="sng" w="12700">
+              <a:solidFill>
+                <a:schemeClr val="dk2"/>
+              </a:solidFill>
+              <a:prstDash val="solid"/>
+              <a:round/>
+              <a:headEnd len="sm" w="sm" type="none"/>
+              <a:tailEnd len="sm" w="sm" type="none"/>
+            </a:ln>
+          </p:spPr>
+          <p:txBody>
+            <a:bodyPr anchorCtr="0" anchor="ctr" bIns="45700" lIns="91425" spcFirstLastPara="1" rIns="91425" wrap="square" tIns="45700">
+              <a:noAutofit/>
+            </a:bodyPr>
+            <a:lstStyle/>
+            <a:p>
+              <a:pPr indent="0" lvl="0" marL="0" marR="0" rtl="0" algn="ctr">
+                <a:lnSpc>
+                  <a:spcPct val="100000"/>
+                </a:lnSpc>
+                <a:spcBef>
+                  <a:spcPts val="0"/>
+                </a:spcBef>
+                <a:spcAft>
+                  <a:spcPts val="0"/>
+                </a:spcAft>
+                <a:buClr>
+                  <a:srgbClr val="000000"/>
+                </a:buClr>
+                <a:buSzPts val="1400"/>
+                <a:buFont typeface="Arial"/>
+                <a:buNone/>
+              </a:pPr>
+              <a:r>
+                <a:t/>
+              </a:r>
+              <a:endParaRPr b="0" i="0" sz="1400" u="none" cap="none" strike="noStrike">
+                <a:solidFill>
+                  <a:schemeClr val="lt1"/>
+                </a:solidFill>
+                <a:latin typeface="Arial"/>
+                <a:ea typeface="Arial"/>
+                <a:cs typeface="Arial"/>
+                <a:sym typeface="Arial"/>
+              </a:endParaRPr>
+            </a:p>
+          </p:txBody>
+        </p:sp>
+        <p:pic>
+          <p:nvPicPr>
+            <p:cNvPr id="375" name="Google Shape;375;p44"/>
+            <p:cNvPicPr preferRelativeResize="0"/>
+            <p:nvPr/>
+          </p:nvPicPr>
+          <p:blipFill rotWithShape="1">
+            <a:blip r:embed="rId3">
+              <a:alphaModFix/>
+            </a:blip>
+            <a:srcRect b="0" l="0" r="0" t="0"/>
+            <a:stretch/>
+          </p:blipFill>
+          <p:spPr>
+            <a:xfrm>
+              <a:off x="8088792" y="445025"/>
+              <a:ext cx="1055207" cy="837900"/>
+            </a:xfrm>
+            <a:prstGeom prst="rect">
+              <a:avLst/>
+            </a:prstGeom>
+            <a:noFill/>
+            <a:ln>
+              <a:noFill/>
+            </a:ln>
+          </p:spPr>
+        </p:pic>
+      </p:grpSp>
+      <p:pic>
+        <p:nvPicPr>
+          <p:cNvPr id="376" name="Google Shape;376;p44"/>
+          <p:cNvPicPr preferRelativeResize="0"/>
+          <p:nvPr/>
+        </p:nvPicPr>
+        <p:blipFill rotWithShape="1">
+          <a:blip r:embed="rId4">
             <a:alphaModFix/>
           </a:blip>
           <a:srcRect b="0" l="0" r="0" t="0"/>
@@ -32788,16 +33172,8 @@
               <a:buNone/>
             </a:pPr>
             <a:r>
-              <a:rPr b="0" i="0" lang="lt-LT" sz="3000" u="none" cap="none" strike="noStrike">
-                <a:solidFill>
-                  <a:schemeClr val="dk2"/>
-                </a:solidFill>
-                <a:latin typeface="Calibri"/>
-                <a:ea typeface="Calibri"/>
-                <a:cs typeface="Calibri"/>
-                <a:sym typeface="Calibri"/>
-              </a:rPr>
-              <a:t>Ko Tu spēsi kursa beigās?</a:t>
+              <a:rPr lang="lt-LT"/>
+              <a:t>Kursa virziens</a:t>
             </a:r>
             <a:endParaRPr b="0" i="0" sz="3000" u="none" cap="none" strike="noStrike">
               <a:solidFill>
@@ -32949,9 +33325,297 @@
           </p:spPr>
         </p:pic>
       </p:grpSp>
+      <p:cxnSp>
+        <p:nvCxnSpPr>
+          <p:cNvPr id="142" name="Google Shape;142;p20"/>
+          <p:cNvCxnSpPr/>
+          <p:nvPr/>
+        </p:nvCxnSpPr>
+        <p:spPr>
+          <a:xfrm>
+            <a:off x="962875" y="2657075"/>
+            <a:ext cx="4473000" cy="109800"/>
+          </a:xfrm>
+          <a:prstGeom prst="straightConnector1">
+            <a:avLst/>
+          </a:prstGeom>
+          <a:noFill/>
+          <a:ln cap="flat" cmpd="sng" w="9525">
+            <a:solidFill>
+              <a:schemeClr val="dk2"/>
+            </a:solidFill>
+            <a:prstDash val="solid"/>
+            <a:round/>
+            <a:headEnd len="sm" w="sm" type="none"/>
+            <a:tailEnd len="sm" w="sm" type="none"/>
+          </a:ln>
+        </p:spPr>
+      </p:cxnSp>
       <p:pic>
         <p:nvPicPr>
-          <p:cNvPr id="142" name="Google Shape;142;p20"/>
+          <p:cNvPr id="143" name="Google Shape;143;p20"/>
+          <p:cNvPicPr preferRelativeResize="0"/>
+          <p:nvPr/>
+        </p:nvPicPr>
+        <p:blipFill>
+          <a:blip r:embed="rId4">
+            <a:alphaModFix/>
+          </a:blip>
+          <a:stretch>
+            <a:fillRect/>
+          </a:stretch>
+        </p:blipFill>
+        <p:spPr>
+          <a:xfrm>
+            <a:off x="1869588" y="1576600"/>
+            <a:ext cx="4814738" cy="3209825"/>
+          </a:xfrm>
+          <a:prstGeom prst="rect">
+            <a:avLst/>
+          </a:prstGeom>
+          <a:noFill/>
+          <a:ln>
+            <a:noFill/>
+          </a:ln>
+        </p:spPr>
+      </p:pic>
+    </p:spTree>
+  </p:cSld>
+  <p:clrMapOvr>
+    <a:masterClrMapping/>
+  </p:clrMapOvr>
+  <p:transition spd="slow">
+    <p:fade/>
+  </p:transition>
+</p:sld>
+</file>
+
+<file path=ppt/slides/slide7.xml><?xml version="1.0" encoding="utf-8"?>
+<p:sld xmlns:a="http://schemas.openxmlformats.org/drawingml/2006/main" xmlns:r="http://schemas.openxmlformats.org/officeDocument/2006/relationships" xmlns:mc="http://schemas.openxmlformats.org/markup-compatibility/2006" xmlns:mv="urn:schemas-microsoft-com:mac:vml" xmlns:p="http://schemas.openxmlformats.org/presentationml/2006/main" xmlns:c="http://schemas.openxmlformats.org/drawingml/2006/chart" xmlns:dgm="http://schemas.openxmlformats.org/drawingml/2006/diagram" xmlns:o="urn:schemas-microsoft-com:office:office" xmlns:v="urn:schemas-microsoft-com:vml" xmlns:pvml="urn:schemas-microsoft-com:office:powerpoint" xmlns:com="http://schemas.openxmlformats.org/drawingml/2006/compatibility" xmlns:p14="http://schemas.microsoft.com/office/powerpoint/2010/main" xmlns:p15="http://schemas.microsoft.com/office/powerpoint/2012/main">
+  <p:cSld>
+    <p:spTree>
+      <p:nvGrpSpPr>
+        <p:cNvPr id="147" name="Shape 147"/>
+        <p:cNvGrpSpPr/>
+        <p:nvPr/>
+      </p:nvGrpSpPr>
+      <p:grpSpPr>
+        <a:xfrm>
+          <a:off x="0" y="0"/>
+          <a:ext cx="0" cy="0"/>
+          <a:chOff x="0" y="0"/>
+          <a:chExt cx="0" cy="0"/>
+        </a:xfrm>
+      </p:grpSpPr>
+      <p:sp>
+        <p:nvSpPr>
+          <p:cNvPr id="148" name="Google Shape;148;p21"/>
+          <p:cNvSpPr txBox="1"/>
+          <p:nvPr>
+            <p:ph type="title"/>
+          </p:nvPr>
+        </p:nvSpPr>
+        <p:spPr>
+          <a:xfrm>
+            <a:off x="311700" y="445025"/>
+            <a:ext cx="8520600" cy="572700"/>
+          </a:xfrm>
+          <a:prstGeom prst="rect">
+            <a:avLst/>
+          </a:prstGeom>
+          <a:noFill/>
+          <a:ln>
+            <a:noFill/>
+          </a:ln>
+        </p:spPr>
+        <p:txBody>
+          <a:bodyPr anchorCtr="0" anchor="t" bIns="91425" lIns="91425" spcFirstLastPara="1" rIns="91425" wrap="square" tIns="91425">
+            <a:noAutofit/>
+          </a:bodyPr>
+          <a:lstStyle/>
+          <a:p>
+            <a:pPr indent="0" lvl="0" marL="0" marR="0" rtl="0" algn="l">
+              <a:lnSpc>
+                <a:spcPct val="85000"/>
+              </a:lnSpc>
+              <a:spcBef>
+                <a:spcPts val="0"/>
+              </a:spcBef>
+              <a:spcAft>
+                <a:spcPts val="0"/>
+              </a:spcAft>
+              <a:buClr>
+                <a:schemeClr val="dk2"/>
+              </a:buClr>
+              <a:buSzPts val="750"/>
+              <a:buFont typeface="Calibri"/>
+              <a:buNone/>
+            </a:pPr>
+            <a:r>
+              <a:rPr b="0" i="0" lang="lt-LT" sz="3000" u="none" cap="none" strike="noStrike">
+                <a:solidFill>
+                  <a:schemeClr val="dk2"/>
+                </a:solidFill>
+                <a:latin typeface="Calibri"/>
+                <a:ea typeface="Calibri"/>
+                <a:cs typeface="Calibri"/>
+                <a:sym typeface="Calibri"/>
+              </a:rPr>
+              <a:t>Ko Tu spēsi kursa beigās?</a:t>
+            </a:r>
+            <a:endParaRPr b="0" i="0" sz="3000" u="none" cap="none" strike="noStrike">
+              <a:solidFill>
+                <a:schemeClr val="dk2"/>
+              </a:solidFill>
+              <a:latin typeface="Calibri"/>
+              <a:ea typeface="Calibri"/>
+              <a:cs typeface="Calibri"/>
+              <a:sym typeface="Calibri"/>
+            </a:endParaRPr>
+          </a:p>
+          <a:p>
+            <a:pPr indent="0" lvl="0" marL="0" marR="0" rtl="0" algn="l">
+              <a:lnSpc>
+                <a:spcPct val="85000"/>
+              </a:lnSpc>
+              <a:spcBef>
+                <a:spcPts val="0"/>
+              </a:spcBef>
+              <a:spcAft>
+                <a:spcPts val="0"/>
+              </a:spcAft>
+              <a:buClr>
+                <a:schemeClr val="dk1"/>
+              </a:buClr>
+              <a:buSzPts val="750"/>
+              <a:buFont typeface="Arial"/>
+              <a:buNone/>
+            </a:pPr>
+            <a:r>
+              <a:t/>
+            </a:r>
+            <a:endParaRPr b="0" i="0" sz="3000" u="none" cap="none" strike="noStrike">
+              <a:solidFill>
+                <a:schemeClr val="dk2"/>
+              </a:solidFill>
+              <a:latin typeface="Calibri"/>
+              <a:ea typeface="Calibri"/>
+              <a:cs typeface="Calibri"/>
+              <a:sym typeface="Calibri"/>
+            </a:endParaRPr>
+          </a:p>
+        </p:txBody>
+      </p:sp>
+      <p:grpSp>
+        <p:nvGrpSpPr>
+          <p:cNvPr id="149" name="Google Shape;149;p21"/>
+          <p:cNvGrpSpPr/>
+          <p:nvPr/>
+        </p:nvGrpSpPr>
+        <p:grpSpPr>
+          <a:xfrm>
+            <a:off x="6684334" y="146004"/>
+            <a:ext cx="2459700" cy="1233300"/>
+            <a:chOff x="6684334" y="146004"/>
+            <a:chExt cx="2459700" cy="1233300"/>
+          </a:xfrm>
+        </p:grpSpPr>
+        <p:sp>
+          <p:nvSpPr>
+            <p:cNvPr id="150" name="Google Shape;150;p21"/>
+            <p:cNvSpPr/>
+            <p:nvPr/>
+          </p:nvSpPr>
+          <p:spPr>
+            <a:xfrm rot="-5400000">
+              <a:off x="7297534" y="-467196"/>
+              <a:ext cx="1233300" cy="2459700"/>
+            </a:xfrm>
+            <a:prstGeom prst="rtTriangle">
+              <a:avLst/>
+            </a:prstGeom>
+            <a:solidFill>
+              <a:schemeClr val="dk2"/>
+            </a:solidFill>
+            <a:ln cap="flat" cmpd="sng" w="12700">
+              <a:solidFill>
+                <a:schemeClr val="dk2"/>
+              </a:solidFill>
+              <a:prstDash val="solid"/>
+              <a:round/>
+              <a:headEnd len="sm" w="sm" type="none"/>
+              <a:tailEnd len="sm" w="sm" type="none"/>
+            </a:ln>
+          </p:spPr>
+          <p:txBody>
+            <a:bodyPr anchorCtr="0" anchor="ctr" bIns="45700" lIns="91425" spcFirstLastPara="1" rIns="91425" wrap="square" tIns="45700">
+              <a:noAutofit/>
+            </a:bodyPr>
+            <a:lstStyle/>
+            <a:p>
+              <a:pPr indent="0" lvl="0" marL="0" marR="0" rtl="0" algn="ctr">
+                <a:lnSpc>
+                  <a:spcPct val="100000"/>
+                </a:lnSpc>
+                <a:spcBef>
+                  <a:spcPts val="0"/>
+                </a:spcBef>
+                <a:spcAft>
+                  <a:spcPts val="0"/>
+                </a:spcAft>
+                <a:buClr>
+                  <a:srgbClr val="000000"/>
+                </a:buClr>
+                <a:buSzPts val="1400"/>
+                <a:buFont typeface="Arial"/>
+                <a:buNone/>
+              </a:pPr>
+              <a:r>
+                <a:t/>
+              </a:r>
+              <a:endParaRPr b="0" i="0" sz="1400" u="none" cap="none" strike="noStrike">
+                <a:solidFill>
+                  <a:schemeClr val="lt1"/>
+                </a:solidFill>
+                <a:latin typeface="Arial"/>
+                <a:ea typeface="Arial"/>
+                <a:cs typeface="Arial"/>
+                <a:sym typeface="Arial"/>
+              </a:endParaRPr>
+            </a:p>
+          </p:txBody>
+        </p:sp>
+        <p:pic>
+          <p:nvPicPr>
+            <p:cNvPr id="151" name="Google Shape;151;p21"/>
+            <p:cNvPicPr preferRelativeResize="0"/>
+            <p:nvPr/>
+          </p:nvPicPr>
+          <p:blipFill rotWithShape="1">
+            <a:blip r:embed="rId3">
+              <a:alphaModFix/>
+            </a:blip>
+            <a:srcRect b="0" l="0" r="0" t="0"/>
+            <a:stretch/>
+          </p:blipFill>
+          <p:spPr>
+            <a:xfrm>
+              <a:off x="8088792" y="445025"/>
+              <a:ext cx="1055101" cy="837900"/>
+            </a:xfrm>
+            <a:prstGeom prst="rect">
+              <a:avLst/>
+            </a:prstGeom>
+            <a:noFill/>
+            <a:ln>
+              <a:noFill/>
+            </a:ln>
+          </p:spPr>
+        </p:pic>
+      </p:grpSp>
+      <p:pic>
+        <p:nvPicPr>
+          <p:cNvPr id="152" name="Google Shape;152;p21"/>
           <p:cNvPicPr preferRelativeResize="0"/>
           <p:nvPr/>
         </p:nvPicPr>
@@ -32978,7 +33642,7 @@
       </p:pic>
       <p:cxnSp>
         <p:nvCxnSpPr>
-          <p:cNvPr id="143" name="Google Shape;143;p20"/>
+          <p:cNvPr id="153" name="Google Shape;153;p21"/>
           <p:cNvCxnSpPr/>
           <p:nvPr/>
         </p:nvCxnSpPr>
@@ -33004,7 +33668,7 @@
       </p:cxnSp>
       <p:pic>
         <p:nvPicPr>
-          <p:cNvPr id="144" name="Google Shape;144;p20"/>
+          <p:cNvPr id="154" name="Google Shape;154;p21"/>
           <p:cNvPicPr preferRelativeResize="0"/>
           <p:nvPr/>
         </p:nvPicPr>
@@ -33040,12 +33704,12 @@
 </p:sld>
 </file>
 
-<file path=ppt/slides/slide7.xml><?xml version="1.0" encoding="utf-8"?>
+<file path=ppt/slides/slide8.xml><?xml version="1.0" encoding="utf-8"?>
 <p:sld xmlns:a="http://schemas.openxmlformats.org/drawingml/2006/main" xmlns:r="http://schemas.openxmlformats.org/officeDocument/2006/relationships" xmlns:mc="http://schemas.openxmlformats.org/markup-compatibility/2006" xmlns:mv="urn:schemas-microsoft-com:mac:vml" xmlns:p="http://schemas.openxmlformats.org/presentationml/2006/main" xmlns:c="http://schemas.openxmlformats.org/drawingml/2006/chart" xmlns:dgm="http://schemas.openxmlformats.org/drawingml/2006/diagram" xmlns:o="urn:schemas-microsoft-com:office:office" xmlns:v="urn:schemas-microsoft-com:vml" xmlns:pvml="urn:schemas-microsoft-com:office:powerpoint" xmlns:com="http://schemas.openxmlformats.org/drawingml/2006/compatibility" xmlns:p14="http://schemas.microsoft.com/office/powerpoint/2010/main" xmlns:p15="http://schemas.microsoft.com/office/powerpoint/2012/main">
   <p:cSld>
     <p:spTree>
       <p:nvGrpSpPr>
-        <p:cNvPr id="148" name="Shape 148"/>
+        <p:cNvPr id="158" name="Shape 158"/>
         <p:cNvGrpSpPr/>
         <p:nvPr/>
       </p:nvGrpSpPr>
@@ -33059,7 +33723,7 @@
       </p:grpSpPr>
       <p:sp>
         <p:nvSpPr>
-          <p:cNvPr id="149" name="Google Shape;149;p21"/>
+          <p:cNvPr id="159" name="Google Shape;159;p22"/>
           <p:cNvSpPr txBox="1"/>
           <p:nvPr>
             <p:ph type="title"/>
@@ -33127,7 +33791,7 @@
       </p:sp>
       <p:pic>
         <p:nvPicPr>
-          <p:cNvPr id="150" name="Google Shape;150;p21"/>
+          <p:cNvPr id="160" name="Google Shape;160;p22"/>
           <p:cNvPicPr preferRelativeResize="0"/>
           <p:nvPr/>
         </p:nvPicPr>
@@ -33154,7 +33818,7 @@
       </p:pic>
       <p:grpSp>
         <p:nvGrpSpPr>
-          <p:cNvPr id="151" name="Google Shape;151;p21"/>
+          <p:cNvPr id="161" name="Google Shape;161;p22"/>
           <p:cNvGrpSpPr/>
           <p:nvPr/>
         </p:nvGrpSpPr>
@@ -33168,7 +33832,7 @@
         </p:grpSpPr>
         <p:sp>
           <p:nvSpPr>
-            <p:cNvPr id="152" name="Google Shape;152;p21"/>
+            <p:cNvPr id="162" name="Google Shape;162;p22"/>
             <p:cNvSpPr/>
             <p:nvPr/>
           </p:nvSpPr>
@@ -33233,7 +33897,7 @@
         </p:sp>
         <p:pic>
           <p:nvPicPr>
-            <p:cNvPr id="153" name="Google Shape;153;p21"/>
+            <p:cNvPr id="163" name="Google Shape;163;p22"/>
             <p:cNvPicPr preferRelativeResize="0"/>
             <p:nvPr/>
           </p:nvPicPr>
@@ -33270,12 +33934,12 @@
 </p:sld>
 </file>
 
-<file path=ppt/slides/slide8.xml><?xml version="1.0" encoding="utf-8"?>
+<file path=ppt/slides/slide9.xml><?xml version="1.0" encoding="utf-8"?>
 <p:sld xmlns:a="http://schemas.openxmlformats.org/drawingml/2006/main" xmlns:r="http://schemas.openxmlformats.org/officeDocument/2006/relationships" xmlns:mc="http://schemas.openxmlformats.org/markup-compatibility/2006" xmlns:mv="urn:schemas-microsoft-com:mac:vml" xmlns:p="http://schemas.openxmlformats.org/presentationml/2006/main" xmlns:c="http://schemas.openxmlformats.org/drawingml/2006/chart" xmlns:dgm="http://schemas.openxmlformats.org/drawingml/2006/diagram" xmlns:o="urn:schemas-microsoft-com:office:office" xmlns:v="urn:schemas-microsoft-com:vml" xmlns:pvml="urn:schemas-microsoft-com:office:powerpoint" xmlns:com="http://schemas.openxmlformats.org/drawingml/2006/compatibility" xmlns:p14="http://schemas.microsoft.com/office/powerpoint/2010/main" xmlns:p15="http://schemas.microsoft.com/office/powerpoint/2012/main">
   <p:cSld>
     <p:spTree>
       <p:nvGrpSpPr>
-        <p:cNvPr id="157" name="Shape 157"/>
+        <p:cNvPr id="167" name="Shape 167"/>
         <p:cNvGrpSpPr/>
         <p:nvPr/>
       </p:nvGrpSpPr>
@@ -33289,7 +33953,7 @@
       </p:grpSpPr>
       <p:sp>
         <p:nvSpPr>
-          <p:cNvPr id="158" name="Google Shape;158;p22"/>
+          <p:cNvPr id="168" name="Google Shape;168;p23"/>
           <p:cNvSpPr txBox="1"/>
           <p:nvPr>
             <p:ph type="title"/>
@@ -33357,7 +34021,7 @@
       </p:sp>
       <p:grpSp>
         <p:nvGrpSpPr>
-          <p:cNvPr id="159" name="Google Shape;159;p22"/>
+          <p:cNvPr id="169" name="Google Shape;169;p23"/>
           <p:cNvGrpSpPr/>
           <p:nvPr/>
         </p:nvGrpSpPr>
@@ -33371,7 +34035,7 @@
         </p:grpSpPr>
         <p:sp>
           <p:nvSpPr>
-            <p:cNvPr id="160" name="Google Shape;160;p22"/>
+            <p:cNvPr id="170" name="Google Shape;170;p23"/>
             <p:cNvSpPr/>
             <p:nvPr/>
           </p:nvSpPr>
@@ -33436,7 +34100,7 @@
         </p:sp>
         <p:pic>
           <p:nvPicPr>
-            <p:cNvPr id="161" name="Google Shape;161;p22"/>
+            <p:cNvPr id="171" name="Google Shape;171;p23"/>
             <p:cNvPicPr preferRelativeResize="0"/>
             <p:nvPr/>
           </p:nvPicPr>
@@ -33464,7 +34128,7 @@
       </p:grpSp>
       <p:pic>
         <p:nvPicPr>
-          <p:cNvPr descr="Web Developer" id="162" name="Google Shape;162;p22"/>
+          <p:cNvPr descr="Web Developer" id="172" name="Google Shape;172;p23"/>
           <p:cNvPicPr preferRelativeResize="0"/>
           <p:nvPr/>
         </p:nvPicPr>
@@ -33501,261 +34165,286 @@
 </p:sld>
 </file>
 
-<file path=ppt/slides/slide9.xml><?xml version="1.0" encoding="utf-8"?>
-<p:sld xmlns:a="http://schemas.openxmlformats.org/drawingml/2006/main" xmlns:r="http://schemas.openxmlformats.org/officeDocument/2006/relationships" xmlns:mc="http://schemas.openxmlformats.org/markup-compatibility/2006" xmlns:mv="urn:schemas-microsoft-com:mac:vml" xmlns:p="http://schemas.openxmlformats.org/presentationml/2006/main" xmlns:c="http://schemas.openxmlformats.org/drawingml/2006/chart" xmlns:dgm="http://schemas.openxmlformats.org/drawingml/2006/diagram" xmlns:o="urn:schemas-microsoft-com:office:office" xmlns:v="urn:schemas-microsoft-com:vml" xmlns:pvml="urn:schemas-microsoft-com:office:powerpoint" xmlns:com="http://schemas.openxmlformats.org/drawingml/2006/compatibility" xmlns:p14="http://schemas.microsoft.com/office/powerpoint/2010/main" xmlns:p15="http://schemas.microsoft.com/office/powerpoint/2012/main">
-  <p:cSld>
-    <p:spTree>
-      <p:nvGrpSpPr>
-        <p:cNvPr id="166" name="Shape 166"/>
-        <p:cNvGrpSpPr/>
-        <p:nvPr/>
-      </p:nvGrpSpPr>
-      <p:grpSpPr>
-        <a:xfrm>
-          <a:off x="0" y="0"/>
-          <a:ext cx="0" cy="0"/>
-          <a:chOff x="0" y="0"/>
-          <a:chExt cx="0" cy="0"/>
-        </a:xfrm>
-      </p:grpSpPr>
-      <p:sp>
-        <p:nvSpPr>
-          <p:cNvPr id="167" name="Google Shape;167;p23"/>
-          <p:cNvSpPr txBox="1"/>
-          <p:nvPr>
-            <p:ph type="title"/>
-          </p:nvPr>
-        </p:nvSpPr>
-        <p:spPr>
-          <a:xfrm>
-            <a:off x="311700" y="445025"/>
-            <a:ext cx="8520600" cy="572700"/>
-          </a:xfrm>
-          <a:prstGeom prst="rect">
-            <a:avLst/>
-          </a:prstGeom>
-          <a:noFill/>
-          <a:ln>
-            <a:noFill/>
-          </a:ln>
-        </p:spPr>
-        <p:txBody>
-          <a:bodyPr anchorCtr="0" anchor="t" bIns="91425" lIns="91425" spcFirstLastPara="1" rIns="91425" wrap="square" tIns="91425">
-            <a:noAutofit/>
-          </a:bodyPr>
-          <a:lstStyle/>
-          <a:p>
-            <a:pPr indent="0" lvl="0" marL="0" marR="0" rtl="0" algn="l">
-              <a:lnSpc>
-                <a:spcPct val="85000"/>
-              </a:lnSpc>
-              <a:spcBef>
-                <a:spcPts val="0"/>
-              </a:spcBef>
-              <a:spcAft>
-                <a:spcPts val="0"/>
-              </a:spcAft>
-              <a:buClr>
-                <a:schemeClr val="dk2"/>
-              </a:buClr>
-              <a:buSzPts val="750"/>
-              <a:buFont typeface="Calibri"/>
-              <a:buNone/>
-            </a:pPr>
-            <a:r>
-              <a:rPr lang="lt-LT"/>
-              <a:t>Kas tiek prasīts no Web Developer? 2014</a:t>
-            </a:r>
-            <a:endParaRPr b="0" i="0" sz="3000" u="none" cap="none" strike="noStrike">
-              <a:solidFill>
-                <a:schemeClr val="dk2"/>
-              </a:solidFill>
-              <a:latin typeface="Calibri"/>
-              <a:ea typeface="Calibri"/>
-              <a:cs typeface="Calibri"/>
-              <a:sym typeface="Calibri"/>
-            </a:endParaRPr>
-          </a:p>
-          <a:p>
-            <a:pPr indent="0" lvl="0" marL="0" marR="0" rtl="0" algn="l">
-              <a:lnSpc>
-                <a:spcPct val="85000"/>
-              </a:lnSpc>
-              <a:spcBef>
-                <a:spcPts val="0"/>
-              </a:spcBef>
-              <a:spcAft>
-                <a:spcPts val="0"/>
-              </a:spcAft>
-              <a:buClr>
-                <a:schemeClr val="dk1"/>
-              </a:buClr>
-              <a:buSzPts val="750"/>
-              <a:buFont typeface="Arial"/>
-              <a:buNone/>
-            </a:pPr>
-            <a:r>
-              <a:t/>
-            </a:r>
-            <a:endParaRPr b="0" i="0" sz="3000" u="none" cap="none" strike="noStrike">
-              <a:solidFill>
-                <a:schemeClr val="dk2"/>
-              </a:solidFill>
-              <a:latin typeface="Calibri"/>
-              <a:ea typeface="Calibri"/>
-              <a:cs typeface="Calibri"/>
-              <a:sym typeface="Calibri"/>
-            </a:endParaRPr>
-          </a:p>
-        </p:txBody>
-      </p:sp>
-      <p:grpSp>
-        <p:nvGrpSpPr>
-          <p:cNvPr id="168" name="Google Shape;168;p23"/>
-          <p:cNvGrpSpPr/>
-          <p:nvPr/>
-        </p:nvGrpSpPr>
-        <p:grpSpPr>
-          <a:xfrm>
-            <a:off x="6684334" y="146004"/>
-            <a:ext cx="2459700" cy="1233300"/>
-            <a:chOff x="6684334" y="146004"/>
-            <a:chExt cx="2459700" cy="1233300"/>
-          </a:xfrm>
-        </p:grpSpPr>
-        <p:sp>
-          <p:nvSpPr>
-            <p:cNvPr id="169" name="Google Shape;169;p23"/>
-            <p:cNvSpPr/>
-            <p:nvPr/>
-          </p:nvSpPr>
-          <p:spPr>
-            <a:xfrm rot="-5400000">
-              <a:off x="7297534" y="-467196"/>
-              <a:ext cx="1233300" cy="2459700"/>
-            </a:xfrm>
-            <a:prstGeom prst="rtTriangle">
-              <a:avLst/>
-            </a:prstGeom>
-            <a:solidFill>
-              <a:schemeClr val="dk2"/>
-            </a:solidFill>
-            <a:ln cap="flat" cmpd="sng" w="12700">
-              <a:solidFill>
-                <a:schemeClr val="dk2"/>
-              </a:solidFill>
-              <a:prstDash val="solid"/>
-              <a:round/>
-              <a:headEnd len="sm" w="sm" type="none"/>
-              <a:tailEnd len="sm" w="sm" type="none"/>
-            </a:ln>
-          </p:spPr>
-          <p:txBody>
-            <a:bodyPr anchorCtr="0" anchor="ctr" bIns="45700" lIns="91425" spcFirstLastPara="1" rIns="91425" wrap="square" tIns="45700">
-              <a:noAutofit/>
-            </a:bodyPr>
-            <a:lstStyle/>
-            <a:p>
-              <a:pPr indent="0" lvl="0" marL="0" marR="0" rtl="0" algn="ctr">
-                <a:lnSpc>
-                  <a:spcPct val="100000"/>
-                </a:lnSpc>
-                <a:spcBef>
-                  <a:spcPts val="0"/>
-                </a:spcBef>
-                <a:spcAft>
-                  <a:spcPts val="0"/>
-                </a:spcAft>
-                <a:buClr>
-                  <a:srgbClr val="000000"/>
-                </a:buClr>
-                <a:buSzPts val="1400"/>
-                <a:buFont typeface="Arial"/>
-                <a:buNone/>
-              </a:pPr>
-              <a:r>
-                <a:t/>
-              </a:r>
-              <a:endParaRPr b="0" i="0" sz="1400" u="none" cap="none" strike="noStrike">
-                <a:solidFill>
-                  <a:schemeClr val="lt1"/>
-                </a:solidFill>
-                <a:latin typeface="Arial"/>
-                <a:ea typeface="Arial"/>
-                <a:cs typeface="Arial"/>
-                <a:sym typeface="Arial"/>
-              </a:endParaRPr>
-            </a:p>
-          </p:txBody>
-        </p:sp>
-        <p:pic>
-          <p:nvPicPr>
-            <p:cNvPr id="170" name="Google Shape;170;p23"/>
-            <p:cNvPicPr preferRelativeResize="0"/>
-            <p:nvPr/>
-          </p:nvPicPr>
-          <p:blipFill rotWithShape="1">
-            <a:blip r:embed="rId3">
-              <a:alphaModFix/>
-            </a:blip>
-            <a:srcRect b="0" l="0" r="0" t="0"/>
-            <a:stretch/>
-          </p:blipFill>
-          <p:spPr>
-            <a:xfrm>
-              <a:off x="8088792" y="445025"/>
-              <a:ext cx="1055101" cy="837900"/>
-            </a:xfrm>
-            <a:prstGeom prst="rect">
-              <a:avLst/>
-            </a:prstGeom>
-            <a:noFill/>
-            <a:ln>
-              <a:noFill/>
-            </a:ln>
-          </p:spPr>
-        </p:pic>
-      </p:grpSp>
-      <p:pic>
-        <p:nvPicPr>
-          <p:cNvPr descr="Attēlu rezultāti vaicājumam “web developer skills matrix”" id="171" name="Google Shape;171;p23"/>
-          <p:cNvPicPr preferRelativeResize="0"/>
-          <p:nvPr/>
-        </p:nvPicPr>
-        <p:blipFill>
-          <a:blip r:embed="rId4">
-            <a:alphaModFix/>
-          </a:blip>
-          <a:stretch>
-            <a:fillRect/>
-          </a:stretch>
-        </p:blipFill>
-        <p:spPr>
-          <a:xfrm>
-            <a:off x="252500" y="1601675"/>
-            <a:ext cx="8579801" cy="3235311"/>
-          </a:xfrm>
-          <a:prstGeom prst="rect">
-            <a:avLst/>
-          </a:prstGeom>
-          <a:noFill/>
-          <a:ln>
-            <a:noFill/>
-          </a:ln>
-        </p:spPr>
-      </p:pic>
-    </p:spTree>
-  </p:cSld>
-  <p:clrMapOvr>
-    <a:masterClrMapping/>
-  </p:clrMapOvr>
-  <p:transition spd="slow">
-    <p:fade/>
-  </p:transition>
-</p:sld>
+<file path=ppt/theme/theme1.xml><?xml version="1.0" encoding="utf-8"?>
+<a:theme xmlns:a="http://schemas.openxmlformats.org/drawingml/2006/main" xmlns:r="http://schemas.openxmlformats.org/officeDocument/2006/relationships" name="Banded">
+  <a:themeElements>
+    <a:clrScheme name="Custom 4">
+      <a:dk1>
+        <a:srgbClr val="2C2C2C"/>
+      </a:dk1>
+      <a:lt1>
+        <a:srgbClr val="3952A6"/>
+      </a:lt1>
+      <a:dk2>
+        <a:srgbClr val="FFFFFF"/>
+      </a:dk2>
+      <a:lt2>
+        <a:srgbClr val="C9ECFC"/>
+      </a:lt2>
+      <a:accent1>
+        <a:srgbClr val="FFC000"/>
+      </a:accent1>
+      <a:accent2>
+        <a:srgbClr val="A5D028"/>
+      </a:accent2>
+      <a:accent3>
+        <a:srgbClr val="08CC78"/>
+      </a:accent3>
+      <a:accent4>
+        <a:srgbClr val="F24099"/>
+      </a:accent4>
+      <a:accent5>
+        <a:srgbClr val="828288"/>
+      </a:accent5>
+      <a:accent6>
+        <a:srgbClr val="F56617"/>
+      </a:accent6>
+      <a:hlink>
+        <a:srgbClr val="005DBA"/>
+      </a:hlink>
+      <a:folHlink>
+        <a:srgbClr val="6C606A"/>
+      </a:folHlink>
+    </a:clrScheme>
+    <a:fontScheme name="Office">
+      <a:majorFont>
+        <a:latin typeface="Arial"/>
+        <a:ea typeface=""/>
+        <a:cs typeface=""/>
+        <a:font script="Jpan" typeface="ＭＳ Ｐゴシック"/>
+        <a:font script="Hang" typeface="맑은 고딕"/>
+        <a:font script="Hans" typeface="宋体"/>
+        <a:font script="Hant" typeface="新細明體"/>
+        <a:font script="Arab" typeface="Times New Roman"/>
+        <a:font script="Hebr" typeface="Times New Roman"/>
+        <a:font script="Thai" typeface="Angsana New"/>
+        <a:font script="Ethi" typeface="Nyala"/>
+        <a:font script="Beng" typeface="Vrinda"/>
+        <a:font script="Gujr" typeface="Shruti"/>
+        <a:font script="Khmr" typeface="MoolBoran"/>
+        <a:font script="Knda" typeface="Tunga"/>
+        <a:font script="Guru" typeface="Raavi"/>
+        <a:font script="Cans" typeface="Euphemia"/>
+        <a:font script="Cher" typeface="Plantagenet Cherokee"/>
+        <a:font script="Yiii" typeface="Microsoft Yi Baiti"/>
+        <a:font script="Tibt" typeface="Microsoft Himalaya"/>
+        <a:font script="Thaa" typeface="MV Boli"/>
+        <a:font script="Deva" typeface="Mangal"/>
+        <a:font script="Telu" typeface="Gautami"/>
+        <a:font script="Taml" typeface="Latha"/>
+        <a:font script="Syrc" typeface="Estrangelo Edessa"/>
+        <a:font script="Orya" typeface="Kalinga"/>
+        <a:font script="Mlym" typeface="Kartika"/>
+        <a:font script="Laoo" typeface="DokChampa"/>
+        <a:font script="Sinh" typeface="Iskoola Pota"/>
+        <a:font script="Mong" typeface="Mongolian Baiti"/>
+        <a:font script="Viet" typeface="Times New Roman"/>
+        <a:font script="Uigh" typeface="Microsoft Uighur"/>
+        <a:font script="Geor" typeface="Sylfaen"/>
+      </a:majorFont>
+      <a:minorFont>
+        <a:latin typeface="Arial"/>
+        <a:ea typeface=""/>
+        <a:cs typeface=""/>
+        <a:font script="Jpan" typeface="ＭＳ Ｐゴシック"/>
+        <a:font script="Hang" typeface="맑은 고딕"/>
+        <a:font script="Hans" typeface="宋体"/>
+        <a:font script="Hant" typeface="新細明體"/>
+        <a:font script="Arab" typeface="Arial"/>
+        <a:font script="Hebr" typeface="Arial"/>
+        <a:font script="Thai" typeface="Cordia New"/>
+        <a:font script="Ethi" typeface="Nyala"/>
+        <a:font script="Beng" typeface="Vrinda"/>
+        <a:font script="Gujr" typeface="Shruti"/>
+        <a:font script="Khmr" typeface="DaunPenh"/>
+        <a:font script="Knda" typeface="Tunga"/>
+        <a:font script="Guru" typeface="Raavi"/>
+        <a:font script="Cans" typeface="Euphemia"/>
+        <a:font script="Cher" typeface="Plantagenet Cherokee"/>
+        <a:font script="Yiii" typeface="Microsoft Yi Baiti"/>
+        <a:font script="Tibt" typeface="Microsoft Himalaya"/>
+        <a:font script="Thaa" typeface="MV Boli"/>
+        <a:font script="Deva" typeface="Mangal"/>
+        <a:font script="Telu" typeface="Gautami"/>
+        <a:font script="Taml" typeface="Latha"/>
+        <a:font script="Syrc" typeface="Estrangelo Edessa"/>
+        <a:font script="Orya" typeface="Kalinga"/>
+        <a:font script="Mlym" typeface="Kartika"/>
+        <a:font script="Laoo" typeface="DokChampa"/>
+        <a:font script="Sinh" typeface="Iskoola Pota"/>
+        <a:font script="Mong" typeface="Mongolian Baiti"/>
+        <a:font script="Viet" typeface="Arial"/>
+        <a:font script="Uigh" typeface="Microsoft Uighur"/>
+        <a:font script="Geor" typeface="Sylfaen"/>
+      </a:minorFont>
+    </a:fontScheme>
+    <a:fmtScheme name="Office">
+      <a:fillStyleLst>
+        <a:solidFill>
+          <a:schemeClr val="phClr"/>
+        </a:solidFill>
+        <a:gradFill rotWithShape="1">
+          <a:gsLst>
+            <a:gs pos="0">
+              <a:schemeClr val="phClr">
+                <a:tint val="50000"/>
+                <a:satMod val="300000"/>
+              </a:schemeClr>
+            </a:gs>
+            <a:gs pos="35000">
+              <a:schemeClr val="phClr">
+                <a:tint val="37000"/>
+                <a:satMod val="300000"/>
+              </a:schemeClr>
+            </a:gs>
+            <a:gs pos="100000">
+              <a:schemeClr val="phClr">
+                <a:tint val="15000"/>
+                <a:satMod val="350000"/>
+              </a:schemeClr>
+            </a:gs>
+          </a:gsLst>
+          <a:lin ang="16200000" scaled="1"/>
+        </a:gradFill>
+        <a:gradFill rotWithShape="1">
+          <a:gsLst>
+            <a:gs pos="0">
+              <a:schemeClr val="phClr">
+                <a:tint val="100000"/>
+                <a:shade val="100000"/>
+                <a:satMod val="130000"/>
+              </a:schemeClr>
+            </a:gs>
+            <a:gs pos="100000">
+              <a:schemeClr val="phClr">
+                <a:tint val="50000"/>
+                <a:shade val="100000"/>
+                <a:satMod val="350000"/>
+              </a:schemeClr>
+            </a:gs>
+          </a:gsLst>
+          <a:lin ang="16200000" scaled="0"/>
+        </a:gradFill>
+      </a:fillStyleLst>
+      <a:lnStyleLst>
+        <a:ln w="9525" cap="flat" cmpd="sng" algn="ctr">
+          <a:solidFill>
+            <a:schemeClr val="phClr">
+              <a:shade val="95000"/>
+              <a:satMod val="105000"/>
+            </a:schemeClr>
+          </a:solidFill>
+          <a:prstDash val="solid"/>
+        </a:ln>
+        <a:ln w="25400" cap="flat" cmpd="sng" algn="ctr">
+          <a:solidFill>
+            <a:schemeClr val="phClr"/>
+          </a:solidFill>
+          <a:prstDash val="solid"/>
+        </a:ln>
+        <a:ln w="38100" cap="flat" cmpd="sng" algn="ctr">
+          <a:solidFill>
+            <a:schemeClr val="phClr"/>
+          </a:solidFill>
+          <a:prstDash val="solid"/>
+        </a:ln>
+      </a:lnStyleLst>
+      <a:effectStyleLst>
+        <a:effectStyle>
+          <a:effectLst>
+            <a:outerShdw blurRad="40000" dist="20000" dir="5400000" rotWithShape="0">
+              <a:srgbClr val="000000">
+                <a:alpha val="38000"/>
+              </a:srgbClr>
+            </a:outerShdw>
+          </a:effectLst>
+        </a:effectStyle>
+        <a:effectStyle>
+          <a:effectLst>
+            <a:outerShdw blurRad="40000" dist="23000" dir="5400000" rotWithShape="0">
+              <a:srgbClr val="000000">
+                <a:alpha val="35000"/>
+              </a:srgbClr>
+            </a:outerShdw>
+          </a:effectLst>
+        </a:effectStyle>
+        <a:effectStyle>
+          <a:effectLst>
+            <a:outerShdw blurRad="40000" dist="23000" dir="5400000" rotWithShape="0">
+              <a:srgbClr val="000000">
+                <a:alpha val="35000"/>
+              </a:srgbClr>
+            </a:outerShdw>
+          </a:effectLst>
+          <a:scene3d>
+            <a:camera prst="orthographicFront">
+              <a:rot lat="0" lon="0" rev="0"/>
+            </a:camera>
+            <a:lightRig rig="threePt" dir="t">
+              <a:rot lat="0" lon="0" rev="1200000"/>
+            </a:lightRig>
+          </a:scene3d>
+          <a:sp3d>
+            <a:bevelT w="63500" h="25400"/>
+          </a:sp3d>
+        </a:effectStyle>
+      </a:effectStyleLst>
+      <a:bgFillStyleLst>
+        <a:solidFill>
+          <a:schemeClr val="phClr"/>
+        </a:solidFill>
+        <a:gradFill rotWithShape="1">
+          <a:gsLst>
+            <a:gs pos="0">
+              <a:schemeClr val="phClr">
+                <a:tint val="40000"/>
+                <a:satMod val="350000"/>
+              </a:schemeClr>
+            </a:gs>
+            <a:gs pos="40000">
+              <a:schemeClr val="phClr">
+                <a:tint val="45000"/>
+                <a:shade val="99000"/>
+                <a:satMod val="350000"/>
+              </a:schemeClr>
+            </a:gs>
+            <a:gs pos="100000">
+              <a:schemeClr val="phClr">
+                <a:shade val="20000"/>
+                <a:satMod val="255000"/>
+              </a:schemeClr>
+            </a:gs>
+          </a:gsLst>
+          <a:path path="circle">
+            <a:fillToRect l="50000" t="-80000" r="50000" b="180000"/>
+          </a:path>
+        </a:gradFill>
+        <a:gradFill rotWithShape="1">
+          <a:gsLst>
+            <a:gs pos="0">
+              <a:schemeClr val="phClr">
+                <a:tint val="80000"/>
+                <a:satMod val="300000"/>
+              </a:schemeClr>
+            </a:gs>
+            <a:gs pos="100000">
+              <a:schemeClr val="phClr">
+                <a:shade val="30000"/>
+                <a:satMod val="200000"/>
+              </a:schemeClr>
+            </a:gs>
+          </a:gsLst>
+          <a:path path="circle">
+            <a:fillToRect l="50000" t="50000" r="50000" b="50000"/>
+          </a:path>
+        </a:gradFill>
+      </a:bgFillStyleLst>
+    </a:fmtScheme>
+  </a:themeElements>
+</a:theme>
 </file>
 
-<file path=ppt/theme/theme1.xml><?xml version="1.0" encoding="utf-8"?>
+<file path=ppt/theme/theme2.xml><?xml version="1.0" encoding="utf-8"?>
 <a:theme xmlns:a="http://schemas.openxmlformats.org/drawingml/2006/main" xmlns:r="http://schemas.openxmlformats.org/officeDocument/2006/relationships" name="Custom Theme">
   <a:themeElements>
     <a:clrScheme name="Default">
@@ -34032,283 +34721,4 @@
     </a:fmtScheme>
   </a:themeElements>
 </a:theme>
-</file>
-
-<file path=ppt/theme/theme2.xml><?xml version="1.0" encoding="utf-8"?>
-<a:theme xmlns:a="http://schemas.openxmlformats.org/drawingml/2006/main" xmlns:r="http://schemas.openxmlformats.org/officeDocument/2006/relationships" name="Banded">
-  <a:themeElements>
-    <a:clrScheme name="Custom 4">
-      <a:dk1>
-        <a:srgbClr val="2C2C2C"/>
-      </a:dk1>
-      <a:lt1>
-        <a:srgbClr val="3952A6"/>
-      </a:lt1>
-      <a:dk2>
-        <a:srgbClr val="FFFFFF"/>
-      </a:dk2>
-      <a:lt2>
-        <a:srgbClr val="C9ECFC"/>
-      </a:lt2>
-      <a:accent1>
-        <a:srgbClr val="FFC000"/>
-      </a:accent1>
-      <a:accent2>
-        <a:srgbClr val="A5D028"/>
-      </a:accent2>
-      <a:accent3>
-        <a:srgbClr val="08CC78"/>
-      </a:accent3>
-      <a:accent4>
-        <a:srgbClr val="F24099"/>
-      </a:accent4>
-      <a:accent5>
-        <a:srgbClr val="828288"/>
-      </a:accent5>
-      <a:accent6>
-        <a:srgbClr val="F56617"/>
-      </a:accent6>
-      <a:hlink>
-        <a:srgbClr val="005DBA"/>
-      </a:hlink>
-      <a:folHlink>
-        <a:srgbClr val="6C606A"/>
-      </a:folHlink>
-    </a:clrScheme>
-    <a:fontScheme name="Office">
-      <a:majorFont>
-        <a:latin typeface="Arial"/>
-        <a:ea typeface=""/>
-        <a:cs typeface=""/>
-        <a:font script="Jpan" typeface="ＭＳ Ｐゴシック"/>
-        <a:font script="Hang" typeface="맑은 고딕"/>
-        <a:font script="Hans" typeface="宋体"/>
-        <a:font script="Hant" typeface="新細明體"/>
-        <a:font script="Arab" typeface="Times New Roman"/>
-        <a:font script="Hebr" typeface="Times New Roman"/>
-        <a:font script="Thai" typeface="Angsana New"/>
-        <a:font script="Ethi" typeface="Nyala"/>
-        <a:font script="Beng" typeface="Vrinda"/>
-        <a:font script="Gujr" typeface="Shruti"/>
-        <a:font script="Khmr" typeface="MoolBoran"/>
-        <a:font script="Knda" typeface="Tunga"/>
-        <a:font script="Guru" typeface="Raavi"/>
-        <a:font script="Cans" typeface="Euphemia"/>
-        <a:font script="Cher" typeface="Plantagenet Cherokee"/>
-        <a:font script="Yiii" typeface="Microsoft Yi Baiti"/>
-        <a:font script="Tibt" typeface="Microsoft Himalaya"/>
-        <a:font script="Thaa" typeface="MV Boli"/>
-        <a:font script="Deva" typeface="Mangal"/>
-        <a:font script="Telu" typeface="Gautami"/>
-        <a:font script="Taml" typeface="Latha"/>
-        <a:font script="Syrc" typeface="Estrangelo Edessa"/>
-        <a:font script="Orya" typeface="Kalinga"/>
-        <a:font script="Mlym" typeface="Kartika"/>
-        <a:font script="Laoo" typeface="DokChampa"/>
-        <a:font script="Sinh" typeface="Iskoola Pota"/>
-        <a:font script="Mong" typeface="Mongolian Baiti"/>
-        <a:font script="Viet" typeface="Times New Roman"/>
-        <a:font script="Uigh" typeface="Microsoft Uighur"/>
-        <a:font script="Geor" typeface="Sylfaen"/>
-      </a:majorFont>
-      <a:minorFont>
-        <a:latin typeface="Arial"/>
-        <a:ea typeface=""/>
-        <a:cs typeface=""/>
-        <a:font script="Jpan" typeface="ＭＳ Ｐゴシック"/>
-        <a:font script="Hang" typeface="맑은 고딕"/>
-        <a:font script="Hans" typeface="宋体"/>
-        <a:font script="Hant" typeface="新細明體"/>
-        <a:font script="Arab" typeface="Arial"/>
-        <a:font script="Hebr" typeface="Arial"/>
-        <a:font script="Thai" typeface="Cordia New"/>
-        <a:font script="Ethi" typeface="Nyala"/>
-        <a:font script="Beng" typeface="Vrinda"/>
-        <a:font script="Gujr" typeface="Shruti"/>
-        <a:font script="Khmr" typeface="DaunPenh"/>
-        <a:font script="Knda" typeface="Tunga"/>
-        <a:font script="Guru" typeface="Raavi"/>
-        <a:font script="Cans" typeface="Euphemia"/>
-        <a:font script="Cher" typeface="Plantagenet Cherokee"/>
-        <a:font script="Yiii" typeface="Microsoft Yi Baiti"/>
-        <a:font script="Tibt" typeface="Microsoft Himalaya"/>
-        <a:font script="Thaa" typeface="MV Boli"/>
-        <a:font script="Deva" typeface="Mangal"/>
-        <a:font script="Telu" typeface="Gautami"/>
-        <a:font script="Taml" typeface="Latha"/>
-        <a:font script="Syrc" typeface="Estrangelo Edessa"/>
-        <a:font script="Orya" typeface="Kalinga"/>
-        <a:font script="Mlym" typeface="Kartika"/>
-        <a:font script="Laoo" typeface="DokChampa"/>
-        <a:font script="Sinh" typeface="Iskoola Pota"/>
-        <a:font script="Mong" typeface="Mongolian Baiti"/>
-        <a:font script="Viet" typeface="Arial"/>
-        <a:font script="Uigh" typeface="Microsoft Uighur"/>
-        <a:font script="Geor" typeface="Sylfaen"/>
-      </a:minorFont>
-    </a:fontScheme>
-    <a:fmtScheme name="Office">
-      <a:fillStyleLst>
-        <a:solidFill>
-          <a:schemeClr val="phClr"/>
-        </a:solidFill>
-        <a:gradFill rotWithShape="1">
-          <a:gsLst>
-            <a:gs pos="0">
-              <a:schemeClr val="phClr">
-                <a:tint val="50000"/>
-                <a:satMod val="300000"/>
-              </a:schemeClr>
-            </a:gs>
-            <a:gs pos="35000">
-              <a:schemeClr val="phClr">
-                <a:tint val="37000"/>
-                <a:satMod val="300000"/>
-              </a:schemeClr>
-            </a:gs>
-            <a:gs pos="100000">
-              <a:schemeClr val="phClr">
-                <a:tint val="15000"/>
-                <a:satMod val="350000"/>
-              </a:schemeClr>
-            </a:gs>
-          </a:gsLst>
-          <a:lin ang="16200000" scaled="1"/>
-        </a:gradFill>
-        <a:gradFill rotWithShape="1">
-          <a:gsLst>
-            <a:gs pos="0">
-              <a:schemeClr val="phClr">
-                <a:tint val="100000"/>
-                <a:shade val="100000"/>
-                <a:satMod val="130000"/>
-              </a:schemeClr>
-            </a:gs>
-            <a:gs pos="100000">
-              <a:schemeClr val="phClr">
-                <a:tint val="50000"/>
-                <a:shade val="100000"/>
-                <a:satMod val="350000"/>
-              </a:schemeClr>
-            </a:gs>
-          </a:gsLst>
-          <a:lin ang="16200000" scaled="0"/>
-        </a:gradFill>
-      </a:fillStyleLst>
-      <a:lnStyleLst>
-        <a:ln w="9525" cap="flat" cmpd="sng" algn="ctr">
-          <a:solidFill>
-            <a:schemeClr val="phClr">
-              <a:shade val="95000"/>
-              <a:satMod val="105000"/>
-            </a:schemeClr>
-          </a:solidFill>
-          <a:prstDash val="solid"/>
-        </a:ln>
-        <a:ln w="25400" cap="flat" cmpd="sng" algn="ctr">
-          <a:solidFill>
-            <a:schemeClr val="phClr"/>
-          </a:solidFill>
-          <a:prstDash val="solid"/>
-        </a:ln>
-        <a:ln w="38100" cap="flat" cmpd="sng" algn="ctr">
-          <a:solidFill>
-            <a:schemeClr val="phClr"/>
-          </a:solidFill>
-          <a:prstDash val="solid"/>
-        </a:ln>
-      </a:lnStyleLst>
-      <a:effectStyleLst>
-        <a:effectStyle>
-          <a:effectLst>
-            <a:outerShdw blurRad="40000" dist="20000" dir="5400000" rotWithShape="0">
-              <a:srgbClr val="000000">
-                <a:alpha val="38000"/>
-              </a:srgbClr>
-            </a:outerShdw>
-          </a:effectLst>
-        </a:effectStyle>
-        <a:effectStyle>
-          <a:effectLst>
-            <a:outerShdw blurRad="40000" dist="23000" dir="5400000" rotWithShape="0">
-              <a:srgbClr val="000000">
-                <a:alpha val="35000"/>
-              </a:srgbClr>
-            </a:outerShdw>
-          </a:effectLst>
-        </a:effectStyle>
-        <a:effectStyle>
-          <a:effectLst>
-            <a:outerShdw blurRad="40000" dist="23000" dir="5400000" rotWithShape="0">
-              <a:srgbClr val="000000">
-                <a:alpha val="35000"/>
-              </a:srgbClr>
-            </a:outerShdw>
-          </a:effectLst>
-          <a:scene3d>
-            <a:camera prst="orthographicFront">
-              <a:rot lat="0" lon="0" rev="0"/>
-            </a:camera>
-            <a:lightRig rig="threePt" dir="t">
-              <a:rot lat="0" lon="0" rev="1200000"/>
-            </a:lightRig>
-          </a:scene3d>
-          <a:sp3d>
-            <a:bevelT w="63500" h="25400"/>
-          </a:sp3d>
-        </a:effectStyle>
-      </a:effectStyleLst>
-      <a:bgFillStyleLst>
-        <a:solidFill>
-          <a:schemeClr val="phClr"/>
-        </a:solidFill>
-        <a:gradFill rotWithShape="1">
-          <a:gsLst>
-            <a:gs pos="0">
-              <a:schemeClr val="phClr">
-                <a:tint val="40000"/>
-                <a:satMod val="350000"/>
-              </a:schemeClr>
-            </a:gs>
-            <a:gs pos="40000">
-              <a:schemeClr val="phClr">
-                <a:tint val="45000"/>
-                <a:shade val="99000"/>
-                <a:satMod val="350000"/>
-              </a:schemeClr>
-            </a:gs>
-            <a:gs pos="100000">
-              <a:schemeClr val="phClr">
-                <a:shade val="20000"/>
-                <a:satMod val="255000"/>
-              </a:schemeClr>
-            </a:gs>
-          </a:gsLst>
-          <a:path path="circle">
-            <a:fillToRect l="50000" t="-80000" r="50000" b="180000"/>
-          </a:path>
-        </a:gradFill>
-        <a:gradFill rotWithShape="1">
-          <a:gsLst>
-            <a:gs pos="0">
-              <a:schemeClr val="phClr">
-                <a:tint val="80000"/>
-                <a:satMod val="300000"/>
-              </a:schemeClr>
-            </a:gs>
-            <a:gs pos="100000">
-              <a:schemeClr val="phClr">
-                <a:shade val="30000"/>
-                <a:satMod val="200000"/>
-              </a:schemeClr>
-            </a:gs>
-          </a:gsLst>
-          <a:path path="circle">
-            <a:fillToRect l="50000" t="50000" r="50000" b="50000"/>
-          </a:path>
-        </a:gradFill>
-      </a:bgFillStyleLst>
-    </a:fmtScheme>
-  </a:themeElements>
-</a:theme>
 </file>